--- a/Python과제/Python_7강.pptx
+++ b/Python과제/Python_7강.pptx
@@ -6,34 +6,40 @@
   </p:sldMasterIdLst>
   <p:sldIdLst>
     <p:sldId id="256" r:id="rId2"/>
-    <p:sldId id="257" r:id="rId3"/>
-    <p:sldId id="258" r:id="rId4"/>
-    <p:sldId id="259" r:id="rId5"/>
-    <p:sldId id="260" r:id="rId6"/>
-    <p:sldId id="261" r:id="rId7"/>
-    <p:sldId id="262" r:id="rId8"/>
-    <p:sldId id="263" r:id="rId9"/>
-    <p:sldId id="264" r:id="rId10"/>
-    <p:sldId id="265" r:id="rId11"/>
-    <p:sldId id="266" r:id="rId12"/>
-    <p:sldId id="267" r:id="rId13"/>
-    <p:sldId id="268" r:id="rId14"/>
-    <p:sldId id="269" r:id="rId15"/>
-    <p:sldId id="270" r:id="rId16"/>
-    <p:sldId id="271" r:id="rId17"/>
-    <p:sldId id="272" r:id="rId18"/>
-    <p:sldId id="273" r:id="rId19"/>
-    <p:sldId id="276" r:id="rId20"/>
-    <p:sldId id="277" r:id="rId21"/>
-    <p:sldId id="278" r:id="rId22"/>
-    <p:sldId id="274" r:id="rId23"/>
-    <p:sldId id="275" r:id="rId24"/>
-    <p:sldId id="279" r:id="rId25"/>
-    <p:sldId id="280" r:id="rId26"/>
-    <p:sldId id="281" r:id="rId27"/>
-    <p:sldId id="283" r:id="rId28"/>
-    <p:sldId id="284" r:id="rId29"/>
-    <p:sldId id="285" r:id="rId30"/>
+    <p:sldId id="286" r:id="rId3"/>
+    <p:sldId id="287" r:id="rId4"/>
+    <p:sldId id="257" r:id="rId5"/>
+    <p:sldId id="258" r:id="rId6"/>
+    <p:sldId id="259" r:id="rId7"/>
+    <p:sldId id="260" r:id="rId8"/>
+    <p:sldId id="261" r:id="rId9"/>
+    <p:sldId id="262" r:id="rId10"/>
+    <p:sldId id="263" r:id="rId11"/>
+    <p:sldId id="264" r:id="rId12"/>
+    <p:sldId id="265" r:id="rId13"/>
+    <p:sldId id="266" r:id="rId14"/>
+    <p:sldId id="267" r:id="rId15"/>
+    <p:sldId id="268" r:id="rId16"/>
+    <p:sldId id="269" r:id="rId17"/>
+    <p:sldId id="288" r:id="rId18"/>
+    <p:sldId id="270" r:id="rId19"/>
+    <p:sldId id="271" r:id="rId20"/>
+    <p:sldId id="272" r:id="rId21"/>
+    <p:sldId id="273" r:id="rId22"/>
+    <p:sldId id="276" r:id="rId23"/>
+    <p:sldId id="277" r:id="rId24"/>
+    <p:sldId id="278" r:id="rId25"/>
+    <p:sldId id="274" r:id="rId26"/>
+    <p:sldId id="289" r:id="rId27"/>
+    <p:sldId id="275" r:id="rId28"/>
+    <p:sldId id="279" r:id="rId29"/>
+    <p:sldId id="280" r:id="rId30"/>
+    <p:sldId id="281" r:id="rId31"/>
+    <p:sldId id="283" r:id="rId32"/>
+    <p:sldId id="284" r:id="rId33"/>
+    <p:sldId id="285" r:id="rId34"/>
+    <p:sldId id="291" r:id="rId35"/>
+    <p:sldId id="290" r:id="rId36"/>
   </p:sldIdLst>
   <p:sldSz cx="12192000" cy="6858000"/>
   <p:notesSz cx="6858000" cy="9144000"/>
@@ -154,7 +160,36 @@
           <inkml:channelProperty channel="Y" name="resolution" value="1000" units="1/cm"/>
         </inkml:channelProperties>
       </inkml:inkSource>
-      <inkml:timestamp xml:id="ts0" timeString="2023-05-02T12:53:33.172"/>
+      <inkml:timestamp xml:id="ts0" timeString="2023-05-05T18:16:11.668"/>
+    </inkml:context>
+    <inkml:brush xml:id="br0">
+      <inkml:brushProperty name="width" value="0.4" units="cm"/>
+      <inkml:brushProperty name="height" value="0.8" units="cm"/>
+      <inkml:brushProperty name="color" value="#C0E494"/>
+      <inkml:brushProperty name="tip" value="rectangle"/>
+      <inkml:brushProperty name="rasterOp" value="maskPen"/>
+      <inkml:brushProperty name="ignorePressure" value="1"/>
+    </inkml:brush>
+  </inkml:definitions>
+  <inkml:trace contextRef="#ctx0" brushRef="#br0">1 0,'1225'0,"-1183"0</inkml:trace>
+</inkml:ink>
+</file>
+
+<file path=ppt/ink/ink10.xml><?xml version="1.0" encoding="utf-8"?>
+<inkml:ink xmlns:inkml="http://www.w3.org/2003/InkML">
+  <inkml:definitions>
+    <inkml:context xml:id="ctx0">
+      <inkml:inkSource xml:id="inkSrc0">
+        <inkml:traceFormat>
+          <inkml:channel name="X" type="integer" min="-2.14748E9" max="2.14748E9" units="cm"/>
+          <inkml:channel name="Y" type="integer" min="-2.14748E9" max="2.14748E9" units="cm"/>
+        </inkml:traceFormat>
+        <inkml:channelProperties>
+          <inkml:channelProperty channel="X" name="resolution" value="1000" units="1/cm"/>
+          <inkml:channelProperty channel="Y" name="resolution" value="1000" units="1/cm"/>
+        </inkml:channelProperties>
+      </inkml:inkSource>
+      <inkml:timestamp xml:id="ts0" timeString="2023-05-02T12:53:33.994"/>
     </inkml:context>
     <inkml:brush xml:id="br0">
       <inkml:brushProperty name="width" value="0.3" units="cm"/>
@@ -165,11 +200,185 @@
       <inkml:brushProperty name="ignorePressure" value="1"/>
     </inkml:brush>
   </inkml:definitions>
-  <inkml:trace contextRef="#ctx0" brushRef="#br0">0 0,'8'0,"10"0,17 0,11 0,5 0,2 0,-9 0</inkml:trace>
+  <inkml:trace contextRef="#ctx0" brushRef="#br0">0 1,'0'8,"0"2</inkml:trace>
 </inkml:ink>
 </file>
 
-<file path=ppt/ink/ink10.xml><?xml version="1.0" encoding="utf-8"?>
+<file path=ppt/ink/ink11.xml><?xml version="1.0" encoding="utf-8"?>
+<inkml:ink xmlns:inkml="http://www.w3.org/2003/InkML">
+  <inkml:definitions>
+    <inkml:context xml:id="ctx0">
+      <inkml:inkSource xml:id="inkSrc0">
+        <inkml:traceFormat>
+          <inkml:channel name="X" type="integer" min="-2.14748E9" max="2.14748E9" units="cm"/>
+          <inkml:channel name="Y" type="integer" min="-2.14748E9" max="2.14748E9" units="cm"/>
+        </inkml:traceFormat>
+        <inkml:channelProperties>
+          <inkml:channelProperty channel="X" name="resolution" value="1000" units="1/cm"/>
+          <inkml:channelProperty channel="Y" name="resolution" value="1000" units="1/cm"/>
+        </inkml:channelProperties>
+      </inkml:inkSource>
+      <inkml:timestamp xml:id="ts0" timeString="2023-05-02T12:53:34.341"/>
+    </inkml:context>
+    <inkml:brush xml:id="br0">
+      <inkml:brushProperty name="width" value="0.3" units="cm"/>
+      <inkml:brushProperty name="height" value="0.6" units="cm"/>
+      <inkml:brushProperty name="color" value="#FFFFFF"/>
+      <inkml:brushProperty name="tip" value="rectangle"/>
+      <inkml:brushProperty name="rasterOp" value="maskPen"/>
+      <inkml:brushProperty name="ignorePressure" value="1"/>
+    </inkml:brush>
+  </inkml:definitions>
+  <inkml:trace contextRef="#ctx0" brushRef="#br0">1 1,'0'0</inkml:trace>
+</inkml:ink>
+</file>
+
+<file path=ppt/ink/ink12.xml><?xml version="1.0" encoding="utf-8"?>
+<inkml:ink xmlns:inkml="http://www.w3.org/2003/InkML">
+  <inkml:definitions>
+    <inkml:context xml:id="ctx0">
+      <inkml:inkSource xml:id="inkSrc0">
+        <inkml:traceFormat>
+          <inkml:channel name="X" type="integer" min="-2.14748E9" max="2.14748E9" units="cm"/>
+          <inkml:channel name="Y" type="integer" min="-2.14748E9" max="2.14748E9" units="cm"/>
+        </inkml:traceFormat>
+        <inkml:channelProperties>
+          <inkml:channelProperty channel="X" name="resolution" value="1000" units="1/cm"/>
+          <inkml:channelProperty channel="Y" name="resolution" value="1000" units="1/cm"/>
+        </inkml:channelProperties>
+      </inkml:inkSource>
+      <inkml:timestamp xml:id="ts0" timeString="2023-05-02T12:53:35.248"/>
+    </inkml:context>
+    <inkml:brush xml:id="br0">
+      <inkml:brushProperty name="width" value="0.3" units="cm"/>
+      <inkml:brushProperty name="height" value="0.6" units="cm"/>
+      <inkml:brushProperty name="color" value="#FFFFFF"/>
+      <inkml:brushProperty name="tip" value="rectangle"/>
+      <inkml:brushProperty name="rasterOp" value="maskPen"/>
+      <inkml:brushProperty name="ignorePressure" value="1"/>
+    </inkml:brush>
+  </inkml:definitions>
+  <inkml:trace contextRef="#ctx0" brushRef="#br0">273 361,'1'18,"1"0,1 0,4 18,5 36,-11-70,-1 0,0 0,0 0,0 0,0 0,0 0,-1 0,1-1,-1 1,1 0,-1 0,0 0,1 0,-1-1,0 1,0 0,0-1,0 1,-1-1,1 1,0-1,-4 3,3-3,0 0,-1 0,0 0,1-1,-1 1,1 0,-1-1,0 0,1 0,-1 0,0 0,0 0,1 0,-4-1,-8-3,1 0,0 0,0-1,1 0,-13-8,13 6,0 0,1 0,0-1,0 0,0-1,1 0,1-1,0 0,-10-15,14 17,0-1,1 1,0-1,1 0,0 0,0 0,1-1,0 1,1-1,0 1,0-1,1 1,0-1,2-9,3-8,1 0,1 0,18-44,8-26,-24 57</inkml:trace>
+</inkml:ink>
+</file>
+
+<file path=ppt/ink/ink13.xml><?xml version="1.0" encoding="utf-8"?>
+<inkml:ink xmlns:inkml="http://www.w3.org/2003/InkML">
+  <inkml:definitions>
+    <inkml:context xml:id="ctx0">
+      <inkml:inkSource xml:id="inkSrc0">
+        <inkml:traceFormat>
+          <inkml:channel name="X" type="integer" min="-2.14748E9" max="2.14748E9" units="cm"/>
+          <inkml:channel name="Y" type="integer" min="-2.14748E9" max="2.14748E9" units="cm"/>
+        </inkml:traceFormat>
+        <inkml:channelProperties>
+          <inkml:channelProperty channel="X" name="resolution" value="1000" units="1/cm"/>
+          <inkml:channelProperty channel="Y" name="resolution" value="1000" units="1/cm"/>
+        </inkml:channelProperties>
+      </inkml:inkSource>
+      <inkml:timestamp xml:id="ts0" timeString="2023-05-02T12:53:35.631"/>
+    </inkml:context>
+    <inkml:brush xml:id="br0">
+      <inkml:brushProperty name="width" value="0.3" units="cm"/>
+      <inkml:brushProperty name="height" value="0.6" units="cm"/>
+      <inkml:brushProperty name="color" value="#FFFFFF"/>
+      <inkml:brushProperty name="tip" value="rectangle"/>
+      <inkml:brushProperty name="rasterOp" value="maskPen"/>
+      <inkml:brushProperty name="ignorePressure" value="1"/>
+    </inkml:brush>
+  </inkml:definitions>
+  <inkml:trace contextRef="#ctx0" brushRef="#br0">0 0,'0'0</inkml:trace>
+</inkml:ink>
+</file>
+
+<file path=ppt/ink/ink14.xml><?xml version="1.0" encoding="utf-8"?>
+<inkml:ink xmlns:inkml="http://www.w3.org/2003/InkML">
+  <inkml:definitions>
+    <inkml:context xml:id="ctx0">
+      <inkml:inkSource xml:id="inkSrc0">
+        <inkml:traceFormat>
+          <inkml:channel name="X" type="integer" min="-2.14748E9" max="2.14748E9" units="cm"/>
+          <inkml:channel name="Y" type="integer" min="-2.14748E9" max="2.14748E9" units="cm"/>
+        </inkml:traceFormat>
+        <inkml:channelProperties>
+          <inkml:channelProperty channel="X" name="resolution" value="1000" units="1/cm"/>
+          <inkml:channelProperty channel="Y" name="resolution" value="1000" units="1/cm"/>
+        </inkml:channelProperties>
+      </inkml:inkSource>
+      <inkml:timestamp xml:id="ts0" timeString="2023-05-02T12:53:35.982"/>
+    </inkml:context>
+    <inkml:brush xml:id="br0">
+      <inkml:brushProperty name="width" value="0.3" units="cm"/>
+      <inkml:brushProperty name="height" value="0.6" units="cm"/>
+      <inkml:brushProperty name="color" value="#FFFFFF"/>
+      <inkml:brushProperty name="tip" value="rectangle"/>
+      <inkml:brushProperty name="rasterOp" value="maskPen"/>
+      <inkml:brushProperty name="ignorePressure" value="1"/>
+    </inkml:brush>
+  </inkml:definitions>
+  <inkml:trace contextRef="#ctx0" brushRef="#br0">0 0,'0'0</inkml:trace>
+</inkml:ink>
+</file>
+
+<file path=ppt/ink/ink15.xml><?xml version="1.0" encoding="utf-8"?>
+<inkml:ink xmlns:inkml="http://www.w3.org/2003/InkML">
+  <inkml:definitions>
+    <inkml:context xml:id="ctx0">
+      <inkml:inkSource xml:id="inkSrc0">
+        <inkml:traceFormat>
+          <inkml:channel name="X" type="integer" min="-2.14748E9" max="2.14748E9" units="cm"/>
+          <inkml:channel name="Y" type="integer" min="-2.14748E9" max="2.14748E9" units="cm"/>
+        </inkml:traceFormat>
+        <inkml:channelProperties>
+          <inkml:channelProperty channel="X" name="resolution" value="1000" units="1/cm"/>
+          <inkml:channelProperty channel="Y" name="resolution" value="1000" units="1/cm"/>
+        </inkml:channelProperties>
+      </inkml:inkSource>
+      <inkml:timestamp xml:id="ts0" timeString="2023-05-02T12:53:45.180"/>
+    </inkml:context>
+    <inkml:brush xml:id="br0">
+      <inkml:brushProperty name="width" value="0.5" units="cm"/>
+      <inkml:brushProperty name="height" value="1" units="cm"/>
+      <inkml:brushProperty name="color" value="#FFFFFF"/>
+      <inkml:brushProperty name="tip" value="rectangle"/>
+      <inkml:brushProperty name="rasterOp" value="maskPen"/>
+      <inkml:brushProperty name="ignorePressure" value="1"/>
+    </inkml:brush>
+  </inkml:definitions>
+  <inkml:trace contextRef="#ctx0" brushRef="#br0">0 0,'0'0</inkml:trace>
+</inkml:ink>
+</file>
+
+<file path=ppt/ink/ink16.xml><?xml version="1.0" encoding="utf-8"?>
+<inkml:ink xmlns:inkml="http://www.w3.org/2003/InkML">
+  <inkml:definitions>
+    <inkml:context xml:id="ctx0">
+      <inkml:inkSource xml:id="inkSrc0">
+        <inkml:traceFormat>
+          <inkml:channel name="X" type="integer" min="-2.14748E9" max="2.14748E9" units="cm"/>
+          <inkml:channel name="Y" type="integer" min="-2.14748E9" max="2.14748E9" units="cm"/>
+        </inkml:traceFormat>
+        <inkml:channelProperties>
+          <inkml:channelProperty channel="X" name="resolution" value="1000" units="1/cm"/>
+          <inkml:channelProperty channel="Y" name="resolution" value="1000" units="1/cm"/>
+        </inkml:channelProperties>
+      </inkml:inkSource>
+      <inkml:timestamp xml:id="ts0" timeString="2023-05-02T12:53:47.795"/>
+    </inkml:context>
+    <inkml:brush xml:id="br0">
+      <inkml:brushProperty name="width" value="0.5" units="cm"/>
+      <inkml:brushProperty name="height" value="1" units="cm"/>
+      <inkml:brushProperty name="color" value="#FFFFFF"/>
+      <inkml:brushProperty name="tip" value="rectangle"/>
+      <inkml:brushProperty name="rasterOp" value="maskPen"/>
+      <inkml:brushProperty name="ignorePressure" value="1"/>
+    </inkml:brush>
+  </inkml:definitions>
+  <inkml:trace contextRef="#ctx0" brushRef="#br0">0 0,'8'0,"9"0,11 0,7 0,6 0,4 0,-6 8,-10 10,-9 17,-9 19,-6 7,-3 1,-3-2,-1-4,0-11</inkml:trace>
+</inkml:ink>
+</file>
+
+<file path=ppt/ink/ink17.xml><?xml version="1.0" encoding="utf-8"?>
 <inkml:ink xmlns:inkml="http://www.w3.org/2003/InkML">
   <inkml:definitions>
     <inkml:context xml:id="ctx0">
@@ -198,7 +407,7 @@
 </inkml:ink>
 </file>
 
-<file path=ppt/ink/ink11.xml><?xml version="1.0" encoding="utf-8"?>
+<file path=ppt/ink/ink18.xml><?xml version="1.0" encoding="utf-8"?>
 <inkml:ink xmlns:inkml="http://www.w3.org/2003/InkML">
   <inkml:definitions>
     <inkml:context xml:id="ctx0">
@@ -228,7 +437,7 @@
 </inkml:ink>
 </file>
 
-<file path=ppt/ink/ink12.xml><?xml version="1.0" encoding="utf-8"?>
+<file path=ppt/ink/ink19.xml><?xml version="1.0" encoding="utf-8"?>
 <inkml:ink xmlns:inkml="http://www.w3.org/2003/InkML">
   <inkml:definitions>
     <inkml:context xml:id="ctx0">
@@ -257,7 +466,36 @@
 </inkml:ink>
 </file>
 
-<file path=ppt/ink/ink13.xml><?xml version="1.0" encoding="utf-8"?>
+<file path=ppt/ink/ink2.xml><?xml version="1.0" encoding="utf-8"?>
+<inkml:ink xmlns:inkml="http://www.w3.org/2003/InkML">
+  <inkml:definitions>
+    <inkml:context xml:id="ctx0">
+      <inkml:inkSource xml:id="inkSrc0">
+        <inkml:traceFormat>
+          <inkml:channel name="X" type="integer" min="-2.14748E9" max="2.14748E9" units="cm"/>
+          <inkml:channel name="Y" type="integer" min="-2.14748E9" max="2.14748E9" units="cm"/>
+        </inkml:traceFormat>
+        <inkml:channelProperties>
+          <inkml:channelProperty channel="X" name="resolution" value="1000" units="1/cm"/>
+          <inkml:channelProperty channel="Y" name="resolution" value="1000" units="1/cm"/>
+        </inkml:channelProperties>
+      </inkml:inkSource>
+      <inkml:timestamp xml:id="ts0" timeString="2023-05-05T18:16:17.770"/>
+    </inkml:context>
+    <inkml:brush xml:id="br0">
+      <inkml:brushProperty name="width" value="0.4" units="cm"/>
+      <inkml:brushProperty name="height" value="0.8" units="cm"/>
+      <inkml:brushProperty name="color" value="#C0E494"/>
+      <inkml:brushProperty name="tip" value="rectangle"/>
+      <inkml:brushProperty name="rasterOp" value="maskPen"/>
+      <inkml:brushProperty name="ignorePressure" value="1"/>
+    </inkml:brush>
+  </inkml:definitions>
+  <inkml:trace contextRef="#ctx0" brushRef="#br0">1 1,'7620'0,"-7580"0</inkml:trace>
+</inkml:ink>
+</file>
+
+<file path=ppt/ink/ink20.xml><?xml version="1.0" encoding="utf-8"?>
 <inkml:ink xmlns:inkml="http://www.w3.org/2003/InkML">
   <inkml:definitions>
     <inkml:context xml:id="ctx0">
@@ -286,7 +524,7 @@
 </inkml:ink>
 </file>
 
-<file path=ppt/ink/ink14.xml><?xml version="1.0" encoding="utf-8"?>
+<file path=ppt/ink/ink21.xml><?xml version="1.0" encoding="utf-8"?>
 <inkml:ink xmlns:inkml="http://www.w3.org/2003/InkML">
   <inkml:definitions>
     <inkml:context xml:id="ctx0">
@@ -315,7 +553,7 @@
 </inkml:ink>
 </file>
 
-<file path=ppt/ink/ink15.xml><?xml version="1.0" encoding="utf-8"?>
+<file path=ppt/ink/ink22.xml><?xml version="1.0" encoding="utf-8"?>
 <inkml:ink xmlns:inkml="http://www.w3.org/2003/InkML">
   <inkml:definitions>
     <inkml:context xml:id="ctx0">
@@ -344,7 +582,7 @@
 </inkml:ink>
 </file>
 
-<file path=ppt/ink/ink16.xml><?xml version="1.0" encoding="utf-8"?>
+<file path=ppt/ink/ink23.xml><?xml version="1.0" encoding="utf-8"?>
 <inkml:ink xmlns:inkml="http://www.w3.org/2003/InkML">
   <inkml:definitions>
     <inkml:context xml:id="ctx0">
@@ -373,7 +611,7 @@
 </inkml:ink>
 </file>
 
-<file path=ppt/ink/ink17.xml><?xml version="1.0" encoding="utf-8"?>
+<file path=ppt/ink/ink24.xml><?xml version="1.0" encoding="utf-8"?>
 <inkml:ink xmlns:inkml="http://www.w3.org/2003/InkML">
   <inkml:definitions>
     <inkml:context xml:id="ctx0">
@@ -402,7 +640,7 @@
 </inkml:ink>
 </file>
 
-<file path=ppt/ink/ink18.xml><?xml version="1.0" encoding="utf-8"?>
+<file path=ppt/ink/ink25.xml><?xml version="1.0" encoding="utf-8"?>
 <inkml:ink xmlns:inkml="http://www.w3.org/2003/InkML">
   <inkml:definitions>
     <inkml:context xml:id="ctx0">
@@ -432,7 +670,7 @@
 </inkml:ink>
 </file>
 
-<file path=ppt/ink/ink19.xml><?xml version="1.0" encoding="utf-8"?>
+<file path=ppt/ink/ink26.xml><?xml version="1.0" encoding="utf-8"?>
 <inkml:ink xmlns:inkml="http://www.w3.org/2003/InkML">
   <inkml:definitions>
     <inkml:context xml:id="ctx0">
@@ -464,36 +702,7 @@
 </inkml:ink>
 </file>
 
-<file path=ppt/ink/ink2.xml><?xml version="1.0" encoding="utf-8"?>
-<inkml:ink xmlns:inkml="http://www.w3.org/2003/InkML">
-  <inkml:definitions>
-    <inkml:context xml:id="ctx0">
-      <inkml:inkSource xml:id="inkSrc0">
-        <inkml:traceFormat>
-          <inkml:channel name="X" type="integer" min="-2.14748E9" max="2.14748E9" units="cm"/>
-          <inkml:channel name="Y" type="integer" min="-2.14748E9" max="2.14748E9" units="cm"/>
-        </inkml:traceFormat>
-        <inkml:channelProperties>
-          <inkml:channelProperty channel="X" name="resolution" value="1000" units="1/cm"/>
-          <inkml:channelProperty channel="Y" name="resolution" value="1000" units="1/cm"/>
-        </inkml:channelProperties>
-      </inkml:inkSource>
-      <inkml:timestamp xml:id="ts0" timeString="2023-05-02T12:53:33.628"/>
-    </inkml:context>
-    <inkml:brush xml:id="br0">
-      <inkml:brushProperty name="width" value="0.3" units="cm"/>
-      <inkml:brushProperty name="height" value="0.6" units="cm"/>
-      <inkml:brushProperty name="color" value="#FFFFFF"/>
-      <inkml:brushProperty name="tip" value="rectangle"/>
-      <inkml:brushProperty name="rasterOp" value="maskPen"/>
-      <inkml:brushProperty name="ignorePressure" value="1"/>
-    </inkml:brush>
-  </inkml:definitions>
-  <inkml:trace contextRef="#ctx0" brushRef="#br0">0 0,'0'0</inkml:trace>
-</inkml:ink>
-</file>
-
-<file path=ppt/ink/ink20.xml><?xml version="1.0" encoding="utf-8"?>
+<file path=ppt/ink/ink27.xml><?xml version="1.0" encoding="utf-8"?>
 <inkml:ink xmlns:inkml="http://www.w3.org/2003/InkML">
   <inkml:definitions>
     <inkml:context xml:id="ctx0">
@@ -521,7 +730,7 @@
 </inkml:ink>
 </file>
 
-<file path=ppt/ink/ink21.xml><?xml version="1.0" encoding="utf-8"?>
+<file path=ppt/ink/ink28.xml><?xml version="1.0" encoding="utf-8"?>
 <inkml:ink xmlns:inkml="http://www.w3.org/2003/InkML">
   <inkml:definitions>
     <inkml:context xml:id="ctx0">
@@ -549,7 +758,7 @@
 </inkml:ink>
 </file>
 
-<file path=ppt/ink/ink22.xml><?xml version="1.0" encoding="utf-8"?>
+<file path=ppt/ink/ink29.xml><?xml version="1.0" encoding="utf-8"?>
 <inkml:ink xmlns:inkml="http://www.w3.org/2003/InkML">
   <inkml:definitions>
     <inkml:context xml:id="ctx0">
@@ -577,7 +786,65 @@
 </inkml:ink>
 </file>
 
-<file path=ppt/ink/ink23.xml><?xml version="1.0" encoding="utf-8"?>
+<file path=ppt/ink/ink3.xml><?xml version="1.0" encoding="utf-8"?>
+<inkml:ink xmlns:inkml="http://www.w3.org/2003/InkML">
+  <inkml:definitions>
+    <inkml:context xml:id="ctx0">
+      <inkml:inkSource xml:id="inkSrc0">
+        <inkml:traceFormat>
+          <inkml:channel name="X" type="integer" min="-2.14748E9" max="2.14748E9" units="cm"/>
+          <inkml:channel name="Y" type="integer" min="-2.14748E9" max="2.14748E9" units="cm"/>
+        </inkml:traceFormat>
+        <inkml:channelProperties>
+          <inkml:channelProperty channel="X" name="resolution" value="1000" units="1/cm"/>
+          <inkml:channelProperty channel="Y" name="resolution" value="1000" units="1/cm"/>
+        </inkml:channelProperties>
+      </inkml:inkSource>
+      <inkml:timestamp xml:id="ts0" timeString="2023-05-05T18:16:55.909"/>
+    </inkml:context>
+    <inkml:brush xml:id="br0">
+      <inkml:brushProperty name="width" value="0.4" units="cm"/>
+      <inkml:brushProperty name="height" value="0.8" units="cm"/>
+      <inkml:brushProperty name="color" value="#C0E494"/>
+      <inkml:brushProperty name="tip" value="rectangle"/>
+      <inkml:brushProperty name="rasterOp" value="maskPen"/>
+      <inkml:brushProperty name="ignorePressure" value="1"/>
+    </inkml:brush>
+  </inkml:definitions>
+  <inkml:trace contextRef="#ctx0" brushRef="#br0">1 0,'3177'0,"-3138"0</inkml:trace>
+</inkml:ink>
+</file>
+
+<file path=ppt/ink/ink30.xml><?xml version="1.0" encoding="utf-8"?>
+<inkml:ink xmlns:inkml="http://www.w3.org/2003/InkML">
+  <inkml:definitions>
+    <inkml:context xml:id="ctx0">
+      <inkml:inkSource xml:id="inkSrc0">
+        <inkml:traceFormat>
+          <inkml:channel name="X" type="integer" min="-2.14748E9" max="2.14748E9" units="cm"/>
+          <inkml:channel name="Y" type="integer" min="-2.14748E9" max="2.14748E9" units="cm"/>
+        </inkml:traceFormat>
+        <inkml:channelProperties>
+          <inkml:channelProperty channel="X" name="resolution" value="1000" units="1/cm"/>
+          <inkml:channelProperty channel="Y" name="resolution" value="1000" units="1/cm"/>
+        </inkml:channelProperties>
+      </inkml:inkSource>
+      <inkml:timestamp xml:id="ts0" timeString="2023-05-05T18:18:26.621"/>
+    </inkml:context>
+    <inkml:brush xml:id="br0">
+      <inkml:brushProperty name="width" value="0.4" units="cm"/>
+      <inkml:brushProperty name="height" value="0.8" units="cm"/>
+      <inkml:brushProperty name="color" value="#C0E494"/>
+      <inkml:brushProperty name="tip" value="rectangle"/>
+      <inkml:brushProperty name="rasterOp" value="maskPen"/>
+      <inkml:brushProperty name="ignorePressure" value="1"/>
+    </inkml:brush>
+  </inkml:definitions>
+  <inkml:trace contextRef="#ctx0" brushRef="#br0">1 0,'5761'0,"-5722"0</inkml:trace>
+</inkml:ink>
+</file>
+
+<file path=ppt/ink/ink31.xml><?xml version="1.0" encoding="utf-8"?>
 <inkml:ink xmlns:inkml="http://www.w3.org/2003/InkML">
   <inkml:definitions>
     <inkml:context xml:id="ctx0">
@@ -605,7 +872,152 @@
 </inkml:ink>
 </file>
 
-<file path=ppt/ink/ink24.xml><?xml version="1.0" encoding="utf-8"?>
+<file path=ppt/ink/ink32.xml><?xml version="1.0" encoding="utf-8"?>
+<inkml:ink xmlns:inkml="http://www.w3.org/2003/InkML">
+  <inkml:definitions>
+    <inkml:context xml:id="ctx0">
+      <inkml:inkSource xml:id="inkSrc0">
+        <inkml:traceFormat>
+          <inkml:channel name="X" type="integer" min="-2.14748E9" max="2.14748E9" units="cm"/>
+          <inkml:channel name="Y" type="integer" min="-2.14748E9" max="2.14748E9" units="cm"/>
+        </inkml:traceFormat>
+        <inkml:channelProperties>
+          <inkml:channelProperty channel="X" name="resolution" value="1000" units="1/cm"/>
+          <inkml:channelProperty channel="Y" name="resolution" value="1000" units="1/cm"/>
+        </inkml:channelProperties>
+      </inkml:inkSource>
+      <inkml:timestamp xml:id="ts0" timeString="2023-05-05T18:18:39.338"/>
+    </inkml:context>
+    <inkml:brush xml:id="br0">
+      <inkml:brushProperty name="width" value="0.4" units="cm"/>
+      <inkml:brushProperty name="height" value="0.8" units="cm"/>
+      <inkml:brushProperty name="color" value="#C0E494"/>
+      <inkml:brushProperty name="tip" value="rectangle"/>
+      <inkml:brushProperty name="rasterOp" value="maskPen"/>
+      <inkml:brushProperty name="ignorePressure" value="1"/>
+    </inkml:brush>
+  </inkml:definitions>
+  <inkml:trace contextRef="#ctx0" brushRef="#br0">1 0,'3675'0,"-3636"0</inkml:trace>
+</inkml:ink>
+</file>
+
+<file path=ppt/ink/ink33.xml><?xml version="1.0" encoding="utf-8"?>
+<inkml:ink xmlns:inkml="http://www.w3.org/2003/InkML">
+  <inkml:definitions>
+    <inkml:context xml:id="ctx0">
+      <inkml:inkSource xml:id="inkSrc0">
+        <inkml:traceFormat>
+          <inkml:channel name="X" type="integer" min="-2.14748E9" max="2.14748E9" units="cm"/>
+          <inkml:channel name="Y" type="integer" min="-2.14748E9" max="2.14748E9" units="cm"/>
+        </inkml:traceFormat>
+        <inkml:channelProperties>
+          <inkml:channelProperty channel="X" name="resolution" value="1000" units="1/cm"/>
+          <inkml:channelProperty channel="Y" name="resolution" value="1000" units="1/cm"/>
+        </inkml:channelProperties>
+      </inkml:inkSource>
+      <inkml:timestamp xml:id="ts0" timeString="2023-05-05T18:18:49.817"/>
+    </inkml:context>
+    <inkml:brush xml:id="br0">
+      <inkml:brushProperty name="width" value="0.4" units="cm"/>
+      <inkml:brushProperty name="height" value="0.8" units="cm"/>
+      <inkml:brushProperty name="color" value="#C0E494"/>
+      <inkml:brushProperty name="tip" value="rectangle"/>
+      <inkml:brushProperty name="rasterOp" value="maskPen"/>
+      <inkml:brushProperty name="ignorePressure" value="1"/>
+    </inkml:brush>
+  </inkml:definitions>
+  <inkml:trace contextRef="#ctx0" brushRef="#br0">1 1,'5704'0,"-5672"0</inkml:trace>
+</inkml:ink>
+</file>
+
+<file path=ppt/ink/ink34.xml><?xml version="1.0" encoding="utf-8"?>
+<inkml:ink xmlns:inkml="http://www.w3.org/2003/InkML">
+  <inkml:definitions>
+    <inkml:context xml:id="ctx0">
+      <inkml:inkSource xml:id="inkSrc0">
+        <inkml:traceFormat>
+          <inkml:channel name="X" type="integer" min="-2.14748E9" max="2.14748E9" units="cm"/>
+          <inkml:channel name="Y" type="integer" min="-2.14748E9" max="2.14748E9" units="cm"/>
+        </inkml:traceFormat>
+        <inkml:channelProperties>
+          <inkml:channelProperty channel="X" name="resolution" value="1000" units="1/cm"/>
+          <inkml:channelProperty channel="Y" name="resolution" value="1000" units="1/cm"/>
+        </inkml:channelProperties>
+      </inkml:inkSource>
+      <inkml:timestamp xml:id="ts0" timeString="2023-05-05T18:19:12.517"/>
+    </inkml:context>
+    <inkml:brush xml:id="br0">
+      <inkml:brushProperty name="width" value="0.4" units="cm"/>
+      <inkml:brushProperty name="height" value="0.8" units="cm"/>
+      <inkml:brushProperty name="color" value="#C0E494"/>
+      <inkml:brushProperty name="tip" value="rectangle"/>
+      <inkml:brushProperty name="rasterOp" value="maskPen"/>
+      <inkml:brushProperty name="ignorePressure" value="1"/>
+    </inkml:brush>
+  </inkml:definitions>
+  <inkml:trace contextRef="#ctx0" brushRef="#br0">1 1,'6133'0,"-6100"0</inkml:trace>
+</inkml:ink>
+</file>
+
+<file path=ppt/ink/ink35.xml><?xml version="1.0" encoding="utf-8"?>
+<inkml:ink xmlns:inkml="http://www.w3.org/2003/InkML">
+  <inkml:definitions>
+    <inkml:context xml:id="ctx0">
+      <inkml:inkSource xml:id="inkSrc0">
+        <inkml:traceFormat>
+          <inkml:channel name="X" type="integer" min="-2.14748E9" max="2.14748E9" units="cm"/>
+          <inkml:channel name="Y" type="integer" min="-2.14748E9" max="2.14748E9" units="cm"/>
+        </inkml:traceFormat>
+        <inkml:channelProperties>
+          <inkml:channelProperty channel="X" name="resolution" value="1000" units="1/cm"/>
+          <inkml:channelProperty channel="Y" name="resolution" value="1000" units="1/cm"/>
+        </inkml:channelProperties>
+      </inkml:inkSource>
+      <inkml:timestamp xml:id="ts0" timeString="2023-05-05T18:19:25.419"/>
+    </inkml:context>
+    <inkml:brush xml:id="br0">
+      <inkml:brushProperty name="width" value="0.4" units="cm"/>
+      <inkml:brushProperty name="height" value="0.8" units="cm"/>
+      <inkml:brushProperty name="color" value="#C0E494"/>
+      <inkml:brushProperty name="tip" value="rectangle"/>
+      <inkml:brushProperty name="rasterOp" value="maskPen"/>
+      <inkml:brushProperty name="ignorePressure" value="1"/>
+    </inkml:brush>
+  </inkml:definitions>
+  <inkml:trace contextRef="#ctx0" brushRef="#br0">0 1,'2996'0,"-2957"0</inkml:trace>
+</inkml:ink>
+</file>
+
+<file path=ppt/ink/ink36.xml><?xml version="1.0" encoding="utf-8"?>
+<inkml:ink xmlns:inkml="http://www.w3.org/2003/InkML">
+  <inkml:definitions>
+    <inkml:context xml:id="ctx0">
+      <inkml:inkSource xml:id="inkSrc0">
+        <inkml:traceFormat>
+          <inkml:channel name="X" type="integer" min="-2.14748E9" max="2.14748E9" units="cm"/>
+          <inkml:channel name="Y" type="integer" min="-2.14748E9" max="2.14748E9" units="cm"/>
+        </inkml:traceFormat>
+        <inkml:channelProperties>
+          <inkml:channelProperty channel="X" name="resolution" value="1000" units="1/cm"/>
+          <inkml:channelProperty channel="Y" name="resolution" value="1000" units="1/cm"/>
+        </inkml:channelProperties>
+      </inkml:inkSource>
+      <inkml:timestamp xml:id="ts0" timeString="2023-05-05T18:20:12.017"/>
+    </inkml:context>
+    <inkml:brush xml:id="br0">
+      <inkml:brushProperty name="width" value="0.4" units="cm"/>
+      <inkml:brushProperty name="height" value="0.8" units="cm"/>
+      <inkml:brushProperty name="color" value="#C0E494"/>
+      <inkml:brushProperty name="tip" value="rectangle"/>
+      <inkml:brushProperty name="rasterOp" value="maskPen"/>
+      <inkml:brushProperty name="ignorePressure" value="1"/>
+    </inkml:brush>
+  </inkml:definitions>
+  <inkml:trace contextRef="#ctx0" brushRef="#br0">0 0,'9934'0,"-9895"0</inkml:trace>
+</inkml:ink>
+</file>
+
+<file path=ppt/ink/ink37.xml><?xml version="1.0" encoding="utf-8"?>
 <inkml:ink xmlns:inkml="http://www.w3.org/2003/InkML">
   <inkml:definitions>
     <inkml:context xml:id="ctx0">
@@ -634,7 +1046,7 @@
 </inkml:ink>
 </file>
 
-<file path=ppt/ink/ink25.xml><?xml version="1.0" encoding="utf-8"?>
+<file path=ppt/ink/ink38.xml><?xml version="1.0" encoding="utf-8"?>
 <inkml:ink xmlns:inkml="http://www.w3.org/2003/InkML">
   <inkml:definitions>
     <inkml:context xml:id="ctx0">
@@ -663,7 +1075,7 @@
 </inkml:ink>
 </file>
 
-<file path=ppt/ink/ink26.xml><?xml version="1.0" encoding="utf-8"?>
+<file path=ppt/ink/ink39.xml><?xml version="1.0" encoding="utf-8"?>
 <inkml:ink xmlns:inkml="http://www.w3.org/2003/InkML">
   <inkml:definitions>
     <inkml:context xml:id="ctx0">
@@ -692,7 +1104,36 @@
 </inkml:ink>
 </file>
 
-<file path=ppt/ink/ink27.xml><?xml version="1.0" encoding="utf-8"?>
+<file path=ppt/ink/ink4.xml><?xml version="1.0" encoding="utf-8"?>
+<inkml:ink xmlns:inkml="http://www.w3.org/2003/InkML">
+  <inkml:definitions>
+    <inkml:context xml:id="ctx0">
+      <inkml:inkSource xml:id="inkSrc0">
+        <inkml:traceFormat>
+          <inkml:channel name="X" type="integer" min="-2.14748E9" max="2.14748E9" units="cm"/>
+          <inkml:channel name="Y" type="integer" min="-2.14748E9" max="2.14748E9" units="cm"/>
+        </inkml:traceFormat>
+        <inkml:channelProperties>
+          <inkml:channelProperty channel="X" name="resolution" value="1000" units="1/cm"/>
+          <inkml:channelProperty channel="Y" name="resolution" value="1000" units="1/cm"/>
+        </inkml:channelProperties>
+      </inkml:inkSource>
+      <inkml:timestamp xml:id="ts0" timeString="2023-05-05T18:17:26.337"/>
+    </inkml:context>
+    <inkml:brush xml:id="br0">
+      <inkml:brushProperty name="width" value="0.4" units="cm"/>
+      <inkml:brushProperty name="height" value="0.8" units="cm"/>
+      <inkml:brushProperty name="color" value="#C0E494"/>
+      <inkml:brushProperty name="tip" value="rectangle"/>
+      <inkml:brushProperty name="rasterOp" value="maskPen"/>
+      <inkml:brushProperty name="ignorePressure" value="1"/>
+    </inkml:brush>
+  </inkml:definitions>
+  <inkml:trace contextRef="#ctx0" brushRef="#br0">0 0,'14741'0,"-14702"0</inkml:trace>
+</inkml:ink>
+</file>
+
+<file path=ppt/ink/ink40.xml><?xml version="1.0" encoding="utf-8"?>
 <inkml:ink xmlns:inkml="http://www.w3.org/2003/InkML">
   <inkml:definitions>
     <inkml:context xml:id="ctx0">
@@ -721,7 +1162,7 @@
 </inkml:ink>
 </file>
 
-<file path=ppt/ink/ink28.xml><?xml version="1.0" encoding="utf-8"?>
+<file path=ppt/ink/ink41.xml><?xml version="1.0" encoding="utf-8"?>
 <inkml:ink xmlns:inkml="http://www.w3.org/2003/InkML">
   <inkml:definitions>
     <inkml:context xml:id="ctx0">
@@ -750,7 +1191,7 @@
 </inkml:ink>
 </file>
 
-<file path=ppt/ink/ink29.xml><?xml version="1.0" encoding="utf-8"?>
+<file path=ppt/ink/ink42.xml><?xml version="1.0" encoding="utf-8"?>
 <inkml:ink xmlns:inkml="http://www.w3.org/2003/InkML">
   <inkml:definitions>
     <inkml:context xml:id="ctx0">
@@ -779,36 +1220,7 @@
 </inkml:ink>
 </file>
 
-<file path=ppt/ink/ink3.xml><?xml version="1.0" encoding="utf-8"?>
-<inkml:ink xmlns:inkml="http://www.w3.org/2003/InkML">
-  <inkml:definitions>
-    <inkml:context xml:id="ctx0">
-      <inkml:inkSource xml:id="inkSrc0">
-        <inkml:traceFormat>
-          <inkml:channel name="X" type="integer" min="-2.14748E9" max="2.14748E9" units="cm"/>
-          <inkml:channel name="Y" type="integer" min="-2.14748E9" max="2.14748E9" units="cm"/>
-        </inkml:traceFormat>
-        <inkml:channelProperties>
-          <inkml:channelProperty channel="X" name="resolution" value="1000" units="1/cm"/>
-          <inkml:channelProperty channel="Y" name="resolution" value="1000" units="1/cm"/>
-        </inkml:channelProperties>
-      </inkml:inkSource>
-      <inkml:timestamp xml:id="ts0" timeString="2023-05-02T12:53:33.994"/>
-    </inkml:context>
-    <inkml:brush xml:id="br0">
-      <inkml:brushProperty name="width" value="0.3" units="cm"/>
-      <inkml:brushProperty name="height" value="0.6" units="cm"/>
-      <inkml:brushProperty name="color" value="#FFFFFF"/>
-      <inkml:brushProperty name="tip" value="rectangle"/>
-      <inkml:brushProperty name="rasterOp" value="maskPen"/>
-      <inkml:brushProperty name="ignorePressure" value="1"/>
-    </inkml:brush>
-  </inkml:definitions>
-  <inkml:trace contextRef="#ctx0" brushRef="#br0">0 1,'0'8,"0"2</inkml:trace>
-</inkml:ink>
-</file>
-
-<file path=ppt/ink/ink30.xml><?xml version="1.0" encoding="utf-8"?>
+<file path=ppt/ink/ink43.xml><?xml version="1.0" encoding="utf-8"?>
 <inkml:ink xmlns:inkml="http://www.w3.org/2003/InkML">
   <inkml:definitions>
     <inkml:context xml:id="ctx0">
@@ -837,7 +1249,7 @@
 </inkml:ink>
 </file>
 
-<file path=ppt/ink/ink31.xml><?xml version="1.0" encoding="utf-8"?>
+<file path=ppt/ink/ink44.xml><?xml version="1.0" encoding="utf-8"?>
 <inkml:ink xmlns:inkml="http://www.w3.org/2003/InkML">
   <inkml:definitions>
     <inkml:context xml:id="ctx0">
@@ -866,7 +1278,7 @@
 </inkml:ink>
 </file>
 
-<file path=ppt/ink/ink32.xml><?xml version="1.0" encoding="utf-8"?>
+<file path=ppt/ink/ink45.xml><?xml version="1.0" encoding="utf-8"?>
 <inkml:ink xmlns:inkml="http://www.w3.org/2003/InkML">
   <inkml:definitions>
     <inkml:context xml:id="ctx0">
@@ -895,7 +1307,7 @@
 </inkml:ink>
 </file>
 
-<file path=ppt/ink/ink33.xml><?xml version="1.0" encoding="utf-8"?>
+<file path=ppt/ink/ink46.xml><?xml version="1.0" encoding="utf-8"?>
 <inkml:ink xmlns:inkml="http://www.w3.org/2003/InkML">
   <inkml:definitions>
     <inkml:context xml:id="ctx0">
@@ -924,7 +1336,7 @@
 </inkml:ink>
 </file>
 
-<file path=ppt/ink/ink34.xml><?xml version="1.0" encoding="utf-8"?>
+<file path=ppt/ink/ink47.xml><?xml version="1.0" encoding="utf-8"?>
 <inkml:ink xmlns:inkml="http://www.w3.org/2003/InkML">
   <inkml:definitions>
     <inkml:context xml:id="ctx0">
@@ -953,7 +1365,7 @@
 </inkml:ink>
 </file>
 
-<file path=ppt/ink/ink4.xml><?xml version="1.0" encoding="utf-8"?>
+<file path=ppt/ink/ink48.xml><?xml version="1.0" encoding="utf-8"?>
 <inkml:ink xmlns:inkml="http://www.w3.org/2003/InkML">
   <inkml:definitions>
     <inkml:context xml:id="ctx0">
@@ -967,18 +1379,47 @@
           <inkml:channelProperty channel="Y" name="resolution" value="1000" units="1/cm"/>
         </inkml:channelProperties>
       </inkml:inkSource>
-      <inkml:timestamp xml:id="ts0" timeString="2023-05-02T12:53:34.341"/>
+      <inkml:timestamp xml:id="ts0" timeString="2023-05-05T18:20:30.299"/>
     </inkml:context>
     <inkml:brush xml:id="br0">
-      <inkml:brushProperty name="width" value="0.3" units="cm"/>
-      <inkml:brushProperty name="height" value="0.6" units="cm"/>
-      <inkml:brushProperty name="color" value="#FFFFFF"/>
+      <inkml:brushProperty name="width" value="0.4" units="cm"/>
+      <inkml:brushProperty name="height" value="0.8" units="cm"/>
+      <inkml:brushProperty name="color" value="#C0E494"/>
       <inkml:brushProperty name="tip" value="rectangle"/>
       <inkml:brushProperty name="rasterOp" value="maskPen"/>
       <inkml:brushProperty name="ignorePressure" value="1"/>
     </inkml:brush>
   </inkml:definitions>
-  <inkml:trace contextRef="#ctx0" brushRef="#br0">1 1,'0'0</inkml:trace>
+  <inkml:trace contextRef="#ctx0" brushRef="#br0">1 1,'3946'0,"-3907"0</inkml:trace>
+</inkml:ink>
+</file>
+
+<file path=ppt/ink/ink49.xml><?xml version="1.0" encoding="utf-8"?>
+<inkml:ink xmlns:inkml="http://www.w3.org/2003/InkML">
+  <inkml:definitions>
+    <inkml:context xml:id="ctx0">
+      <inkml:inkSource xml:id="inkSrc0">
+        <inkml:traceFormat>
+          <inkml:channel name="X" type="integer" min="-2.14748E9" max="2.14748E9" units="cm"/>
+          <inkml:channel name="Y" type="integer" min="-2.14748E9" max="2.14748E9" units="cm"/>
+        </inkml:traceFormat>
+        <inkml:channelProperties>
+          <inkml:channelProperty channel="X" name="resolution" value="1000" units="1/cm"/>
+          <inkml:channelProperty channel="Y" name="resolution" value="1000" units="1/cm"/>
+        </inkml:channelProperties>
+      </inkml:inkSource>
+      <inkml:timestamp xml:id="ts0" timeString="2023-05-05T18:20:40.143"/>
+    </inkml:context>
+    <inkml:brush xml:id="br0">
+      <inkml:brushProperty name="width" value="0.4" units="cm"/>
+      <inkml:brushProperty name="height" value="0.8" units="cm"/>
+      <inkml:brushProperty name="color" value="#C0E494"/>
+      <inkml:brushProperty name="tip" value="rectangle"/>
+      <inkml:brushProperty name="rasterOp" value="maskPen"/>
+      <inkml:brushProperty name="ignorePressure" value="1"/>
+    </inkml:brush>
+  </inkml:definitions>
+  <inkml:trace contextRef="#ctx0" brushRef="#br0">0 0,'8212'0,"-8173"0</inkml:trace>
 </inkml:ink>
 </file>
 
@@ -996,18 +1437,105 @@
           <inkml:channelProperty channel="Y" name="resolution" value="1000" units="1/cm"/>
         </inkml:channelProperties>
       </inkml:inkSource>
-      <inkml:timestamp xml:id="ts0" timeString="2023-05-02T12:53:35.248"/>
+      <inkml:timestamp xml:id="ts0" timeString="2023-05-05T18:17:35.563"/>
     </inkml:context>
     <inkml:brush xml:id="br0">
-      <inkml:brushProperty name="width" value="0.3" units="cm"/>
-      <inkml:brushProperty name="height" value="0.6" units="cm"/>
-      <inkml:brushProperty name="color" value="#FFFFFF"/>
+      <inkml:brushProperty name="width" value="0.4" units="cm"/>
+      <inkml:brushProperty name="height" value="0.8" units="cm"/>
+      <inkml:brushProperty name="color" value="#C0E494"/>
       <inkml:brushProperty name="tip" value="rectangle"/>
       <inkml:brushProperty name="rasterOp" value="maskPen"/>
       <inkml:brushProperty name="ignorePressure" value="1"/>
     </inkml:brush>
   </inkml:definitions>
-  <inkml:trace contextRef="#ctx0" brushRef="#br0">273 361,'1'18,"1"0,1 0,4 18,5 36,-11-70,-1 0,0 0,0 0,0 0,0 0,0 0,-1 0,1-1,-1 1,1 0,-1 0,0 0,1 0,-1-1,0 1,0 0,0-1,0 1,-1-1,1 1,0-1,-4 3,3-3,0 0,-1 0,0 0,1-1,-1 1,1 0,-1-1,0 0,1 0,-1 0,0 0,0 0,1 0,-4-1,-8-3,1 0,0 0,0-1,1 0,-13-8,13 6,0 0,1 0,0-1,0 0,0-1,1 0,1-1,0 0,-10-15,14 17,0-1,1 1,0-1,1 0,0 0,0 0,1-1,0 1,1-1,0 1,0-1,1 1,0-1,2-9,3-8,1 0,1 0,18-44,8-26,-24 57</inkml:trace>
+  <inkml:trace contextRef="#ctx0" brushRef="#br0">0 1,'1761'0,"-1731"0</inkml:trace>
+</inkml:ink>
+</file>
+
+<file path=ppt/ink/ink50.xml><?xml version="1.0" encoding="utf-8"?>
+<inkml:ink xmlns:inkml="http://www.w3.org/2003/InkML">
+  <inkml:definitions>
+    <inkml:context xml:id="ctx0">
+      <inkml:inkSource xml:id="inkSrc0">
+        <inkml:traceFormat>
+          <inkml:channel name="X" type="integer" min="-2.14748E9" max="2.14748E9" units="cm"/>
+          <inkml:channel name="Y" type="integer" min="-2.14748E9" max="2.14748E9" units="cm"/>
+        </inkml:traceFormat>
+        <inkml:channelProperties>
+          <inkml:channelProperty channel="X" name="resolution" value="1000" units="1/cm"/>
+          <inkml:channelProperty channel="Y" name="resolution" value="1000" units="1/cm"/>
+        </inkml:channelProperties>
+      </inkml:inkSource>
+      <inkml:timestamp xml:id="ts0" timeString="2023-05-05T18:20:42.201"/>
+    </inkml:context>
+    <inkml:brush xml:id="br0">
+      <inkml:brushProperty name="width" value="0.4" units="cm"/>
+      <inkml:brushProperty name="height" value="0.8" units="cm"/>
+      <inkml:brushProperty name="color" value="#C0E494"/>
+      <inkml:brushProperty name="tip" value="rectangle"/>
+      <inkml:brushProperty name="rasterOp" value="maskPen"/>
+      <inkml:brushProperty name="ignorePressure" value="1"/>
+    </inkml:brush>
+  </inkml:definitions>
+  <inkml:trace contextRef="#ctx0" brushRef="#br0">1 0,'0'0</inkml:trace>
+</inkml:ink>
+</file>
+
+<file path=ppt/ink/ink51.xml><?xml version="1.0" encoding="utf-8"?>
+<inkml:ink xmlns:inkml="http://www.w3.org/2003/InkML">
+  <inkml:definitions>
+    <inkml:context xml:id="ctx0">
+      <inkml:inkSource xml:id="inkSrc0">
+        <inkml:traceFormat>
+          <inkml:channel name="X" type="integer" min="-2.14748E9" max="2.14748E9" units="cm"/>
+          <inkml:channel name="Y" type="integer" min="-2.14748E9" max="2.14748E9" units="cm"/>
+        </inkml:traceFormat>
+        <inkml:channelProperties>
+          <inkml:channelProperty channel="X" name="resolution" value="1000" units="1/cm"/>
+          <inkml:channelProperty channel="Y" name="resolution" value="1000" units="1/cm"/>
+        </inkml:channelProperties>
+      </inkml:inkSource>
+      <inkml:timestamp xml:id="ts0" timeString="2023-05-05T18:20:44.492"/>
+    </inkml:context>
+    <inkml:brush xml:id="br0">
+      <inkml:brushProperty name="width" value="0.4" units="cm"/>
+      <inkml:brushProperty name="height" value="0.8" units="cm"/>
+      <inkml:brushProperty name="color" value="#C0E494"/>
+      <inkml:brushProperty name="tip" value="rectangle"/>
+      <inkml:brushProperty name="rasterOp" value="maskPen"/>
+      <inkml:brushProperty name="ignorePressure" value="1"/>
+    </inkml:brush>
+  </inkml:definitions>
+  <inkml:trace contextRef="#ctx0" brushRef="#br0">1 0,'0'0</inkml:trace>
+</inkml:ink>
+</file>
+
+<file path=ppt/ink/ink52.xml><?xml version="1.0" encoding="utf-8"?>
+<inkml:ink xmlns:inkml="http://www.w3.org/2003/InkML">
+  <inkml:definitions>
+    <inkml:context xml:id="ctx0">
+      <inkml:inkSource xml:id="inkSrc0">
+        <inkml:traceFormat>
+          <inkml:channel name="X" type="integer" min="-2.14748E9" max="2.14748E9" units="cm"/>
+          <inkml:channel name="Y" type="integer" min="-2.14748E9" max="2.14748E9" units="cm"/>
+        </inkml:traceFormat>
+        <inkml:channelProperties>
+          <inkml:channelProperty channel="X" name="resolution" value="1000" units="1/cm"/>
+          <inkml:channelProperty channel="Y" name="resolution" value="1000" units="1/cm"/>
+        </inkml:channelProperties>
+      </inkml:inkSource>
+      <inkml:timestamp xml:id="ts0" timeString="2023-05-05T18:20:56.065"/>
+    </inkml:context>
+    <inkml:brush xml:id="br0">
+      <inkml:brushProperty name="width" value="0.4" units="cm"/>
+      <inkml:brushProperty name="height" value="0.8" units="cm"/>
+      <inkml:brushProperty name="color" value="#C0E494"/>
+      <inkml:brushProperty name="tip" value="rectangle"/>
+      <inkml:brushProperty name="rasterOp" value="maskPen"/>
+      <inkml:brushProperty name="ignorePressure" value="1"/>
+    </inkml:brush>
+  </inkml:definitions>
+  <inkml:trace contextRef="#ctx0" brushRef="#br0">0 0,'18843'0,"-18813"0</inkml:trace>
 </inkml:ink>
 </file>
 
@@ -1025,18 +1553,18 @@
           <inkml:channelProperty channel="Y" name="resolution" value="1000" units="1/cm"/>
         </inkml:channelProperties>
       </inkml:inkSource>
-      <inkml:timestamp xml:id="ts0" timeString="2023-05-02T12:53:35.631"/>
+      <inkml:timestamp xml:id="ts0" timeString="2023-05-05T18:17:53.005"/>
     </inkml:context>
     <inkml:brush xml:id="br0">
-      <inkml:brushProperty name="width" value="0.3" units="cm"/>
-      <inkml:brushProperty name="height" value="0.6" units="cm"/>
-      <inkml:brushProperty name="color" value="#FFFFFF"/>
+      <inkml:brushProperty name="width" value="0.4" units="cm"/>
+      <inkml:brushProperty name="height" value="0.8" units="cm"/>
+      <inkml:brushProperty name="color" value="#C0E494"/>
       <inkml:brushProperty name="tip" value="rectangle"/>
       <inkml:brushProperty name="rasterOp" value="maskPen"/>
       <inkml:brushProperty name="ignorePressure" value="1"/>
     </inkml:brush>
   </inkml:definitions>
-  <inkml:trace contextRef="#ctx0" brushRef="#br0">0 0,'0'0</inkml:trace>
+  <inkml:trace contextRef="#ctx0" brushRef="#br0">1 0,'2659'0,"-2612"0</inkml:trace>
 </inkml:ink>
 </file>
 
@@ -1054,18 +1582,18 @@
           <inkml:channelProperty channel="Y" name="resolution" value="1000" units="1/cm"/>
         </inkml:channelProperties>
       </inkml:inkSource>
-      <inkml:timestamp xml:id="ts0" timeString="2023-05-02T12:53:35.982"/>
+      <inkml:timestamp xml:id="ts0" timeString="2023-05-05T18:18:19.775"/>
     </inkml:context>
     <inkml:brush xml:id="br0">
-      <inkml:brushProperty name="width" value="0.3" units="cm"/>
-      <inkml:brushProperty name="height" value="0.6" units="cm"/>
-      <inkml:brushProperty name="color" value="#FFFFFF"/>
+      <inkml:brushProperty name="width" value="0.4" units="cm"/>
+      <inkml:brushProperty name="height" value="0.8" units="cm"/>
+      <inkml:brushProperty name="color" value="#C0E494"/>
       <inkml:brushProperty name="tip" value="rectangle"/>
       <inkml:brushProperty name="rasterOp" value="maskPen"/>
       <inkml:brushProperty name="ignorePressure" value="1"/>
     </inkml:brush>
   </inkml:definitions>
-  <inkml:trace contextRef="#ctx0" brushRef="#br0">0 0,'0'0</inkml:trace>
+  <inkml:trace contextRef="#ctx0" brushRef="#br0">0 0,'30000'0,"-29969"0</inkml:trace>
 </inkml:ink>
 </file>
 
@@ -1083,18 +1611,18 @@
           <inkml:channelProperty channel="Y" name="resolution" value="1000" units="1/cm"/>
         </inkml:channelProperties>
       </inkml:inkSource>
-      <inkml:timestamp xml:id="ts0" timeString="2023-05-02T12:53:45.180"/>
+      <inkml:timestamp xml:id="ts0" timeString="2023-05-02T12:53:33.172"/>
     </inkml:context>
     <inkml:brush xml:id="br0">
-      <inkml:brushProperty name="width" value="0.5" units="cm"/>
-      <inkml:brushProperty name="height" value="1" units="cm"/>
+      <inkml:brushProperty name="width" value="0.3" units="cm"/>
+      <inkml:brushProperty name="height" value="0.6" units="cm"/>
       <inkml:brushProperty name="color" value="#FFFFFF"/>
       <inkml:brushProperty name="tip" value="rectangle"/>
       <inkml:brushProperty name="rasterOp" value="maskPen"/>
       <inkml:brushProperty name="ignorePressure" value="1"/>
     </inkml:brush>
   </inkml:definitions>
-  <inkml:trace contextRef="#ctx0" brushRef="#br0">0 0,'0'0</inkml:trace>
+  <inkml:trace contextRef="#ctx0" brushRef="#br0">0 0,'8'0,"10"0,17 0,11 0,5 0,2 0,-9 0</inkml:trace>
 </inkml:ink>
 </file>
 
@@ -1112,18 +1640,18 @@
           <inkml:channelProperty channel="Y" name="resolution" value="1000" units="1/cm"/>
         </inkml:channelProperties>
       </inkml:inkSource>
-      <inkml:timestamp xml:id="ts0" timeString="2023-05-02T12:53:47.795"/>
+      <inkml:timestamp xml:id="ts0" timeString="2023-05-02T12:53:33.628"/>
     </inkml:context>
     <inkml:brush xml:id="br0">
-      <inkml:brushProperty name="width" value="0.5" units="cm"/>
-      <inkml:brushProperty name="height" value="1" units="cm"/>
+      <inkml:brushProperty name="width" value="0.3" units="cm"/>
+      <inkml:brushProperty name="height" value="0.6" units="cm"/>
       <inkml:brushProperty name="color" value="#FFFFFF"/>
       <inkml:brushProperty name="tip" value="rectangle"/>
       <inkml:brushProperty name="rasterOp" value="maskPen"/>
       <inkml:brushProperty name="ignorePressure" value="1"/>
     </inkml:brush>
   </inkml:definitions>
-  <inkml:trace contextRef="#ctx0" brushRef="#br0">0 0,'8'0,"9"0,11 0,7 0,6 0,4 0,-6 8,-10 10,-9 17,-9 19,-6 7,-3 1,-3-2,-1-4,0-11</inkml:trace>
+  <inkml:trace contextRef="#ctx0" brushRef="#br0">0 0,'0'0</inkml:trace>
 </inkml:ink>
 </file>
 
@@ -1323,7 +1851,7 @@
           <a:p>
             <a:fld id="{96DFF08F-DC6B-4601-B491-B0F83F6DD2DA}" type="datetimeFigureOut">
               <a:rPr lang="en-US" smtClean="0"/>
-              <a:t>5/2/2023</a:t>
+              <a:t>5/6/2023</a:t>
             </a:fld>
             <a:endParaRPr lang="en-US" dirty="0"/>
           </a:p>
@@ -1544,7 +2072,7 @@
           <a:p>
             <a:fld id="{96DFF08F-DC6B-4601-B491-B0F83F6DD2DA}" type="datetimeFigureOut">
               <a:rPr lang="en-US" smtClean="0"/>
-              <a:t>5/2/2023</a:t>
+              <a:t>5/6/2023</a:t>
             </a:fld>
             <a:endParaRPr lang="en-US" dirty="0"/>
           </a:p>
@@ -1724,7 +2252,7 @@
           <a:p>
             <a:fld id="{96DFF08F-DC6B-4601-B491-B0F83F6DD2DA}" type="datetimeFigureOut">
               <a:rPr lang="en-US" smtClean="0"/>
-              <a:t>5/2/2023</a:t>
+              <a:t>5/6/2023</a:t>
             </a:fld>
             <a:endParaRPr lang="en-US" dirty="0"/>
           </a:p>
@@ -1894,7 +2422,7 @@
           <a:p>
             <a:fld id="{96DFF08F-DC6B-4601-B491-B0F83F6DD2DA}" type="datetimeFigureOut">
               <a:rPr lang="en-US" smtClean="0"/>
-              <a:t>5/2/2023</a:t>
+              <a:t>5/6/2023</a:t>
             </a:fld>
             <a:endParaRPr lang="en-US" dirty="0"/>
           </a:p>
@@ -2145,7 +2673,7 @@
           <a:p>
             <a:fld id="{96DFF08F-DC6B-4601-B491-B0F83F6DD2DA}" type="datetimeFigureOut">
               <a:rPr lang="en-US" smtClean="0"/>
-              <a:t>5/2/2023</a:t>
+              <a:t>5/6/2023</a:t>
             </a:fld>
             <a:endParaRPr lang="en-US" dirty="0"/>
           </a:p>
@@ -2468,7 +2996,7 @@
           <a:p>
             <a:fld id="{96DFF08F-DC6B-4601-B491-B0F83F6DD2DA}" type="datetimeFigureOut">
               <a:rPr lang="en-US" smtClean="0"/>
-              <a:t>5/2/2023</a:t>
+              <a:t>5/6/2023</a:t>
             </a:fld>
             <a:endParaRPr lang="en-US" dirty="0"/>
           </a:p>
@@ -2892,7 +3420,7 @@
           <a:p>
             <a:fld id="{96DFF08F-DC6B-4601-B491-B0F83F6DD2DA}" type="datetimeFigureOut">
               <a:rPr lang="en-US" smtClean="0"/>
-              <a:t>5/2/2023</a:t>
+              <a:t>5/6/2023</a:t>
             </a:fld>
             <a:endParaRPr lang="en-US" dirty="0"/>
           </a:p>
@@ -3010,7 +3538,7 @@
           <a:p>
             <a:fld id="{96DFF08F-DC6B-4601-B491-B0F83F6DD2DA}" type="datetimeFigureOut">
               <a:rPr lang="en-US" smtClean="0"/>
-              <a:t>5/2/2023</a:t>
+              <a:t>5/6/2023</a:t>
             </a:fld>
             <a:endParaRPr lang="en-US" dirty="0"/>
           </a:p>
@@ -3105,7 +3633,7 @@
           <a:p>
             <a:fld id="{96DFF08F-DC6B-4601-B491-B0F83F6DD2DA}" type="datetimeFigureOut">
               <a:rPr lang="en-US" smtClean="0"/>
-              <a:t>5/2/2023</a:t>
+              <a:t>5/6/2023</a:t>
             </a:fld>
             <a:endParaRPr lang="en-US" dirty="0"/>
           </a:p>
@@ -3395,7 +3923,7 @@
           <a:p>
             <a:fld id="{96DFF08F-DC6B-4601-B491-B0F83F6DD2DA}" type="datetimeFigureOut">
               <a:rPr lang="en-US" smtClean="0"/>
-              <a:t>5/2/2023</a:t>
+              <a:t>5/6/2023</a:t>
             </a:fld>
             <a:endParaRPr lang="en-US" dirty="0"/>
           </a:p>
@@ -3667,7 +4195,7 @@
           <a:p>
             <a:fld id="{96DFF08F-DC6B-4601-B491-B0F83F6DD2DA}" type="datetimeFigureOut">
               <a:rPr lang="en-US" smtClean="0"/>
-              <a:t>5/2/2023</a:t>
+              <a:t>5/6/2023</a:t>
             </a:fld>
             <a:endParaRPr lang="en-US" dirty="0"/>
           </a:p>
@@ -3922,7 +4450,7 @@
             <a:fld id="{96DFF08F-DC6B-4601-B491-B0F83F6DD2DA}" type="datetimeFigureOut">
               <a:rPr lang="en-US" smtClean="0"/>
               <a:pPr/>
-              <a:t>5/2/2023</a:t>
+              <a:t>5/6/2023</a:t>
             </a:fld>
             <a:endParaRPr lang="en-US" dirty="0"/>
           </a:p>
@@ -4544,6 +5072,318 @@
       </p:grpSpPr>
       <p:pic>
         <p:nvPicPr>
+          <p:cNvPr id="3" name="그림 2">
+            <a:extLst>
+              <a:ext uri="{FF2B5EF4-FFF2-40B4-BE49-F238E27FC236}">
+                <a16:creationId xmlns:a16="http://schemas.microsoft.com/office/drawing/2014/main" id="{E6C19D7E-B026-1096-3141-7E83ACBE4A93}"/>
+              </a:ext>
+            </a:extLst>
+          </p:cNvPr>
+          <p:cNvPicPr>
+            <a:picLocks noChangeAspect="1"/>
+          </p:cNvPicPr>
+          <p:nvPr/>
+        </p:nvPicPr>
+        <p:blipFill>
+          <a:blip r:embed="rId2"/>
+          <a:stretch>
+            <a:fillRect/>
+          </a:stretch>
+        </p:blipFill>
+        <p:spPr>
+          <a:xfrm>
+            <a:off x="365114" y="382648"/>
+            <a:ext cx="9020426" cy="1025310"/>
+          </a:xfrm>
+          <a:prstGeom prst="rect">
+            <a:avLst/>
+          </a:prstGeom>
+        </p:spPr>
+      </p:pic>
+      <p:pic>
+        <p:nvPicPr>
+          <p:cNvPr id="5" name="그림 4">
+            <a:extLst>
+              <a:ext uri="{FF2B5EF4-FFF2-40B4-BE49-F238E27FC236}">
+                <a16:creationId xmlns:a16="http://schemas.microsoft.com/office/drawing/2014/main" id="{84E2A548-122F-4891-16B3-B4C22DEA7DF6}"/>
+              </a:ext>
+            </a:extLst>
+          </p:cNvPr>
+          <p:cNvPicPr>
+            <a:picLocks noChangeAspect="1"/>
+          </p:cNvPicPr>
+          <p:nvPr/>
+        </p:nvPicPr>
+        <p:blipFill>
+          <a:blip r:embed="rId3"/>
+          <a:stretch>
+            <a:fillRect/>
+          </a:stretch>
+        </p:blipFill>
+        <p:spPr>
+          <a:xfrm>
+            <a:off x="365113" y="1407958"/>
+            <a:ext cx="9020425" cy="3832855"/>
+          </a:xfrm>
+          <a:prstGeom prst="rect">
+            <a:avLst/>
+          </a:prstGeom>
+        </p:spPr>
+      </p:pic>
+      <p:pic>
+        <p:nvPicPr>
+          <p:cNvPr id="7" name="그림 6">
+            <a:extLst>
+              <a:ext uri="{FF2B5EF4-FFF2-40B4-BE49-F238E27FC236}">
+                <a16:creationId xmlns:a16="http://schemas.microsoft.com/office/drawing/2014/main" id="{37353234-3578-ADF6-23D2-83C6D9A85687}"/>
+              </a:ext>
+            </a:extLst>
+          </p:cNvPr>
+          <p:cNvPicPr>
+            <a:picLocks noChangeAspect="1"/>
+          </p:cNvPicPr>
+          <p:nvPr/>
+        </p:nvPicPr>
+        <p:blipFill>
+          <a:blip r:embed="rId4"/>
+          <a:stretch>
+            <a:fillRect/>
+          </a:stretch>
+        </p:blipFill>
+        <p:spPr>
+          <a:xfrm>
+            <a:off x="365111" y="5344332"/>
+            <a:ext cx="8417463" cy="1025309"/>
+          </a:xfrm>
+          <a:prstGeom prst="rect">
+            <a:avLst/>
+          </a:prstGeom>
+        </p:spPr>
+      </p:pic>
+      <mc:AlternateContent xmlns:mc="http://schemas.openxmlformats.org/markup-compatibility/2006">
+        <mc:Choice xmlns:p14="http://schemas.microsoft.com/office/powerpoint/2010/main" Requires="p14">
+          <p:contentPart p14:bwMode="auto" r:id="rId5">
+            <p14:nvContentPartPr>
+              <p14:cNvPr id="2" name="잉크 1">
+                <a:extLst>
+                  <a:ext uri="{FF2B5EF4-FFF2-40B4-BE49-F238E27FC236}">
+                    <a16:creationId xmlns:a16="http://schemas.microsoft.com/office/drawing/2014/main" id="{A1CFA91A-E297-3D27-5B32-EE5281EA5B8C}"/>
+                  </a:ext>
+                </a:extLst>
+              </p14:cNvPr>
+              <p14:cNvContentPartPr/>
+              <p14:nvPr/>
+            </p14:nvContentPartPr>
+            <p14:xfrm>
+              <a:off x="750343" y="522463"/>
+              <a:ext cx="1158120" cy="360"/>
+            </p14:xfrm>
+          </p:contentPart>
+        </mc:Choice>
+        <mc:Fallback>
+          <p:pic>
+            <p:nvPicPr>
+              <p:cNvPr id="2" name="잉크 1">
+                <a:extLst>
+                  <a:ext uri="{FF2B5EF4-FFF2-40B4-BE49-F238E27FC236}">
+                    <a16:creationId xmlns:a16="http://schemas.microsoft.com/office/drawing/2014/main" id="{A1CFA91A-E297-3D27-5B32-EE5281EA5B8C}"/>
+                  </a:ext>
+                </a:extLst>
+              </p:cNvPr>
+              <p:cNvPicPr/>
+              <p:nvPr/>
+            </p:nvPicPr>
+            <p:blipFill>
+              <a:blip r:embed="rId6"/>
+              <a:stretch>
+                <a:fillRect/>
+              </a:stretch>
+            </p:blipFill>
+            <p:spPr>
+              <a:xfrm>
+                <a:off x="678703" y="378463"/>
+                <a:ext cx="1301760" cy="288000"/>
+              </a:xfrm>
+              <a:prstGeom prst="rect">
+                <a:avLst/>
+              </a:prstGeom>
+            </p:spPr>
+          </p:pic>
+        </mc:Fallback>
+      </mc:AlternateContent>
+    </p:spTree>
+    <p:extLst>
+      <p:ext uri="{BB962C8B-B14F-4D97-AF65-F5344CB8AC3E}">
+        <p14:creationId xmlns:p14="http://schemas.microsoft.com/office/powerpoint/2010/main" val="1693609801"/>
+      </p:ext>
+    </p:extLst>
+  </p:cSld>
+  <p:clrMapOvr>
+    <a:masterClrMapping/>
+  </p:clrMapOvr>
+</p:sld>
+</file>
+
+<file path=ppt/slides/slide11.xml><?xml version="1.0" encoding="utf-8"?>
+<p:sld xmlns:a="http://schemas.openxmlformats.org/drawingml/2006/main" xmlns:r="http://schemas.openxmlformats.org/officeDocument/2006/relationships" xmlns:p="http://schemas.openxmlformats.org/presentationml/2006/main">
+  <p:cSld>
+    <p:spTree>
+      <p:nvGrpSpPr>
+        <p:cNvPr id="1" name=""/>
+        <p:cNvGrpSpPr/>
+        <p:nvPr/>
+      </p:nvGrpSpPr>
+      <p:grpSpPr>
+        <a:xfrm>
+          <a:off x="0" y="0"/>
+          <a:ext cx="0" cy="0"/>
+          <a:chOff x="0" y="0"/>
+          <a:chExt cx="0" cy="0"/>
+        </a:xfrm>
+      </p:grpSpPr>
+      <p:pic>
+        <p:nvPicPr>
+          <p:cNvPr id="3" name="그림 2">
+            <a:extLst>
+              <a:ext uri="{FF2B5EF4-FFF2-40B4-BE49-F238E27FC236}">
+                <a16:creationId xmlns:a16="http://schemas.microsoft.com/office/drawing/2014/main" id="{3815FE13-FF9F-DA04-54D7-460B699DAD09}"/>
+              </a:ext>
+            </a:extLst>
+          </p:cNvPr>
+          <p:cNvPicPr>
+            <a:picLocks noChangeAspect="1"/>
+          </p:cNvPicPr>
+          <p:nvPr/>
+        </p:nvPicPr>
+        <p:blipFill>
+          <a:blip r:embed="rId2"/>
+          <a:stretch>
+            <a:fillRect/>
+          </a:stretch>
+        </p:blipFill>
+        <p:spPr>
+          <a:xfrm>
+            <a:off x="470321" y="391500"/>
+            <a:ext cx="9243022" cy="4850299"/>
+          </a:xfrm>
+          <a:prstGeom prst="rect">
+            <a:avLst/>
+          </a:prstGeom>
+        </p:spPr>
+      </p:pic>
+      <p:pic>
+        <p:nvPicPr>
+          <p:cNvPr id="5" name="그림 4">
+            <a:extLst>
+              <a:ext uri="{FF2B5EF4-FFF2-40B4-BE49-F238E27FC236}">
+                <a16:creationId xmlns:a16="http://schemas.microsoft.com/office/drawing/2014/main" id="{4E50A62B-CB78-436C-274C-07417DDE18FE}"/>
+              </a:ext>
+            </a:extLst>
+          </p:cNvPr>
+          <p:cNvPicPr>
+            <a:picLocks noChangeAspect="1"/>
+          </p:cNvPicPr>
+          <p:nvPr/>
+        </p:nvPicPr>
+        <p:blipFill>
+          <a:blip r:embed="rId3"/>
+          <a:stretch>
+            <a:fillRect/>
+          </a:stretch>
+        </p:blipFill>
+        <p:spPr>
+          <a:xfrm>
+            <a:off x="470321" y="5425237"/>
+            <a:ext cx="5348305" cy="1041263"/>
+          </a:xfrm>
+          <a:prstGeom prst="rect">
+            <a:avLst/>
+          </a:prstGeom>
+        </p:spPr>
+      </p:pic>
+      <mc:AlternateContent xmlns:mc="http://schemas.openxmlformats.org/markup-compatibility/2006">
+        <mc:Choice xmlns:p14="http://schemas.microsoft.com/office/powerpoint/2010/main" Requires="p14">
+          <p:contentPart p14:bwMode="auto" r:id="rId4">
+            <p14:nvContentPartPr>
+              <p14:cNvPr id="2" name="잉크 1">
+                <a:extLst>
+                  <a:ext uri="{FF2B5EF4-FFF2-40B4-BE49-F238E27FC236}">
+                    <a16:creationId xmlns:a16="http://schemas.microsoft.com/office/drawing/2014/main" id="{D793487B-4C3B-8FC7-5752-4957870C5EC9}"/>
+                  </a:ext>
+                </a:extLst>
+              </p14:cNvPr>
+              <p14:cNvContentPartPr/>
+              <p14:nvPr/>
+            </p14:nvContentPartPr>
+            <p14:xfrm>
+              <a:off x="914143" y="1208263"/>
+              <a:ext cx="5321160" cy="360"/>
+            </p14:xfrm>
+          </p:contentPart>
+        </mc:Choice>
+        <mc:Fallback>
+          <p:pic>
+            <p:nvPicPr>
+              <p:cNvPr id="2" name="잉크 1">
+                <a:extLst>
+                  <a:ext uri="{FF2B5EF4-FFF2-40B4-BE49-F238E27FC236}">
+                    <a16:creationId xmlns:a16="http://schemas.microsoft.com/office/drawing/2014/main" id="{D793487B-4C3B-8FC7-5752-4957870C5EC9}"/>
+                  </a:ext>
+                </a:extLst>
+              </p:cNvPr>
+              <p:cNvPicPr/>
+              <p:nvPr/>
+            </p:nvPicPr>
+            <p:blipFill>
+              <a:blip r:embed="rId5"/>
+              <a:stretch>
+                <a:fillRect/>
+              </a:stretch>
+            </p:blipFill>
+            <p:spPr>
+              <a:xfrm>
+                <a:off x="842143" y="1064263"/>
+                <a:ext cx="5464800" cy="288000"/>
+              </a:xfrm>
+              <a:prstGeom prst="rect">
+                <a:avLst/>
+              </a:prstGeom>
+            </p:spPr>
+          </p:pic>
+        </mc:Fallback>
+      </mc:AlternateContent>
+    </p:spTree>
+    <p:extLst>
+      <p:ext uri="{BB962C8B-B14F-4D97-AF65-F5344CB8AC3E}">
+        <p14:creationId xmlns:p14="http://schemas.microsoft.com/office/powerpoint/2010/main" val="2082663033"/>
+      </p:ext>
+    </p:extLst>
+  </p:cSld>
+  <p:clrMapOvr>
+    <a:masterClrMapping/>
+  </p:clrMapOvr>
+</p:sld>
+</file>
+
+<file path=ppt/slides/slide12.xml><?xml version="1.0" encoding="utf-8"?>
+<p:sld xmlns:a="http://schemas.openxmlformats.org/drawingml/2006/main" xmlns:r="http://schemas.openxmlformats.org/officeDocument/2006/relationships" xmlns:p="http://schemas.openxmlformats.org/presentationml/2006/main">
+  <p:cSld>
+    <p:spTree>
+      <p:nvGrpSpPr>
+        <p:cNvPr id="1" name=""/>
+        <p:cNvGrpSpPr/>
+        <p:nvPr/>
+      </p:nvGrpSpPr>
+      <p:grpSpPr>
+        <a:xfrm>
+          <a:off x="0" y="0"/>
+          <a:ext cx="0" cy="0"/>
+          <a:chOff x="0" y="0"/>
+          <a:chExt cx="0" cy="0"/>
+        </a:xfrm>
+      </p:grpSpPr>
+      <p:pic>
+        <p:nvPicPr>
           <p:cNvPr id="5" name="그림 4">
             <a:extLst>
               <a:ext uri="{FF2B5EF4-FFF2-40B4-BE49-F238E27FC236}">
@@ -4572,6 +5412,57 @@
           </a:prstGeom>
         </p:spPr>
       </p:pic>
+      <mc:AlternateContent xmlns:mc="http://schemas.openxmlformats.org/markup-compatibility/2006">
+        <mc:Choice xmlns:p14="http://schemas.microsoft.com/office/powerpoint/2010/main" Requires="p14">
+          <p:contentPart p14:bwMode="auto" r:id="rId3">
+            <p14:nvContentPartPr>
+              <p14:cNvPr id="2" name="잉크 1">
+                <a:extLst>
+                  <a:ext uri="{FF2B5EF4-FFF2-40B4-BE49-F238E27FC236}">
+                    <a16:creationId xmlns:a16="http://schemas.microsoft.com/office/drawing/2014/main" id="{4484FE43-CE06-AC80-1886-83B37B6BF5C2}"/>
+                  </a:ext>
+                </a:extLst>
+              </p14:cNvPr>
+              <p14:cNvContentPartPr/>
+              <p14:nvPr/>
+            </p14:nvContentPartPr>
+            <p14:xfrm>
+              <a:off x="914143" y="832423"/>
+              <a:ext cx="645120" cy="360"/>
+            </p14:xfrm>
+          </p:contentPart>
+        </mc:Choice>
+        <mc:Fallback>
+          <p:pic>
+            <p:nvPicPr>
+              <p:cNvPr id="2" name="잉크 1">
+                <a:extLst>
+                  <a:ext uri="{FF2B5EF4-FFF2-40B4-BE49-F238E27FC236}">
+                    <a16:creationId xmlns:a16="http://schemas.microsoft.com/office/drawing/2014/main" id="{4484FE43-CE06-AC80-1886-83B37B6BF5C2}"/>
+                  </a:ext>
+                </a:extLst>
+              </p:cNvPr>
+              <p:cNvPicPr/>
+              <p:nvPr/>
+            </p:nvPicPr>
+            <p:blipFill>
+              <a:blip r:embed="rId4"/>
+              <a:stretch>
+                <a:fillRect/>
+              </a:stretch>
+            </p:blipFill>
+            <p:spPr>
+              <a:xfrm>
+                <a:off x="842143" y="688783"/>
+                <a:ext cx="788760" cy="288000"/>
+              </a:xfrm>
+              <a:prstGeom prst="rect">
+                <a:avLst/>
+              </a:prstGeom>
+            </p:spPr>
+          </p:pic>
+        </mc:Fallback>
+      </mc:AlternateContent>
     </p:spTree>
     <p:extLst>
       <p:ext uri="{BB962C8B-B14F-4D97-AF65-F5344CB8AC3E}">
@@ -4585,7 +5476,7 @@
 </p:sld>
 </file>
 
-<file path=ppt/slides/slide11.xml><?xml version="1.0" encoding="utf-8"?>
+<file path=ppt/slides/slide13.xml><?xml version="1.0" encoding="utf-8"?>
 <p:sld xmlns:a="http://schemas.openxmlformats.org/drawingml/2006/main" xmlns:r="http://schemas.openxmlformats.org/officeDocument/2006/relationships" xmlns:p="http://schemas.openxmlformats.org/presentationml/2006/main">
   <p:cSld>
     <p:spTree>
@@ -4645,7 +5536,7 @@
 </p:sld>
 </file>
 
-<file path=ppt/slides/slide12.xml><?xml version="1.0" encoding="utf-8"?>
+<file path=ppt/slides/slide14.xml><?xml version="1.0" encoding="utf-8"?>
 <p:sld xmlns:a="http://schemas.openxmlformats.org/drawingml/2006/main" xmlns:r="http://schemas.openxmlformats.org/officeDocument/2006/relationships" xmlns:p="http://schemas.openxmlformats.org/presentationml/2006/main">
   <p:cSld>
     <p:spTree>
@@ -4735,7 +5626,7 @@
 </p:sld>
 </file>
 
-<file path=ppt/slides/slide13.xml><?xml version="1.0" encoding="utf-8"?>
+<file path=ppt/slides/slide15.xml><?xml version="1.0" encoding="utf-8"?>
 <p:sld xmlns:a="http://schemas.openxmlformats.org/drawingml/2006/main" xmlns:r="http://schemas.openxmlformats.org/officeDocument/2006/relationships" xmlns:p="http://schemas.openxmlformats.org/presentationml/2006/main">
   <p:cSld>
     <p:spTree>
@@ -4795,7 +5686,7 @@
 </p:sld>
 </file>
 
-<file path=ppt/slides/slide14.xml><?xml version="1.0" encoding="utf-8"?>
+<file path=ppt/slides/slide16.xml><?xml version="1.0" encoding="utf-8"?>
 <p:sld xmlns:a="http://schemas.openxmlformats.org/drawingml/2006/main" xmlns:r="http://schemas.openxmlformats.org/officeDocument/2006/relationships" xmlns:p="http://schemas.openxmlformats.org/presentationml/2006/main">
   <p:cSld>
     <p:spTree>
@@ -4855,7 +5746,102 @@
 </p:sld>
 </file>
 
-<file path=ppt/slides/slide15.xml><?xml version="1.0" encoding="utf-8"?>
+<file path=ppt/slides/slide17.xml><?xml version="1.0" encoding="utf-8"?>
+<p:sld xmlns:a="http://schemas.openxmlformats.org/drawingml/2006/main" xmlns:r="http://schemas.openxmlformats.org/officeDocument/2006/relationships" xmlns:p="http://schemas.openxmlformats.org/presentationml/2006/main">
+  <p:cSld>
+    <p:spTree>
+      <p:nvGrpSpPr>
+        <p:cNvPr id="1" name=""/>
+        <p:cNvGrpSpPr/>
+        <p:nvPr/>
+      </p:nvGrpSpPr>
+      <p:grpSpPr>
+        <a:xfrm>
+          <a:off x="0" y="0"/>
+          <a:ext cx="0" cy="0"/>
+          <a:chOff x="0" y="0"/>
+          <a:chExt cx="0" cy="0"/>
+        </a:xfrm>
+      </p:grpSpPr>
+      <p:sp>
+        <p:nvSpPr>
+          <p:cNvPr id="2" name="TextBox 1">
+            <a:extLst>
+              <a:ext uri="{FF2B5EF4-FFF2-40B4-BE49-F238E27FC236}">
+                <a16:creationId xmlns:a16="http://schemas.microsoft.com/office/drawing/2014/main" id="{6D5E47BA-144B-6E25-E282-8F211ABD5221}"/>
+              </a:ext>
+            </a:extLst>
+          </p:cNvPr>
+          <p:cNvSpPr txBox="1"/>
+          <p:nvPr/>
+        </p:nvSpPr>
+        <p:spPr>
+          <a:xfrm>
+            <a:off x="1139371" y="2610838"/>
+            <a:ext cx="9913258" cy="830997"/>
+          </a:xfrm>
+          <a:prstGeom prst="rect">
+            <a:avLst/>
+          </a:prstGeom>
+          <a:noFill/>
+        </p:spPr>
+        <p:txBody>
+          <a:bodyPr wrap="square" rtlCol="0">
+            <a:spAutoFit/>
+          </a:bodyPr>
+          <a:lstStyle/>
+          <a:p>
+            <a:pPr algn="ctr"/>
+            <a:r>
+              <a:rPr lang="en-US" altLang="ko-KR" sz="4800" b="1" dirty="0">
+                <a:solidFill>
+                  <a:schemeClr val="accent1"/>
+                </a:solidFill>
+                <a:latin typeface="+mn-ea"/>
+              </a:rPr>
+              <a:t>&lt; </a:t>
+            </a:r>
+            <a:r>
+              <a:rPr lang="ko-KR" altLang="en-US" sz="4800" b="1" dirty="0">
+                <a:solidFill>
+                  <a:schemeClr val="accent1"/>
+                </a:solidFill>
+                <a:latin typeface="+mn-ea"/>
+              </a:rPr>
+              <a:t>변수의 범위 </a:t>
+            </a:r>
+            <a:r>
+              <a:rPr lang="en-US" altLang="ko-KR" sz="4800" b="1" dirty="0">
+                <a:solidFill>
+                  <a:schemeClr val="accent1"/>
+                </a:solidFill>
+                <a:latin typeface="+mn-ea"/>
+              </a:rPr>
+              <a:t>&gt;</a:t>
+            </a:r>
+            <a:endParaRPr lang="ko-KR" altLang="en-US" sz="4800" b="1" dirty="0">
+              <a:solidFill>
+                <a:schemeClr val="accent1"/>
+              </a:solidFill>
+              <a:latin typeface="+mn-ea"/>
+            </a:endParaRPr>
+          </a:p>
+        </p:txBody>
+      </p:sp>
+    </p:spTree>
+    <p:extLst>
+      <p:ext uri="{BB962C8B-B14F-4D97-AF65-F5344CB8AC3E}">
+        <p14:creationId xmlns:p14="http://schemas.microsoft.com/office/powerpoint/2010/main" val="1496439459"/>
+      </p:ext>
+    </p:extLst>
+  </p:cSld>
+  <p:clrMapOvr>
+    <a:masterClrMapping/>
+  </p:clrMapOvr>
+</p:sld>
+</file>
+
+<file path=ppt/slides/slide18.xml><?xml version="1.0" encoding="utf-8"?>
 <p:sld xmlns:a="http://schemas.openxmlformats.org/drawingml/2006/main" xmlns:r="http://schemas.openxmlformats.org/officeDocument/2006/relationships" xmlns:p="http://schemas.openxmlformats.org/presentationml/2006/main">
   <p:cSld>
     <p:spTree>
@@ -4932,6 +5918,57 @@
           </a:prstGeom>
         </p:spPr>
       </p:pic>
+      <mc:AlternateContent xmlns:mc="http://schemas.openxmlformats.org/markup-compatibility/2006">
+        <mc:Choice xmlns:p14="http://schemas.microsoft.com/office/powerpoint/2010/main" Requires="p14">
+          <p:contentPart p14:bwMode="auto" r:id="rId4">
+            <p14:nvContentPartPr>
+              <p14:cNvPr id="2" name="잉크 1">
+                <a:extLst>
+                  <a:ext uri="{FF2B5EF4-FFF2-40B4-BE49-F238E27FC236}">
+                    <a16:creationId xmlns:a16="http://schemas.microsoft.com/office/drawing/2014/main" id="{3B13EFB7-5A07-D321-5951-511DC966BD32}"/>
+                  </a:ext>
+                </a:extLst>
+              </p14:cNvPr>
+              <p14:cNvContentPartPr/>
+              <p14:nvPr/>
+            </p14:nvContentPartPr>
+            <p14:xfrm>
+              <a:off x="783103" y="587623"/>
+              <a:ext cx="974880" cy="360"/>
+            </p14:xfrm>
+          </p:contentPart>
+        </mc:Choice>
+        <mc:Fallback>
+          <p:pic>
+            <p:nvPicPr>
+              <p:cNvPr id="2" name="잉크 1">
+                <a:extLst>
+                  <a:ext uri="{FF2B5EF4-FFF2-40B4-BE49-F238E27FC236}">
+                    <a16:creationId xmlns:a16="http://schemas.microsoft.com/office/drawing/2014/main" id="{3B13EFB7-5A07-D321-5951-511DC966BD32}"/>
+                  </a:ext>
+                </a:extLst>
+              </p:cNvPr>
+              <p:cNvPicPr/>
+              <p:nvPr/>
+            </p:nvPicPr>
+            <p:blipFill>
+              <a:blip r:embed="rId5"/>
+              <a:stretch>
+                <a:fillRect/>
+              </a:stretch>
+            </p:blipFill>
+            <p:spPr>
+              <a:xfrm>
+                <a:off x="711463" y="443623"/>
+                <a:ext cx="1118520" cy="288000"/>
+              </a:xfrm>
+              <a:prstGeom prst="rect">
+                <a:avLst/>
+              </a:prstGeom>
+            </p:spPr>
+          </p:pic>
+        </mc:Fallback>
+      </mc:AlternateContent>
     </p:spTree>
     <p:extLst>
       <p:ext uri="{BB962C8B-B14F-4D97-AF65-F5344CB8AC3E}">
@@ -4945,7 +5982,7 @@
 </p:sld>
 </file>
 
-<file path=ppt/slides/slide16.xml><?xml version="1.0" encoding="utf-8"?>
+<file path=ppt/slides/slide19.xml><?xml version="1.0" encoding="utf-8"?>
 <p:sld xmlns:a="http://schemas.openxmlformats.org/drawingml/2006/main" xmlns:r="http://schemas.openxmlformats.org/officeDocument/2006/relationships" xmlns:p="http://schemas.openxmlformats.org/presentationml/2006/main">
   <p:cSld>
     <p:spTree>
@@ -5035,7 +6072,124 @@
 </p:sld>
 </file>
 
-<file path=ppt/slides/slide17.xml><?xml version="1.0" encoding="utf-8"?>
+<file path=ppt/slides/slide2.xml><?xml version="1.0" encoding="utf-8"?>
+<p:sld xmlns:a="http://schemas.openxmlformats.org/drawingml/2006/main" xmlns:r="http://schemas.openxmlformats.org/officeDocument/2006/relationships" xmlns:p="http://schemas.openxmlformats.org/presentationml/2006/main">
+  <p:cSld>
+    <p:spTree>
+      <p:nvGrpSpPr>
+        <p:cNvPr id="1" name=""/>
+        <p:cNvGrpSpPr/>
+        <p:nvPr/>
+      </p:nvGrpSpPr>
+      <p:grpSpPr>
+        <a:xfrm>
+          <a:off x="0" y="0"/>
+          <a:ext cx="0" cy="0"/>
+          <a:chOff x="0" y="0"/>
+          <a:chExt cx="0" cy="0"/>
+        </a:xfrm>
+      </p:grpSpPr>
+      <p:sp>
+        <p:nvSpPr>
+          <p:cNvPr id="2" name="제목 1">
+            <a:extLst>
+              <a:ext uri="{FF2B5EF4-FFF2-40B4-BE49-F238E27FC236}">
+                <a16:creationId xmlns:a16="http://schemas.microsoft.com/office/drawing/2014/main" id="{0E0D856F-4106-A50C-D169-B97267D7C681}"/>
+              </a:ext>
+            </a:extLst>
+          </p:cNvPr>
+          <p:cNvSpPr>
+            <a:spLocks noGrp="1"/>
+          </p:cNvSpPr>
+          <p:nvPr>
+            <p:ph type="title"/>
+          </p:nvPr>
+        </p:nvSpPr>
+        <p:spPr/>
+        <p:txBody>
+          <a:bodyPr/>
+          <a:lstStyle/>
+          <a:p>
+            <a:r>
+              <a:rPr lang="en-US" altLang="ko-KR" b="1" dirty="0"/>
+              <a:t>&lt; </a:t>
+            </a:r>
+            <a:r>
+              <a:rPr lang="ko-KR" altLang="en-US" b="1" dirty="0"/>
+              <a:t>학습 내용 </a:t>
+            </a:r>
+            <a:r>
+              <a:rPr lang="en-US" altLang="ko-KR" b="1" dirty="0"/>
+              <a:t>&gt;</a:t>
+            </a:r>
+            <a:endParaRPr lang="ko-KR" altLang="en-US" b="1" dirty="0"/>
+          </a:p>
+        </p:txBody>
+      </p:sp>
+      <p:sp>
+        <p:nvSpPr>
+          <p:cNvPr id="3" name="세로 텍스트 개체 틀 2">
+            <a:extLst>
+              <a:ext uri="{FF2B5EF4-FFF2-40B4-BE49-F238E27FC236}">
+                <a16:creationId xmlns:a16="http://schemas.microsoft.com/office/drawing/2014/main" id="{29490A46-00F2-4D62-ABCC-029E4074B162}"/>
+              </a:ext>
+            </a:extLst>
+          </p:cNvPr>
+          <p:cNvSpPr>
+            <a:spLocks noGrp="1"/>
+          </p:cNvSpPr>
+          <p:nvPr>
+            <p:ph type="body" orient="vert" idx="1"/>
+          </p:nvPr>
+        </p:nvSpPr>
+        <p:spPr/>
+        <p:txBody>
+          <a:bodyPr vert="horz">
+            <a:normAutofit/>
+          </a:bodyPr>
+          <a:lstStyle/>
+          <a:p>
+            <a:r>
+              <a:rPr lang="ko-KR" altLang="en-US" sz="4000" dirty="0"/>
+              <a:t> 함수와 인수</a:t>
+            </a:r>
+            <a:endParaRPr lang="en-US" altLang="ko-KR" sz="4000" dirty="0"/>
+          </a:p>
+          <a:p>
+            <a:endParaRPr lang="en-US" altLang="ko-KR" sz="4000" dirty="0"/>
+          </a:p>
+          <a:p>
+            <a:r>
+              <a:rPr lang="ko-KR" altLang="en-US" sz="4000" dirty="0"/>
+              <a:t> 인수의 형식</a:t>
+            </a:r>
+            <a:endParaRPr lang="en-US" altLang="ko-KR" sz="4000" dirty="0"/>
+          </a:p>
+          <a:p>
+            <a:endParaRPr lang="en-US" altLang="ko-KR" sz="4000" dirty="0"/>
+          </a:p>
+          <a:p>
+            <a:r>
+              <a:rPr lang="ko-KR" altLang="en-US" sz="4000" dirty="0"/>
+              <a:t> 함수의 특이사항</a:t>
+            </a:r>
+          </a:p>
+        </p:txBody>
+      </p:sp>
+    </p:spTree>
+    <p:extLst>
+      <p:ext uri="{BB962C8B-B14F-4D97-AF65-F5344CB8AC3E}">
+        <p14:creationId xmlns:p14="http://schemas.microsoft.com/office/powerpoint/2010/main" val="618819181"/>
+      </p:ext>
+    </p:extLst>
+  </p:cSld>
+  <p:clrMapOvr>
+    <a:masterClrMapping/>
+  </p:clrMapOvr>
+</p:sld>
+</file>
+
+<file path=ppt/slides/slide20.xml><?xml version="1.0" encoding="utf-8"?>
 <p:sld xmlns:a="http://schemas.openxmlformats.org/drawingml/2006/main" xmlns:r="http://schemas.openxmlformats.org/officeDocument/2006/relationships" xmlns:p="http://schemas.openxmlformats.org/presentationml/2006/main">
   <p:cSld>
     <p:spTree>
@@ -5082,6 +6236,57 @@
           </a:prstGeom>
         </p:spPr>
       </p:pic>
+      <mc:AlternateContent xmlns:mc="http://schemas.openxmlformats.org/markup-compatibility/2006">
+        <mc:Choice xmlns:p14="http://schemas.microsoft.com/office/powerpoint/2010/main" Requires="p14">
+          <p:contentPart p14:bwMode="auto" r:id="rId3">
+            <p14:nvContentPartPr>
+              <p14:cNvPr id="2" name="잉크 1">
+                <a:extLst>
+                  <a:ext uri="{FF2B5EF4-FFF2-40B4-BE49-F238E27FC236}">
+                    <a16:creationId xmlns:a16="http://schemas.microsoft.com/office/drawing/2014/main" id="{392F7B2F-0EB3-F660-51B9-D434A2E1D5ED}"/>
+                  </a:ext>
+                </a:extLst>
+              </p14:cNvPr>
+              <p14:cNvContentPartPr/>
+              <p14:nvPr/>
+            </p14:nvContentPartPr>
+            <p14:xfrm>
+              <a:off x="848623" y="1404103"/>
+              <a:ext cx="10811520" cy="360"/>
+            </p14:xfrm>
+          </p:contentPart>
+        </mc:Choice>
+        <mc:Fallback>
+          <p:pic>
+            <p:nvPicPr>
+              <p:cNvPr id="2" name="잉크 1">
+                <a:extLst>
+                  <a:ext uri="{FF2B5EF4-FFF2-40B4-BE49-F238E27FC236}">
+                    <a16:creationId xmlns:a16="http://schemas.microsoft.com/office/drawing/2014/main" id="{392F7B2F-0EB3-F660-51B9-D434A2E1D5ED}"/>
+                  </a:ext>
+                </a:extLst>
+              </p:cNvPr>
+              <p:cNvPicPr/>
+              <p:nvPr/>
+            </p:nvPicPr>
+            <p:blipFill>
+              <a:blip r:embed="rId4"/>
+              <a:stretch>
+                <a:fillRect/>
+              </a:stretch>
+            </p:blipFill>
+            <p:spPr>
+              <a:xfrm>
+                <a:off x="776623" y="1260103"/>
+                <a:ext cx="10955160" cy="288000"/>
+              </a:xfrm>
+              <a:prstGeom prst="rect">
+                <a:avLst/>
+              </a:prstGeom>
+            </p:spPr>
+          </p:pic>
+        </mc:Fallback>
+      </mc:AlternateContent>
     </p:spTree>
     <p:extLst>
       <p:ext uri="{BB962C8B-B14F-4D97-AF65-F5344CB8AC3E}">
@@ -5095,7 +6300,7 @@
 </p:sld>
 </file>
 
-<file path=ppt/slides/slide18.xml><?xml version="1.0" encoding="utf-8"?>
+<file path=ppt/slides/slide21.xml><?xml version="1.0" encoding="utf-8"?>
 <p:sld xmlns:a="http://schemas.openxmlformats.org/drawingml/2006/main" xmlns:r="http://schemas.openxmlformats.org/officeDocument/2006/relationships" xmlns:p="http://schemas.openxmlformats.org/presentationml/2006/main">
   <p:cSld>
     <p:spTree>
@@ -5172,8 +6377,8 @@
           </a:prstGeom>
         </p:spPr>
       </p:pic>
-      <mc:AlternateContent xmlns:mc="http://schemas.openxmlformats.org/markup-compatibility/2006">
-        <mc:Choice xmlns:p14="http://schemas.microsoft.com/office/powerpoint/2010/main" Requires="p14">
+      <mc:AlternateContent xmlns:mc="http://schemas.openxmlformats.org/markup-compatibility/2006" xmlns:p14="http://schemas.microsoft.com/office/powerpoint/2010/main">
+        <mc:Choice Requires="p14">
           <p:contentPart p14:bwMode="auto" r:id="rId4">
             <p14:nvContentPartPr>
               <p14:cNvPr id="2" name="잉크 1">
@@ -5192,7 +6397,7 @@
             </p14:xfrm>
           </p:contentPart>
         </mc:Choice>
-        <mc:Fallback>
+        <mc:Fallback xmlns="">
           <p:pic>
             <p:nvPicPr>
               <p:cNvPr id="2" name="잉크 1">
@@ -5223,8 +6428,8 @@
           </p:pic>
         </mc:Fallback>
       </mc:AlternateContent>
-      <mc:AlternateContent xmlns:mc="http://schemas.openxmlformats.org/markup-compatibility/2006">
-        <mc:Choice xmlns:p14="http://schemas.microsoft.com/office/powerpoint/2010/main" Requires="p14">
+      <mc:AlternateContent xmlns:mc="http://schemas.openxmlformats.org/markup-compatibility/2006" xmlns:p14="http://schemas.microsoft.com/office/powerpoint/2010/main">
+        <mc:Choice Requires="p14">
           <p:contentPart p14:bwMode="auto" r:id="rId6">
             <p14:nvContentPartPr>
               <p14:cNvPr id="4" name="잉크 3">
@@ -5243,7 +6448,7 @@
             </p14:xfrm>
           </p:contentPart>
         </mc:Choice>
-        <mc:Fallback>
+        <mc:Fallback xmlns="">
           <p:pic>
             <p:nvPicPr>
               <p:cNvPr id="4" name="잉크 3">
@@ -5274,8 +6479,8 @@
           </p:pic>
         </mc:Fallback>
       </mc:AlternateContent>
-      <mc:AlternateContent xmlns:mc="http://schemas.openxmlformats.org/markup-compatibility/2006">
-        <mc:Choice xmlns:p14="http://schemas.microsoft.com/office/powerpoint/2010/main" Requires="p14">
+      <mc:AlternateContent xmlns:mc="http://schemas.openxmlformats.org/markup-compatibility/2006" xmlns:p14="http://schemas.microsoft.com/office/powerpoint/2010/main">
+        <mc:Choice Requires="p14">
           <p:contentPart p14:bwMode="auto" r:id="rId8">
             <p14:nvContentPartPr>
               <p14:cNvPr id="6" name="잉크 5">
@@ -5294,7 +6499,7 @@
             </p14:xfrm>
           </p:contentPart>
         </mc:Choice>
-        <mc:Fallback>
+        <mc:Fallback xmlns="">
           <p:pic>
             <p:nvPicPr>
               <p:cNvPr id="6" name="잉크 5">
@@ -5325,8 +6530,8 @@
           </p:pic>
         </mc:Fallback>
       </mc:AlternateContent>
-      <mc:AlternateContent xmlns:mc="http://schemas.openxmlformats.org/markup-compatibility/2006">
-        <mc:Choice xmlns:p14="http://schemas.microsoft.com/office/powerpoint/2010/main" Requires="p14">
+      <mc:AlternateContent xmlns:mc="http://schemas.openxmlformats.org/markup-compatibility/2006" xmlns:p14="http://schemas.microsoft.com/office/powerpoint/2010/main">
+        <mc:Choice Requires="p14">
           <p:contentPart p14:bwMode="auto" r:id="rId10">
             <p14:nvContentPartPr>
               <p14:cNvPr id="7" name="잉크 6">
@@ -5345,7 +6550,7 @@
             </p14:xfrm>
           </p:contentPart>
         </mc:Choice>
-        <mc:Fallback>
+        <mc:Fallback xmlns="">
           <p:pic>
             <p:nvPicPr>
               <p:cNvPr id="7" name="잉크 6">
@@ -5376,8 +6581,8 @@
           </p:pic>
         </mc:Fallback>
       </mc:AlternateContent>
-      <mc:AlternateContent xmlns:mc="http://schemas.openxmlformats.org/markup-compatibility/2006">
-        <mc:Choice xmlns:p14="http://schemas.microsoft.com/office/powerpoint/2010/main" Requires="p14">
+      <mc:AlternateContent xmlns:mc="http://schemas.openxmlformats.org/markup-compatibility/2006" xmlns:p14="http://schemas.microsoft.com/office/powerpoint/2010/main">
+        <mc:Choice Requires="p14">
           <p:contentPart p14:bwMode="auto" r:id="rId11">
             <p14:nvContentPartPr>
               <p14:cNvPr id="8" name="잉크 7">
@@ -5396,7 +6601,7 @@
             </p14:xfrm>
           </p:contentPart>
         </mc:Choice>
-        <mc:Fallback>
+        <mc:Fallback xmlns="">
           <p:pic>
             <p:nvPicPr>
               <p:cNvPr id="8" name="잉크 7">
@@ -5427,8 +6632,8 @@
           </p:pic>
         </mc:Fallback>
       </mc:AlternateContent>
-      <mc:AlternateContent xmlns:mc="http://schemas.openxmlformats.org/markup-compatibility/2006">
-        <mc:Choice xmlns:p14="http://schemas.microsoft.com/office/powerpoint/2010/main" Requires="p14">
+      <mc:AlternateContent xmlns:mc="http://schemas.openxmlformats.org/markup-compatibility/2006" xmlns:p14="http://schemas.microsoft.com/office/powerpoint/2010/main">
+        <mc:Choice Requires="p14">
           <p:contentPart p14:bwMode="auto" r:id="rId13">
             <p14:nvContentPartPr>
               <p14:cNvPr id="9" name="잉크 8">
@@ -5447,7 +6652,7 @@
             </p14:xfrm>
           </p:contentPart>
         </mc:Choice>
-        <mc:Fallback>
+        <mc:Fallback xmlns="">
           <p:pic>
             <p:nvPicPr>
               <p:cNvPr id="9" name="잉크 8">
@@ -5478,8 +6683,8 @@
           </p:pic>
         </mc:Fallback>
       </mc:AlternateContent>
-      <mc:AlternateContent xmlns:mc="http://schemas.openxmlformats.org/markup-compatibility/2006">
-        <mc:Choice xmlns:p14="http://schemas.microsoft.com/office/powerpoint/2010/main" Requires="p14">
+      <mc:AlternateContent xmlns:mc="http://schemas.openxmlformats.org/markup-compatibility/2006" xmlns:p14="http://schemas.microsoft.com/office/powerpoint/2010/main">
+        <mc:Choice Requires="p14">
           <p:contentPart p14:bwMode="auto" r:id="rId14">
             <p14:nvContentPartPr>
               <p14:cNvPr id="10" name="잉크 9">
@@ -5498,7 +6703,7 @@
             </p14:xfrm>
           </p:contentPart>
         </mc:Choice>
-        <mc:Fallback>
+        <mc:Fallback xmlns="">
           <p:pic>
             <p:nvPicPr>
               <p:cNvPr id="10" name="잉크 9">
@@ -5529,8 +6734,8 @@
           </p:pic>
         </mc:Fallback>
       </mc:AlternateContent>
-      <mc:AlternateContent xmlns:mc="http://schemas.openxmlformats.org/markup-compatibility/2006">
-        <mc:Choice xmlns:p14="http://schemas.microsoft.com/office/powerpoint/2010/main" Requires="p14">
+      <mc:AlternateContent xmlns:mc="http://schemas.openxmlformats.org/markup-compatibility/2006" xmlns:p14="http://schemas.microsoft.com/office/powerpoint/2010/main">
+        <mc:Choice Requires="p14">
           <p:contentPart p14:bwMode="auto" r:id="rId15">
             <p14:nvContentPartPr>
               <p14:cNvPr id="11" name="잉크 10">
@@ -5549,7 +6754,7 @@
             </p14:xfrm>
           </p:contentPart>
         </mc:Choice>
-        <mc:Fallback>
+        <mc:Fallback xmlns="">
           <p:pic>
             <p:nvPicPr>
               <p:cNvPr id="11" name="잉크 10">
@@ -5580,8 +6785,8 @@
           </p:pic>
         </mc:Fallback>
       </mc:AlternateContent>
-      <mc:AlternateContent xmlns:mc="http://schemas.openxmlformats.org/markup-compatibility/2006">
-        <mc:Choice xmlns:p14="http://schemas.microsoft.com/office/powerpoint/2010/main" Requires="p14">
+      <mc:AlternateContent xmlns:mc="http://schemas.openxmlformats.org/markup-compatibility/2006" xmlns:p14="http://schemas.microsoft.com/office/powerpoint/2010/main">
+        <mc:Choice Requires="p14">
           <p:contentPart p14:bwMode="auto" r:id="rId17">
             <p14:nvContentPartPr>
               <p14:cNvPr id="12" name="잉크 11">
@@ -5600,7 +6805,7 @@
             </p14:xfrm>
           </p:contentPart>
         </mc:Choice>
-        <mc:Fallback>
+        <mc:Fallback xmlns="">
           <p:pic>
             <p:nvPicPr>
               <p:cNvPr id="12" name="잉크 11">
@@ -5631,8 +6836,8 @@
           </p:pic>
         </mc:Fallback>
       </mc:AlternateContent>
-      <mc:AlternateContent xmlns:mc="http://schemas.openxmlformats.org/markup-compatibility/2006">
-        <mc:Choice xmlns:p14="http://schemas.microsoft.com/office/powerpoint/2010/main" Requires="p14">
+      <mc:AlternateContent xmlns:mc="http://schemas.openxmlformats.org/markup-compatibility/2006" xmlns:p14="http://schemas.microsoft.com/office/powerpoint/2010/main">
+        <mc:Choice Requires="p14">
           <p:contentPart p14:bwMode="auto" r:id="rId19">
             <p14:nvContentPartPr>
               <p14:cNvPr id="13" name="잉크 12">
@@ -5651,7 +6856,7 @@
             </p14:xfrm>
           </p:contentPart>
         </mc:Choice>
-        <mc:Fallback>
+        <mc:Fallback xmlns="">
           <p:pic>
             <p:nvPicPr>
               <p:cNvPr id="13" name="잉크 12">
@@ -5682,8 +6887,8 @@
           </p:pic>
         </mc:Fallback>
       </mc:AlternateContent>
-      <mc:AlternateContent xmlns:mc="http://schemas.openxmlformats.org/markup-compatibility/2006">
-        <mc:Choice xmlns:p14="http://schemas.microsoft.com/office/powerpoint/2010/main" Requires="p14">
+      <mc:AlternateContent xmlns:mc="http://schemas.openxmlformats.org/markup-compatibility/2006" xmlns:p14="http://schemas.microsoft.com/office/powerpoint/2010/main">
+        <mc:Choice Requires="p14">
           <p:contentPart p14:bwMode="auto" r:id="rId21">
             <p14:nvContentPartPr>
               <p14:cNvPr id="14" name="잉크 13">
@@ -5702,7 +6907,7 @@
             </p14:xfrm>
           </p:contentPart>
         </mc:Choice>
-        <mc:Fallback>
+        <mc:Fallback xmlns="">
           <p:pic>
             <p:nvPicPr>
               <p:cNvPr id="14" name="잉크 13">
@@ -5733,8 +6938,8 @@
           </p:pic>
         </mc:Fallback>
       </mc:AlternateContent>
-      <mc:AlternateContent xmlns:mc="http://schemas.openxmlformats.org/markup-compatibility/2006">
-        <mc:Choice xmlns:p14="http://schemas.microsoft.com/office/powerpoint/2010/main" Requires="p14">
+      <mc:AlternateContent xmlns:mc="http://schemas.openxmlformats.org/markup-compatibility/2006" xmlns:p14="http://schemas.microsoft.com/office/powerpoint/2010/main">
+        <mc:Choice Requires="p14">
           <p:contentPart p14:bwMode="auto" r:id="rId23">
             <p14:nvContentPartPr>
               <p14:cNvPr id="15" name="잉크 14">
@@ -5753,7 +6958,7 @@
             </p14:xfrm>
           </p:contentPart>
         </mc:Choice>
-        <mc:Fallback>
+        <mc:Fallback xmlns="">
           <p:pic>
             <p:nvPicPr>
               <p:cNvPr id="15" name="잉크 14">
@@ -5784,8 +6989,8 @@
           </p:pic>
         </mc:Fallback>
       </mc:AlternateContent>
-      <mc:AlternateContent xmlns:mc="http://schemas.openxmlformats.org/markup-compatibility/2006">
-        <mc:Choice xmlns:p14="http://schemas.microsoft.com/office/powerpoint/2010/main" Requires="p14">
+      <mc:AlternateContent xmlns:mc="http://schemas.openxmlformats.org/markup-compatibility/2006" xmlns:p14="http://schemas.microsoft.com/office/powerpoint/2010/main">
+        <mc:Choice Requires="p14">
           <p:contentPart p14:bwMode="auto" r:id="rId24">
             <p14:nvContentPartPr>
               <p14:cNvPr id="16" name="잉크 15">
@@ -5804,7 +7009,7 @@
             </p14:xfrm>
           </p:contentPart>
         </mc:Choice>
-        <mc:Fallback>
+        <mc:Fallback xmlns="">
           <p:pic>
             <p:nvPicPr>
               <p:cNvPr id="16" name="잉크 15">
@@ -5835,8 +7040,8 @@
           </p:pic>
         </mc:Fallback>
       </mc:AlternateContent>
-      <mc:AlternateContent xmlns:mc="http://schemas.openxmlformats.org/markup-compatibility/2006">
-        <mc:Choice xmlns:p14="http://schemas.microsoft.com/office/powerpoint/2010/main" Requires="p14">
+      <mc:AlternateContent xmlns:mc="http://schemas.openxmlformats.org/markup-compatibility/2006" xmlns:p14="http://schemas.microsoft.com/office/powerpoint/2010/main">
+        <mc:Choice Requires="p14">
           <p:contentPart p14:bwMode="auto" r:id="rId25">
             <p14:nvContentPartPr>
               <p14:cNvPr id="17" name="잉크 16">
@@ -5855,7 +7060,7 @@
             </p14:xfrm>
           </p:contentPart>
         </mc:Choice>
-        <mc:Fallback>
+        <mc:Fallback xmlns="">
           <p:pic>
             <p:nvPicPr>
               <p:cNvPr id="17" name="잉크 16">
@@ -5886,8 +7091,8 @@
           </p:pic>
         </mc:Fallback>
       </mc:AlternateContent>
-      <mc:AlternateContent xmlns:mc="http://schemas.openxmlformats.org/markup-compatibility/2006">
-        <mc:Choice xmlns:p14="http://schemas.microsoft.com/office/powerpoint/2010/main" Requires="p14">
+      <mc:AlternateContent xmlns:mc="http://schemas.openxmlformats.org/markup-compatibility/2006" xmlns:p14="http://schemas.microsoft.com/office/powerpoint/2010/main">
+        <mc:Choice Requires="p14">
           <p:contentPart p14:bwMode="auto" r:id="rId26">
             <p14:nvContentPartPr>
               <p14:cNvPr id="18" name="잉크 17">
@@ -5906,7 +7111,7 @@
             </p14:xfrm>
           </p:contentPart>
         </mc:Choice>
-        <mc:Fallback>
+        <mc:Fallback xmlns="">
           <p:pic>
             <p:nvPicPr>
               <p:cNvPr id="18" name="잉크 17">
@@ -5937,8 +7142,8 @@
           </p:pic>
         </mc:Fallback>
       </mc:AlternateContent>
-      <mc:AlternateContent xmlns:mc="http://schemas.openxmlformats.org/markup-compatibility/2006">
-        <mc:Choice xmlns:p14="http://schemas.microsoft.com/office/powerpoint/2010/main" Requires="p14">
+      <mc:AlternateContent xmlns:mc="http://schemas.openxmlformats.org/markup-compatibility/2006" xmlns:p14="http://schemas.microsoft.com/office/powerpoint/2010/main">
+        <mc:Choice Requires="p14">
           <p:contentPart p14:bwMode="auto" r:id="rId28">
             <p14:nvContentPartPr>
               <p14:cNvPr id="19" name="잉크 18">
@@ -5957,7 +7162,7 @@
             </p14:xfrm>
           </p:contentPart>
         </mc:Choice>
-        <mc:Fallback>
+        <mc:Fallback xmlns="">
           <p:pic>
             <p:nvPicPr>
               <p:cNvPr id="19" name="잉크 18">
@@ -5988,8 +7193,8 @@
           </p:pic>
         </mc:Fallback>
       </mc:AlternateContent>
-      <mc:AlternateContent xmlns:mc="http://schemas.openxmlformats.org/markup-compatibility/2006">
-        <mc:Choice xmlns:p14="http://schemas.microsoft.com/office/powerpoint/2010/main" Requires="p14">
+      <mc:AlternateContent xmlns:mc="http://schemas.openxmlformats.org/markup-compatibility/2006" xmlns:p14="http://schemas.microsoft.com/office/powerpoint/2010/main">
+        <mc:Choice Requires="p14">
           <p:contentPart p14:bwMode="auto" r:id="rId30">
             <p14:nvContentPartPr>
               <p14:cNvPr id="20" name="잉크 19">
@@ -6008,7 +7213,7 @@
             </p14:xfrm>
           </p:contentPart>
         </mc:Choice>
-        <mc:Fallback>
+        <mc:Fallback xmlns="">
           <p:pic>
             <p:nvPicPr>
               <p:cNvPr id="20" name="잉크 19">
@@ -6039,8 +7244,8 @@
           </p:pic>
         </mc:Fallback>
       </mc:AlternateContent>
-      <mc:AlternateContent xmlns:mc="http://schemas.openxmlformats.org/markup-compatibility/2006">
-        <mc:Choice xmlns:p14="http://schemas.microsoft.com/office/powerpoint/2010/main" Requires="p14">
+      <mc:AlternateContent xmlns:mc="http://schemas.openxmlformats.org/markup-compatibility/2006" xmlns:p14="http://schemas.microsoft.com/office/powerpoint/2010/main">
+        <mc:Choice Requires="p14">
           <p:contentPart p14:bwMode="auto" r:id="rId31">
             <p14:nvContentPartPr>
               <p14:cNvPr id="21" name="잉크 20">
@@ -6059,7 +7264,7 @@
             </p14:xfrm>
           </p:contentPart>
         </mc:Choice>
-        <mc:Fallback>
+        <mc:Fallback xmlns="">
           <p:pic>
             <p:nvPicPr>
               <p:cNvPr id="21" name="잉크 20">
@@ -6090,8 +7295,8 @@
           </p:pic>
         </mc:Fallback>
       </mc:AlternateContent>
-      <mc:AlternateContent xmlns:mc="http://schemas.openxmlformats.org/markup-compatibility/2006">
-        <mc:Choice xmlns:p14="http://schemas.microsoft.com/office/powerpoint/2010/main" xmlns:aink="http://schemas.microsoft.com/office/drawing/2016/ink" Requires="p14 aink">
+      <mc:AlternateContent xmlns:mc="http://schemas.openxmlformats.org/markup-compatibility/2006" xmlns:p14="http://schemas.microsoft.com/office/powerpoint/2010/main" xmlns:aink="http://schemas.microsoft.com/office/drawing/2016/ink">
+        <mc:Choice Requires="p14 aink">
           <p:contentPart p14:bwMode="auto" r:id="rId33">
             <p14:nvContentPartPr>
               <p14:cNvPr id="23" name="잉크 22">
@@ -6110,7 +7315,7 @@
             </p14:xfrm>
           </p:contentPart>
         </mc:Choice>
-        <mc:Fallback>
+        <mc:Fallback xmlns="">
           <p:pic>
             <p:nvPicPr>
               <p:cNvPr id="23" name="잉크 22">
@@ -6141,8 +7346,8 @@
           </p:pic>
         </mc:Fallback>
       </mc:AlternateContent>
-      <mc:AlternateContent xmlns:mc="http://schemas.openxmlformats.org/markup-compatibility/2006">
-        <mc:Choice xmlns:p14="http://schemas.microsoft.com/office/powerpoint/2010/main" Requires="p14">
+      <mc:AlternateContent xmlns:mc="http://schemas.openxmlformats.org/markup-compatibility/2006" xmlns:p14="http://schemas.microsoft.com/office/powerpoint/2010/main">
+        <mc:Choice Requires="p14">
           <p:contentPart p14:bwMode="auto" r:id="rId35">
             <p14:nvContentPartPr>
               <p14:cNvPr id="25" name="잉크 24">
@@ -6161,7 +7366,7 @@
             </p14:xfrm>
           </p:contentPart>
         </mc:Choice>
-        <mc:Fallback>
+        <mc:Fallback xmlns="">
           <p:pic>
             <p:nvPicPr>
               <p:cNvPr id="25" name="잉크 24">
@@ -6192,8 +7397,8 @@
           </p:pic>
         </mc:Fallback>
       </mc:AlternateContent>
-      <mc:AlternateContent xmlns:mc="http://schemas.openxmlformats.org/markup-compatibility/2006">
-        <mc:Choice xmlns:p14="http://schemas.microsoft.com/office/powerpoint/2010/main" Requires="p14">
+      <mc:AlternateContent xmlns:mc="http://schemas.openxmlformats.org/markup-compatibility/2006" xmlns:p14="http://schemas.microsoft.com/office/powerpoint/2010/main">
+        <mc:Choice Requires="p14">
           <p:contentPart p14:bwMode="auto" r:id="rId37">
             <p14:nvContentPartPr>
               <p14:cNvPr id="26" name="잉크 25">
@@ -6212,7 +7417,7 @@
             </p14:xfrm>
           </p:contentPart>
         </mc:Choice>
-        <mc:Fallback>
+        <mc:Fallback xmlns="">
           <p:pic>
             <p:nvPicPr>
               <p:cNvPr id="26" name="잉크 25">
@@ -6243,8 +7448,8 @@
           </p:pic>
         </mc:Fallback>
       </mc:AlternateContent>
-      <mc:AlternateContent xmlns:mc="http://schemas.openxmlformats.org/markup-compatibility/2006">
-        <mc:Choice xmlns:p14="http://schemas.microsoft.com/office/powerpoint/2010/main" Requires="p14">
+      <mc:AlternateContent xmlns:mc="http://schemas.openxmlformats.org/markup-compatibility/2006" xmlns:p14="http://schemas.microsoft.com/office/powerpoint/2010/main">
+        <mc:Choice Requires="p14">
           <p:contentPart p14:bwMode="auto" r:id="rId39">
             <p14:nvContentPartPr>
               <p14:cNvPr id="27" name="잉크 26">
@@ -6263,7 +7468,7 @@
             </p14:xfrm>
           </p:contentPart>
         </mc:Choice>
-        <mc:Fallback>
+        <mc:Fallback xmlns="">
           <p:pic>
             <p:nvPicPr>
               <p:cNvPr id="27" name="잉크 26">
@@ -6294,6 +7499,57 @@
           </p:pic>
         </mc:Fallback>
       </mc:AlternateContent>
+      <mc:AlternateContent xmlns:mc="http://schemas.openxmlformats.org/markup-compatibility/2006">
+        <mc:Choice xmlns:p14="http://schemas.microsoft.com/office/powerpoint/2010/main" Requires="p14">
+          <p:contentPart p14:bwMode="auto" r:id="rId40">
+            <p14:nvContentPartPr>
+              <p14:cNvPr id="22" name="잉크 21">
+                <a:extLst>
+                  <a:ext uri="{FF2B5EF4-FFF2-40B4-BE49-F238E27FC236}">
+                    <a16:creationId xmlns:a16="http://schemas.microsoft.com/office/drawing/2014/main" id="{FC7F8283-CDEB-B71F-B566-1EF57F0F2016}"/>
+                  </a:ext>
+                </a:extLst>
+              </p14:cNvPr>
+              <p14:cNvContentPartPr/>
+              <p14:nvPr/>
+            </p14:nvContentPartPr>
+            <p14:xfrm>
+              <a:off x="832423" y="718303"/>
+              <a:ext cx="2088360" cy="360"/>
+            </p14:xfrm>
+          </p:contentPart>
+        </mc:Choice>
+        <mc:Fallback>
+          <p:pic>
+            <p:nvPicPr>
+              <p:cNvPr id="22" name="잉크 21">
+                <a:extLst>
+                  <a:ext uri="{FF2B5EF4-FFF2-40B4-BE49-F238E27FC236}">
+                    <a16:creationId xmlns:a16="http://schemas.microsoft.com/office/drawing/2014/main" id="{FC7F8283-CDEB-B71F-B566-1EF57F0F2016}"/>
+                  </a:ext>
+                </a:extLst>
+              </p:cNvPr>
+              <p:cNvPicPr/>
+              <p:nvPr/>
+            </p:nvPicPr>
+            <p:blipFill>
+              <a:blip r:embed="rId41"/>
+              <a:stretch>
+                <a:fillRect/>
+              </a:stretch>
+            </p:blipFill>
+            <p:spPr>
+              <a:xfrm>
+                <a:off x="760783" y="574303"/>
+                <a:ext cx="2232000" cy="288000"/>
+              </a:xfrm>
+              <a:prstGeom prst="rect">
+                <a:avLst/>
+              </a:prstGeom>
+            </p:spPr>
+          </p:pic>
+        </mc:Fallback>
+      </mc:AlternateContent>
     </p:spTree>
     <p:extLst>
       <p:ext uri="{BB962C8B-B14F-4D97-AF65-F5344CB8AC3E}">
@@ -6307,7 +7563,7 @@
 </p:sld>
 </file>
 
-<file path=ppt/slides/slide19.xml><?xml version="1.0" encoding="utf-8"?>
+<file path=ppt/slides/slide22.xml><?xml version="1.0" encoding="utf-8"?>
 <p:sld xmlns:a="http://schemas.openxmlformats.org/drawingml/2006/main" xmlns:r="http://schemas.openxmlformats.org/officeDocument/2006/relationships" xmlns:p="http://schemas.openxmlformats.org/presentationml/2006/main">
   <p:cSld>
     <p:spTree>
@@ -6324,8 +7580,8 @@
           <a:chExt cx="0" cy="0"/>
         </a:xfrm>
       </p:grpSpPr>
-      <mc:AlternateContent xmlns:mc="http://schemas.openxmlformats.org/markup-compatibility/2006">
-        <mc:Choice xmlns:p14="http://schemas.microsoft.com/office/powerpoint/2010/main" Requires="p14">
+      <mc:AlternateContent xmlns:mc="http://schemas.openxmlformats.org/markup-compatibility/2006" xmlns:p14="http://schemas.microsoft.com/office/powerpoint/2010/main">
+        <mc:Choice Requires="p14">
           <p:contentPart p14:bwMode="auto" r:id="rId2">
             <p14:nvContentPartPr>
               <p14:cNvPr id="2" name="잉크 1">
@@ -6344,7 +7600,7 @@
             </p14:xfrm>
           </p:contentPart>
         </mc:Choice>
-        <mc:Fallback>
+        <mc:Fallback xmlns="">
           <p:pic>
             <p:nvPicPr>
               <p:cNvPr id="2" name="잉크 1">
@@ -6435,6 +7691,57 @@
           </a:prstGeom>
         </p:spPr>
       </p:pic>
+      <mc:AlternateContent xmlns:mc="http://schemas.openxmlformats.org/markup-compatibility/2006">
+        <mc:Choice xmlns:p14="http://schemas.microsoft.com/office/powerpoint/2010/main" Requires="p14">
+          <p:contentPart p14:bwMode="auto" r:id="rId6">
+            <p14:nvContentPartPr>
+              <p14:cNvPr id="5" name="잉크 4">
+                <a:extLst>
+                  <a:ext uri="{FF2B5EF4-FFF2-40B4-BE49-F238E27FC236}">
+                    <a16:creationId xmlns:a16="http://schemas.microsoft.com/office/drawing/2014/main" id="{49153F32-42F5-D039-342D-7632DC31ADA3}"/>
+                  </a:ext>
+                </a:extLst>
+              </p14:cNvPr>
+              <p14:cNvContentPartPr/>
+              <p14:nvPr/>
+            </p14:nvContentPartPr>
+            <p14:xfrm>
+              <a:off x="799663" y="522463"/>
+              <a:ext cx="1337400" cy="360"/>
+            </p14:xfrm>
+          </p:contentPart>
+        </mc:Choice>
+        <mc:Fallback>
+          <p:pic>
+            <p:nvPicPr>
+              <p:cNvPr id="5" name="잉크 4">
+                <a:extLst>
+                  <a:ext uri="{FF2B5EF4-FFF2-40B4-BE49-F238E27FC236}">
+                    <a16:creationId xmlns:a16="http://schemas.microsoft.com/office/drawing/2014/main" id="{49153F32-42F5-D039-342D-7632DC31ADA3}"/>
+                  </a:ext>
+                </a:extLst>
+              </p:cNvPr>
+              <p:cNvPicPr/>
+              <p:nvPr/>
+            </p:nvPicPr>
+            <p:blipFill>
+              <a:blip r:embed="rId7"/>
+              <a:stretch>
+                <a:fillRect/>
+              </a:stretch>
+            </p:blipFill>
+            <p:spPr>
+              <a:xfrm>
+                <a:off x="728023" y="378463"/>
+                <a:ext cx="1481040" cy="288000"/>
+              </a:xfrm>
+              <a:prstGeom prst="rect">
+                <a:avLst/>
+              </a:prstGeom>
+            </p:spPr>
+          </p:pic>
+        </mc:Fallback>
+      </mc:AlternateContent>
     </p:spTree>
     <p:extLst>
       <p:ext uri="{BB962C8B-B14F-4D97-AF65-F5344CB8AC3E}">
@@ -6448,97 +7755,7 @@
 </p:sld>
 </file>
 
-<file path=ppt/slides/slide2.xml><?xml version="1.0" encoding="utf-8"?>
-<p:sld xmlns:a="http://schemas.openxmlformats.org/drawingml/2006/main" xmlns:r="http://schemas.openxmlformats.org/officeDocument/2006/relationships" xmlns:p="http://schemas.openxmlformats.org/presentationml/2006/main">
-  <p:cSld>
-    <p:spTree>
-      <p:nvGrpSpPr>
-        <p:cNvPr id="1" name=""/>
-        <p:cNvGrpSpPr/>
-        <p:nvPr/>
-      </p:nvGrpSpPr>
-      <p:grpSpPr>
-        <a:xfrm>
-          <a:off x="0" y="0"/>
-          <a:ext cx="0" cy="0"/>
-          <a:chOff x="0" y="0"/>
-          <a:chExt cx="0" cy="0"/>
-        </a:xfrm>
-      </p:grpSpPr>
-      <p:pic>
-        <p:nvPicPr>
-          <p:cNvPr id="3" name="그림 2">
-            <a:extLst>
-              <a:ext uri="{FF2B5EF4-FFF2-40B4-BE49-F238E27FC236}">
-                <a16:creationId xmlns:a16="http://schemas.microsoft.com/office/drawing/2014/main" id="{58279AE5-E0B3-8C09-15E8-C3EFA4DC96F6}"/>
-              </a:ext>
-            </a:extLst>
-          </p:cNvPr>
-          <p:cNvPicPr>
-            <a:picLocks noChangeAspect="1"/>
-          </p:cNvPicPr>
-          <p:nvPr/>
-        </p:nvPicPr>
-        <p:blipFill>
-          <a:blip r:embed="rId2"/>
-          <a:stretch>
-            <a:fillRect/>
-          </a:stretch>
-        </p:blipFill>
-        <p:spPr>
-          <a:xfrm>
-            <a:off x="506268" y="546064"/>
-            <a:ext cx="11380932" cy="2727661"/>
-          </a:xfrm>
-          <a:prstGeom prst="rect">
-            <a:avLst/>
-          </a:prstGeom>
-        </p:spPr>
-      </p:pic>
-      <p:pic>
-        <p:nvPicPr>
-          <p:cNvPr id="5" name="그림 4">
-            <a:extLst>
-              <a:ext uri="{FF2B5EF4-FFF2-40B4-BE49-F238E27FC236}">
-                <a16:creationId xmlns:a16="http://schemas.microsoft.com/office/drawing/2014/main" id="{8536994B-0816-F819-F5C4-3C14BF445BC2}"/>
-              </a:ext>
-            </a:extLst>
-          </p:cNvPr>
-          <p:cNvPicPr>
-            <a:picLocks noChangeAspect="1"/>
-          </p:cNvPicPr>
-          <p:nvPr/>
-        </p:nvPicPr>
-        <p:blipFill>
-          <a:blip r:embed="rId3"/>
-          <a:stretch>
-            <a:fillRect/>
-          </a:stretch>
-        </p:blipFill>
-        <p:spPr>
-          <a:xfrm>
-            <a:off x="506268" y="3735240"/>
-            <a:ext cx="7757838" cy="1936232"/>
-          </a:xfrm>
-          <a:prstGeom prst="rect">
-            <a:avLst/>
-          </a:prstGeom>
-        </p:spPr>
-      </p:pic>
-    </p:spTree>
-    <p:extLst>
-      <p:ext uri="{BB962C8B-B14F-4D97-AF65-F5344CB8AC3E}">
-        <p14:creationId xmlns:p14="http://schemas.microsoft.com/office/powerpoint/2010/main" val="1319061622"/>
-      </p:ext>
-    </p:extLst>
-  </p:cSld>
-  <p:clrMapOvr>
-    <a:masterClrMapping/>
-  </p:clrMapOvr>
-</p:sld>
-</file>
-
-<file path=ppt/slides/slide20.xml><?xml version="1.0" encoding="utf-8"?>
+<file path=ppt/slides/slide23.xml><?xml version="1.0" encoding="utf-8"?>
 <p:sld xmlns:a="http://schemas.openxmlformats.org/drawingml/2006/main" xmlns:r="http://schemas.openxmlformats.org/officeDocument/2006/relationships" xmlns:p="http://schemas.openxmlformats.org/presentationml/2006/main">
   <p:cSld>
     <p:spTree>
@@ -6598,7 +7815,7 @@
 </p:sld>
 </file>
 
-<file path=ppt/slides/slide21.xml><?xml version="1.0" encoding="utf-8"?>
+<file path=ppt/slides/slide24.xml><?xml version="1.0" encoding="utf-8"?>
 <p:sld xmlns:a="http://schemas.openxmlformats.org/drawingml/2006/main" xmlns:r="http://schemas.openxmlformats.org/officeDocument/2006/relationships" xmlns:p="http://schemas.openxmlformats.org/presentationml/2006/main">
   <p:cSld>
     <p:spTree>
@@ -6675,6 +7892,57 @@
           </a:prstGeom>
         </p:spPr>
       </p:pic>
+      <mc:AlternateContent xmlns:mc="http://schemas.openxmlformats.org/markup-compatibility/2006">
+        <mc:Choice xmlns:p14="http://schemas.microsoft.com/office/powerpoint/2010/main" Requires="p14">
+          <p:contentPart p14:bwMode="auto" r:id="rId4">
+            <p14:nvContentPartPr>
+              <p14:cNvPr id="2" name="잉크 1">
+                <a:extLst>
+                  <a:ext uri="{FF2B5EF4-FFF2-40B4-BE49-F238E27FC236}">
+                    <a16:creationId xmlns:a16="http://schemas.microsoft.com/office/drawing/2014/main" id="{D89A6DE2-5C35-9B62-096A-C6F508E0E995}"/>
+                  </a:ext>
+                </a:extLst>
+              </p14:cNvPr>
+              <p14:cNvContentPartPr/>
+              <p14:nvPr/>
+            </p14:nvContentPartPr>
+            <p14:xfrm>
+              <a:off x="783103" y="652783"/>
+              <a:ext cx="2065680" cy="360"/>
+            </p14:xfrm>
+          </p:contentPart>
+        </mc:Choice>
+        <mc:Fallback>
+          <p:pic>
+            <p:nvPicPr>
+              <p:cNvPr id="2" name="잉크 1">
+                <a:extLst>
+                  <a:ext uri="{FF2B5EF4-FFF2-40B4-BE49-F238E27FC236}">
+                    <a16:creationId xmlns:a16="http://schemas.microsoft.com/office/drawing/2014/main" id="{D89A6DE2-5C35-9B62-096A-C6F508E0E995}"/>
+                  </a:ext>
+                </a:extLst>
+              </p:cNvPr>
+              <p:cNvPicPr/>
+              <p:nvPr/>
+            </p:nvPicPr>
+            <p:blipFill>
+              <a:blip r:embed="rId5"/>
+              <a:stretch>
+                <a:fillRect/>
+              </a:stretch>
+            </p:blipFill>
+            <p:spPr>
+              <a:xfrm>
+                <a:off x="711463" y="509143"/>
+                <a:ext cx="2209320" cy="288000"/>
+              </a:xfrm>
+              <a:prstGeom prst="rect">
+                <a:avLst/>
+              </a:prstGeom>
+            </p:spPr>
+          </p:pic>
+        </mc:Fallback>
+      </mc:AlternateContent>
     </p:spTree>
     <p:extLst>
       <p:ext uri="{BB962C8B-B14F-4D97-AF65-F5344CB8AC3E}">
@@ -6688,7 +7956,7 @@
 </p:sld>
 </file>
 
-<file path=ppt/slides/slide22.xml><?xml version="1.0" encoding="utf-8"?>
+<file path=ppt/slides/slide25.xml><?xml version="1.0" encoding="utf-8"?>
 <p:sld xmlns:a="http://schemas.openxmlformats.org/drawingml/2006/main" xmlns:r="http://schemas.openxmlformats.org/officeDocument/2006/relationships" xmlns:p="http://schemas.openxmlformats.org/presentationml/2006/main">
   <p:cSld>
     <p:spTree>
@@ -6778,7 +8046,102 @@
 </p:sld>
 </file>
 
-<file path=ppt/slides/slide23.xml><?xml version="1.0" encoding="utf-8"?>
+<file path=ppt/slides/slide26.xml><?xml version="1.0" encoding="utf-8"?>
+<p:sld xmlns:a="http://schemas.openxmlformats.org/drawingml/2006/main" xmlns:r="http://schemas.openxmlformats.org/officeDocument/2006/relationships" xmlns:p="http://schemas.openxmlformats.org/presentationml/2006/main">
+  <p:cSld>
+    <p:spTree>
+      <p:nvGrpSpPr>
+        <p:cNvPr id="1" name=""/>
+        <p:cNvGrpSpPr/>
+        <p:nvPr/>
+      </p:nvGrpSpPr>
+      <p:grpSpPr>
+        <a:xfrm>
+          <a:off x="0" y="0"/>
+          <a:ext cx="0" cy="0"/>
+          <a:chOff x="0" y="0"/>
+          <a:chExt cx="0" cy="0"/>
+        </a:xfrm>
+      </p:grpSpPr>
+      <p:sp>
+        <p:nvSpPr>
+          <p:cNvPr id="2" name="TextBox 1">
+            <a:extLst>
+              <a:ext uri="{FF2B5EF4-FFF2-40B4-BE49-F238E27FC236}">
+                <a16:creationId xmlns:a16="http://schemas.microsoft.com/office/drawing/2014/main" id="{6D5E47BA-144B-6E25-E282-8F211ABD5221}"/>
+              </a:ext>
+            </a:extLst>
+          </p:cNvPr>
+          <p:cNvSpPr txBox="1"/>
+          <p:nvPr/>
+        </p:nvSpPr>
+        <p:spPr>
+          <a:xfrm>
+            <a:off x="1139371" y="2610838"/>
+            <a:ext cx="9913258" cy="830997"/>
+          </a:xfrm>
+          <a:prstGeom prst="rect">
+            <a:avLst/>
+          </a:prstGeom>
+          <a:noFill/>
+        </p:spPr>
+        <p:txBody>
+          <a:bodyPr wrap="square" rtlCol="0">
+            <a:spAutoFit/>
+          </a:bodyPr>
+          <a:lstStyle/>
+          <a:p>
+            <a:pPr algn="ctr"/>
+            <a:r>
+              <a:rPr lang="en-US" altLang="ko-KR" sz="4800" b="1" dirty="0">
+                <a:solidFill>
+                  <a:schemeClr val="accent1"/>
+                </a:solidFill>
+                <a:latin typeface="+mn-ea"/>
+              </a:rPr>
+              <a:t>&lt; </a:t>
+            </a:r>
+            <a:r>
+              <a:rPr lang="ko-KR" altLang="en-US" sz="4800" b="1" dirty="0">
+                <a:solidFill>
+                  <a:schemeClr val="accent1"/>
+                </a:solidFill>
+                <a:latin typeface="+mn-ea"/>
+              </a:rPr>
+              <a:t>함수의 특이사항 </a:t>
+            </a:r>
+            <a:r>
+              <a:rPr lang="en-US" altLang="ko-KR" sz="4800" b="1" dirty="0">
+                <a:solidFill>
+                  <a:schemeClr val="accent1"/>
+                </a:solidFill>
+                <a:latin typeface="+mn-ea"/>
+              </a:rPr>
+              <a:t>&gt;</a:t>
+            </a:r>
+            <a:endParaRPr lang="ko-KR" altLang="en-US" sz="4800" b="1" dirty="0">
+              <a:solidFill>
+                <a:schemeClr val="accent1"/>
+              </a:solidFill>
+              <a:latin typeface="+mn-ea"/>
+            </a:endParaRPr>
+          </a:p>
+        </p:txBody>
+      </p:sp>
+    </p:spTree>
+    <p:extLst>
+      <p:ext uri="{BB962C8B-B14F-4D97-AF65-F5344CB8AC3E}">
+        <p14:creationId xmlns:p14="http://schemas.microsoft.com/office/powerpoint/2010/main" val="1442907565"/>
+      </p:ext>
+    </p:extLst>
+  </p:cSld>
+  <p:clrMapOvr>
+    <a:masterClrMapping/>
+  </p:clrMapOvr>
+</p:sld>
+</file>
+
+<file path=ppt/slides/slide27.xml><?xml version="1.0" encoding="utf-8"?>
 <p:sld xmlns:a="http://schemas.openxmlformats.org/drawingml/2006/main" xmlns:r="http://schemas.openxmlformats.org/officeDocument/2006/relationships" xmlns:p="http://schemas.openxmlformats.org/presentationml/2006/main">
   <p:cSld>
     <p:spTree>
@@ -6825,6 +8188,108 @@
           </a:prstGeom>
         </p:spPr>
       </p:pic>
+      <mc:AlternateContent xmlns:mc="http://schemas.openxmlformats.org/markup-compatibility/2006">
+        <mc:Choice xmlns:p14="http://schemas.microsoft.com/office/powerpoint/2010/main" Requires="p14">
+          <p:contentPart p14:bwMode="auto" r:id="rId3">
+            <p14:nvContentPartPr>
+              <p14:cNvPr id="5" name="잉크 4">
+                <a:extLst>
+                  <a:ext uri="{FF2B5EF4-FFF2-40B4-BE49-F238E27FC236}">
+                    <a16:creationId xmlns:a16="http://schemas.microsoft.com/office/drawing/2014/main" id="{B7D1C3E8-1566-FCEA-5307-B72F5046EE34}"/>
+                  </a:ext>
+                </a:extLst>
+              </p14:cNvPr>
+              <p14:cNvContentPartPr/>
+              <p14:nvPr/>
+            </p14:nvContentPartPr>
+            <p14:xfrm>
+              <a:off x="783103" y="636583"/>
+              <a:ext cx="2220480" cy="360"/>
+            </p14:xfrm>
+          </p:contentPart>
+        </mc:Choice>
+        <mc:Fallback>
+          <p:pic>
+            <p:nvPicPr>
+              <p:cNvPr id="5" name="잉크 4">
+                <a:extLst>
+                  <a:ext uri="{FF2B5EF4-FFF2-40B4-BE49-F238E27FC236}">
+                    <a16:creationId xmlns:a16="http://schemas.microsoft.com/office/drawing/2014/main" id="{B7D1C3E8-1566-FCEA-5307-B72F5046EE34}"/>
+                  </a:ext>
+                </a:extLst>
+              </p:cNvPr>
+              <p:cNvPicPr/>
+              <p:nvPr/>
+            </p:nvPicPr>
+            <p:blipFill>
+              <a:blip r:embed="rId4"/>
+              <a:stretch>
+                <a:fillRect/>
+              </a:stretch>
+            </p:blipFill>
+            <p:spPr>
+              <a:xfrm>
+                <a:off x="711463" y="492943"/>
+                <a:ext cx="2364120" cy="288000"/>
+              </a:xfrm>
+              <a:prstGeom prst="rect">
+                <a:avLst/>
+              </a:prstGeom>
+            </p:spPr>
+          </p:pic>
+        </mc:Fallback>
+      </mc:AlternateContent>
+      <mc:AlternateContent xmlns:mc="http://schemas.openxmlformats.org/markup-compatibility/2006">
+        <mc:Choice xmlns:p14="http://schemas.microsoft.com/office/powerpoint/2010/main" Requires="p14">
+          <p:contentPart p14:bwMode="auto" r:id="rId5">
+            <p14:nvContentPartPr>
+              <p14:cNvPr id="7" name="잉크 6">
+                <a:extLst>
+                  <a:ext uri="{FF2B5EF4-FFF2-40B4-BE49-F238E27FC236}">
+                    <a16:creationId xmlns:a16="http://schemas.microsoft.com/office/drawing/2014/main" id="{3C2D6076-5025-DCC1-BAF9-68A98D08A4B5}"/>
+                  </a:ext>
+                </a:extLst>
+              </p14:cNvPr>
+              <p14:cNvContentPartPr/>
+              <p14:nvPr/>
+            </p14:nvContentPartPr>
+            <p14:xfrm>
+              <a:off x="767263" y="1844743"/>
+              <a:ext cx="1092960" cy="360"/>
+            </p14:xfrm>
+          </p:contentPart>
+        </mc:Choice>
+        <mc:Fallback>
+          <p:pic>
+            <p:nvPicPr>
+              <p:cNvPr id="7" name="잉크 6">
+                <a:extLst>
+                  <a:ext uri="{FF2B5EF4-FFF2-40B4-BE49-F238E27FC236}">
+                    <a16:creationId xmlns:a16="http://schemas.microsoft.com/office/drawing/2014/main" id="{3C2D6076-5025-DCC1-BAF9-68A98D08A4B5}"/>
+                  </a:ext>
+                </a:extLst>
+              </p:cNvPr>
+              <p:cNvPicPr/>
+              <p:nvPr/>
+            </p:nvPicPr>
+            <p:blipFill>
+              <a:blip r:embed="rId6"/>
+              <a:stretch>
+                <a:fillRect/>
+              </a:stretch>
+            </p:blipFill>
+            <p:spPr>
+              <a:xfrm>
+                <a:off x="695263" y="1701103"/>
+                <a:ext cx="1236600" cy="288000"/>
+              </a:xfrm>
+              <a:prstGeom prst="rect">
+                <a:avLst/>
+              </a:prstGeom>
+            </p:spPr>
+          </p:pic>
+        </mc:Fallback>
+      </mc:AlternateContent>
     </p:spTree>
     <p:extLst>
       <p:ext uri="{BB962C8B-B14F-4D97-AF65-F5344CB8AC3E}">
@@ -6838,7 +8303,7 @@
 </p:sld>
 </file>
 
-<file path=ppt/slides/slide24.xml><?xml version="1.0" encoding="utf-8"?>
+<file path=ppt/slides/slide28.xml><?xml version="1.0" encoding="utf-8"?>
 <p:sld xmlns:a="http://schemas.openxmlformats.org/drawingml/2006/main" xmlns:r="http://schemas.openxmlformats.org/officeDocument/2006/relationships" xmlns:p="http://schemas.openxmlformats.org/presentationml/2006/main">
   <p:cSld>
     <p:spTree>
@@ -6928,7 +8393,7 @@
 </p:sld>
 </file>
 
-<file path=ppt/slides/slide25.xml><?xml version="1.0" encoding="utf-8"?>
+<file path=ppt/slides/slide29.xml><?xml version="1.0" encoding="utf-8"?>
 <p:sld xmlns:a="http://schemas.openxmlformats.org/drawingml/2006/main" xmlns:r="http://schemas.openxmlformats.org/officeDocument/2006/relationships" xmlns:p="http://schemas.openxmlformats.org/presentationml/2006/main">
   <p:cSld>
     <p:spTree>
@@ -6975,6 +8440,57 @@
           </a:prstGeom>
         </p:spPr>
       </p:pic>
+      <mc:AlternateContent xmlns:mc="http://schemas.openxmlformats.org/markup-compatibility/2006">
+        <mc:Choice xmlns:p14="http://schemas.microsoft.com/office/powerpoint/2010/main" Requires="p14">
+          <p:contentPart p14:bwMode="auto" r:id="rId3">
+            <p14:nvContentPartPr>
+              <p14:cNvPr id="2" name="잉크 1">
+                <a:extLst>
+                  <a:ext uri="{FF2B5EF4-FFF2-40B4-BE49-F238E27FC236}">
+                    <a16:creationId xmlns:a16="http://schemas.microsoft.com/office/drawing/2014/main" id="{6A1E6B21-362C-CAE4-8315-DA7E0CDC2F97}"/>
+                  </a:ext>
+                </a:extLst>
+              </p14:cNvPr>
+              <p14:cNvContentPartPr/>
+              <p14:nvPr/>
+            </p14:nvContentPartPr>
+            <p14:xfrm>
+              <a:off x="1093783" y="767263"/>
+              <a:ext cx="3590640" cy="360"/>
+            </p14:xfrm>
+          </p:contentPart>
+        </mc:Choice>
+        <mc:Fallback>
+          <p:pic>
+            <p:nvPicPr>
+              <p:cNvPr id="2" name="잉크 1">
+                <a:extLst>
+                  <a:ext uri="{FF2B5EF4-FFF2-40B4-BE49-F238E27FC236}">
+                    <a16:creationId xmlns:a16="http://schemas.microsoft.com/office/drawing/2014/main" id="{6A1E6B21-362C-CAE4-8315-DA7E0CDC2F97}"/>
+                  </a:ext>
+                </a:extLst>
+              </p:cNvPr>
+              <p:cNvPicPr/>
+              <p:nvPr/>
+            </p:nvPicPr>
+            <p:blipFill>
+              <a:blip r:embed="rId4"/>
+              <a:stretch>
+                <a:fillRect/>
+              </a:stretch>
+            </p:blipFill>
+            <p:spPr>
+              <a:xfrm>
+                <a:off x="1021783" y="623263"/>
+                <a:ext cx="3734280" cy="288000"/>
+              </a:xfrm>
+              <a:prstGeom prst="rect">
+                <a:avLst/>
+              </a:prstGeom>
+            </p:spPr>
+          </p:pic>
+        </mc:Fallback>
+      </mc:AlternateContent>
     </p:spTree>
     <p:extLst>
       <p:ext uri="{BB962C8B-B14F-4D97-AF65-F5344CB8AC3E}">
@@ -6988,7 +8504,102 @@
 </p:sld>
 </file>
 
-<file path=ppt/slides/slide26.xml><?xml version="1.0" encoding="utf-8"?>
+<file path=ppt/slides/slide3.xml><?xml version="1.0" encoding="utf-8"?>
+<p:sld xmlns:a="http://schemas.openxmlformats.org/drawingml/2006/main" xmlns:r="http://schemas.openxmlformats.org/officeDocument/2006/relationships" xmlns:p="http://schemas.openxmlformats.org/presentationml/2006/main">
+  <p:cSld>
+    <p:spTree>
+      <p:nvGrpSpPr>
+        <p:cNvPr id="1" name=""/>
+        <p:cNvGrpSpPr/>
+        <p:nvPr/>
+      </p:nvGrpSpPr>
+      <p:grpSpPr>
+        <a:xfrm>
+          <a:off x="0" y="0"/>
+          <a:ext cx="0" cy="0"/>
+          <a:chOff x="0" y="0"/>
+          <a:chExt cx="0" cy="0"/>
+        </a:xfrm>
+      </p:grpSpPr>
+      <p:sp>
+        <p:nvSpPr>
+          <p:cNvPr id="2" name="TextBox 1">
+            <a:extLst>
+              <a:ext uri="{FF2B5EF4-FFF2-40B4-BE49-F238E27FC236}">
+                <a16:creationId xmlns:a16="http://schemas.microsoft.com/office/drawing/2014/main" id="{6D5E47BA-144B-6E25-E282-8F211ABD5221}"/>
+              </a:ext>
+            </a:extLst>
+          </p:cNvPr>
+          <p:cNvSpPr txBox="1"/>
+          <p:nvPr/>
+        </p:nvSpPr>
+        <p:spPr>
+          <a:xfrm>
+            <a:off x="1139371" y="2610838"/>
+            <a:ext cx="9913258" cy="830997"/>
+          </a:xfrm>
+          <a:prstGeom prst="rect">
+            <a:avLst/>
+          </a:prstGeom>
+          <a:noFill/>
+        </p:spPr>
+        <p:txBody>
+          <a:bodyPr wrap="square" rtlCol="0">
+            <a:spAutoFit/>
+          </a:bodyPr>
+          <a:lstStyle/>
+          <a:p>
+            <a:pPr algn="ctr"/>
+            <a:r>
+              <a:rPr lang="en-US" altLang="ko-KR" sz="4800" b="1" dirty="0">
+                <a:solidFill>
+                  <a:schemeClr val="accent1"/>
+                </a:solidFill>
+                <a:latin typeface="+mn-ea"/>
+              </a:rPr>
+              <a:t>&lt; </a:t>
+            </a:r>
+            <a:r>
+              <a:rPr lang="ko-KR" altLang="en-US" sz="4800" b="1" dirty="0">
+                <a:solidFill>
+                  <a:schemeClr val="accent1"/>
+                </a:solidFill>
+                <a:latin typeface="+mn-ea"/>
+              </a:rPr>
+              <a:t>함수와 인수 </a:t>
+            </a:r>
+            <a:r>
+              <a:rPr lang="en-US" altLang="ko-KR" sz="4800" b="1" dirty="0">
+                <a:solidFill>
+                  <a:schemeClr val="accent1"/>
+                </a:solidFill>
+                <a:latin typeface="+mn-ea"/>
+              </a:rPr>
+              <a:t>&gt;</a:t>
+            </a:r>
+            <a:endParaRPr lang="ko-KR" altLang="en-US" sz="4800" b="1" dirty="0">
+              <a:solidFill>
+                <a:schemeClr val="accent1"/>
+              </a:solidFill>
+              <a:latin typeface="+mn-ea"/>
+            </a:endParaRPr>
+          </a:p>
+        </p:txBody>
+      </p:sp>
+    </p:spTree>
+    <p:extLst>
+      <p:ext uri="{BB962C8B-B14F-4D97-AF65-F5344CB8AC3E}">
+        <p14:creationId xmlns:p14="http://schemas.microsoft.com/office/powerpoint/2010/main" val="2450836371"/>
+      </p:ext>
+    </p:extLst>
+  </p:cSld>
+  <p:clrMapOvr>
+    <a:masterClrMapping/>
+  </p:clrMapOvr>
+</p:sld>
+</file>
+
+<file path=ppt/slides/slide30.xml><?xml version="1.0" encoding="utf-8"?>
 <p:sld xmlns:a="http://schemas.openxmlformats.org/drawingml/2006/main" xmlns:r="http://schemas.openxmlformats.org/officeDocument/2006/relationships" xmlns:p="http://schemas.openxmlformats.org/presentationml/2006/main">
   <p:cSld>
     <p:spTree>
@@ -7048,7 +8659,7 @@
 </p:sld>
 </file>
 
-<file path=ppt/slides/slide27.xml><?xml version="1.0" encoding="utf-8"?>
+<file path=ppt/slides/slide31.xml><?xml version="1.0" encoding="utf-8"?>
 <p:sld xmlns:a="http://schemas.openxmlformats.org/drawingml/2006/main" xmlns:r="http://schemas.openxmlformats.org/officeDocument/2006/relationships" xmlns:p="http://schemas.openxmlformats.org/presentationml/2006/main">
   <p:cSld>
     <p:spTree>
@@ -7095,8 +8706,8 @@
           </a:prstGeom>
         </p:spPr>
       </p:pic>
-      <mc:AlternateContent xmlns:mc="http://schemas.openxmlformats.org/markup-compatibility/2006">
-        <mc:Choice xmlns:p14="http://schemas.microsoft.com/office/powerpoint/2010/main" Requires="p14">
+      <mc:AlternateContent xmlns:mc="http://schemas.openxmlformats.org/markup-compatibility/2006" xmlns:p14="http://schemas.microsoft.com/office/powerpoint/2010/main">
+        <mc:Choice Requires="p14">
           <p:contentPart p14:bwMode="auto" r:id="rId3">
             <p14:nvContentPartPr>
               <p14:cNvPr id="6" name="잉크 5">
@@ -7115,7 +8726,7 @@
             </p14:xfrm>
           </p:contentPart>
         </mc:Choice>
-        <mc:Fallback>
+        <mc:Fallback xmlns="">
           <p:pic>
             <p:nvPicPr>
               <p:cNvPr id="6" name="잉크 5">
@@ -7146,8 +8757,8 @@
           </p:pic>
         </mc:Fallback>
       </mc:AlternateContent>
-      <mc:AlternateContent xmlns:mc="http://schemas.openxmlformats.org/markup-compatibility/2006">
-        <mc:Choice xmlns:p14="http://schemas.microsoft.com/office/powerpoint/2010/main" Requires="p14">
+      <mc:AlternateContent xmlns:mc="http://schemas.openxmlformats.org/markup-compatibility/2006" xmlns:p14="http://schemas.microsoft.com/office/powerpoint/2010/main">
+        <mc:Choice Requires="p14">
           <p:contentPart p14:bwMode="auto" r:id="rId5">
             <p14:nvContentPartPr>
               <p14:cNvPr id="13" name="잉크 12">
@@ -7166,7 +8777,7 @@
             </p14:xfrm>
           </p:contentPart>
         </mc:Choice>
-        <mc:Fallback>
+        <mc:Fallback xmlns="">
           <p:pic>
             <p:nvPicPr>
               <p:cNvPr id="13" name="잉크 12">
@@ -7197,8 +8808,8 @@
           </p:pic>
         </mc:Fallback>
       </mc:AlternateContent>
-      <mc:AlternateContent xmlns:mc="http://schemas.openxmlformats.org/markup-compatibility/2006">
-        <mc:Choice xmlns:p14="http://schemas.microsoft.com/office/powerpoint/2010/main" Requires="p14">
+      <mc:AlternateContent xmlns:mc="http://schemas.openxmlformats.org/markup-compatibility/2006" xmlns:p14="http://schemas.microsoft.com/office/powerpoint/2010/main">
+        <mc:Choice Requires="p14">
           <p:contentPart p14:bwMode="auto" r:id="rId7">
             <p14:nvContentPartPr>
               <p14:cNvPr id="15" name="잉크 14">
@@ -7217,7 +8828,7 @@
             </p14:xfrm>
           </p:contentPart>
         </mc:Choice>
-        <mc:Fallback>
+        <mc:Fallback xmlns="">
           <p:pic>
             <p:nvPicPr>
               <p:cNvPr id="15" name="잉크 14">
@@ -7248,8 +8859,8 @@
           </p:pic>
         </mc:Fallback>
       </mc:AlternateContent>
-      <mc:AlternateContent xmlns:mc="http://schemas.openxmlformats.org/markup-compatibility/2006">
-        <mc:Choice xmlns:p14="http://schemas.microsoft.com/office/powerpoint/2010/main" Requires="p14">
+      <mc:AlternateContent xmlns:mc="http://schemas.openxmlformats.org/markup-compatibility/2006" xmlns:p14="http://schemas.microsoft.com/office/powerpoint/2010/main">
+        <mc:Choice Requires="p14">
           <p:contentPart p14:bwMode="auto" r:id="rId9">
             <p14:nvContentPartPr>
               <p14:cNvPr id="16" name="잉크 15">
@@ -7268,7 +8879,7 @@
             </p14:xfrm>
           </p:contentPart>
         </mc:Choice>
-        <mc:Fallback>
+        <mc:Fallback xmlns="">
           <p:pic>
             <p:nvPicPr>
               <p:cNvPr id="16" name="잉크 15">
@@ -7299,8 +8910,8 @@
           </p:pic>
         </mc:Fallback>
       </mc:AlternateContent>
-      <mc:AlternateContent xmlns:mc="http://schemas.openxmlformats.org/markup-compatibility/2006">
-        <mc:Choice xmlns:p14="http://schemas.microsoft.com/office/powerpoint/2010/main" Requires="p14">
+      <mc:AlternateContent xmlns:mc="http://schemas.openxmlformats.org/markup-compatibility/2006" xmlns:p14="http://schemas.microsoft.com/office/powerpoint/2010/main">
+        <mc:Choice Requires="p14">
           <p:contentPart p14:bwMode="auto" r:id="rId11">
             <p14:nvContentPartPr>
               <p14:cNvPr id="17" name="잉크 16">
@@ -7319,7 +8930,7 @@
             </p14:xfrm>
           </p:contentPart>
         </mc:Choice>
-        <mc:Fallback>
+        <mc:Fallback xmlns="">
           <p:pic>
             <p:nvPicPr>
               <p:cNvPr id="17" name="잉크 16">
@@ -7350,8 +8961,8 @@
           </p:pic>
         </mc:Fallback>
       </mc:AlternateContent>
-      <mc:AlternateContent xmlns:mc="http://schemas.openxmlformats.org/markup-compatibility/2006">
-        <mc:Choice xmlns:p14="http://schemas.microsoft.com/office/powerpoint/2010/main" Requires="p14">
+      <mc:AlternateContent xmlns:mc="http://schemas.openxmlformats.org/markup-compatibility/2006" xmlns:p14="http://schemas.microsoft.com/office/powerpoint/2010/main">
+        <mc:Choice Requires="p14">
           <p:contentPart p14:bwMode="auto" r:id="rId13">
             <p14:nvContentPartPr>
               <p14:cNvPr id="18" name="잉크 17">
@@ -7370,7 +8981,7 @@
             </p14:xfrm>
           </p:contentPart>
         </mc:Choice>
-        <mc:Fallback>
+        <mc:Fallback xmlns="">
           <p:pic>
             <p:nvPicPr>
               <p:cNvPr id="18" name="잉크 17">
@@ -7401,8 +9012,8 @@
           </p:pic>
         </mc:Fallback>
       </mc:AlternateContent>
-      <mc:AlternateContent xmlns:mc="http://schemas.openxmlformats.org/markup-compatibility/2006">
-        <mc:Choice xmlns:p14="http://schemas.microsoft.com/office/powerpoint/2010/main" Requires="p14">
+      <mc:AlternateContent xmlns:mc="http://schemas.openxmlformats.org/markup-compatibility/2006" xmlns:p14="http://schemas.microsoft.com/office/powerpoint/2010/main">
+        <mc:Choice Requires="p14">
           <p:contentPart p14:bwMode="auto" r:id="rId15">
             <p14:nvContentPartPr>
               <p14:cNvPr id="23" name="잉크 22">
@@ -7421,7 +9032,7 @@
             </p14:xfrm>
           </p:contentPart>
         </mc:Choice>
-        <mc:Fallback>
+        <mc:Fallback xmlns="">
           <p:pic>
             <p:nvPicPr>
               <p:cNvPr id="23" name="잉크 22">
@@ -7452,8 +9063,8 @@
           </p:pic>
         </mc:Fallback>
       </mc:AlternateContent>
-      <mc:AlternateContent xmlns:mc="http://schemas.openxmlformats.org/markup-compatibility/2006">
-        <mc:Choice xmlns:p14="http://schemas.microsoft.com/office/powerpoint/2010/main" Requires="p14">
+      <mc:AlternateContent xmlns:mc="http://schemas.openxmlformats.org/markup-compatibility/2006" xmlns:p14="http://schemas.microsoft.com/office/powerpoint/2010/main">
+        <mc:Choice Requires="p14">
           <p:contentPart p14:bwMode="auto" r:id="rId17">
             <p14:nvContentPartPr>
               <p14:cNvPr id="25" name="잉크 24">
@@ -7472,7 +9083,7 @@
             </p14:xfrm>
           </p:contentPart>
         </mc:Choice>
-        <mc:Fallback>
+        <mc:Fallback xmlns="">
           <p:pic>
             <p:nvPicPr>
               <p:cNvPr id="25" name="잉크 24">
@@ -7503,8 +9114,8 @@
           </p:pic>
         </mc:Fallback>
       </mc:AlternateContent>
-      <mc:AlternateContent xmlns:mc="http://schemas.openxmlformats.org/markup-compatibility/2006">
-        <mc:Choice xmlns:p14="http://schemas.microsoft.com/office/powerpoint/2010/main" Requires="p14">
+      <mc:AlternateContent xmlns:mc="http://schemas.openxmlformats.org/markup-compatibility/2006" xmlns:p14="http://schemas.microsoft.com/office/powerpoint/2010/main">
+        <mc:Choice Requires="p14">
           <p:contentPart p14:bwMode="auto" r:id="rId19">
             <p14:nvContentPartPr>
               <p14:cNvPr id="26" name="잉크 25">
@@ -7523,7 +9134,7 @@
             </p14:xfrm>
           </p:contentPart>
         </mc:Choice>
-        <mc:Fallback>
+        <mc:Fallback xmlns="">
           <p:pic>
             <p:nvPicPr>
               <p:cNvPr id="26" name="잉크 25">
@@ -7554,8 +9165,8 @@
           </p:pic>
         </mc:Fallback>
       </mc:AlternateContent>
-      <mc:AlternateContent xmlns:mc="http://schemas.openxmlformats.org/markup-compatibility/2006">
-        <mc:Choice xmlns:p14="http://schemas.microsoft.com/office/powerpoint/2010/main" Requires="p14">
+      <mc:AlternateContent xmlns:mc="http://schemas.openxmlformats.org/markup-compatibility/2006" xmlns:p14="http://schemas.microsoft.com/office/powerpoint/2010/main">
+        <mc:Choice Requires="p14">
           <p:contentPart p14:bwMode="auto" r:id="rId21">
             <p14:nvContentPartPr>
               <p14:cNvPr id="30" name="잉크 29">
@@ -7574,7 +9185,7 @@
             </p14:xfrm>
           </p:contentPart>
         </mc:Choice>
-        <mc:Fallback>
+        <mc:Fallback xmlns="">
           <p:pic>
             <p:nvPicPr>
               <p:cNvPr id="30" name="잉크 29">
@@ -7605,8 +9216,8 @@
           </p:pic>
         </mc:Fallback>
       </mc:AlternateContent>
-      <mc:AlternateContent xmlns:mc="http://schemas.openxmlformats.org/markup-compatibility/2006">
-        <mc:Choice xmlns:p14="http://schemas.microsoft.com/office/powerpoint/2010/main" Requires="p14">
+      <mc:AlternateContent xmlns:mc="http://schemas.openxmlformats.org/markup-compatibility/2006" xmlns:p14="http://schemas.microsoft.com/office/powerpoint/2010/main">
+        <mc:Choice Requires="p14">
           <p:contentPart p14:bwMode="auto" r:id="rId23">
             <p14:nvContentPartPr>
               <p14:cNvPr id="31" name="잉크 30">
@@ -7625,7 +9236,7 @@
             </p14:xfrm>
           </p:contentPart>
         </mc:Choice>
-        <mc:Fallback>
+        <mc:Fallback xmlns="">
           <p:pic>
             <p:nvPicPr>
               <p:cNvPr id="31" name="잉크 30">
@@ -7738,7 +9349,7 @@
 </p:sld>
 </file>
 
-<file path=ppt/slides/slide28.xml><?xml version="1.0" encoding="utf-8"?>
+<file path=ppt/slides/slide32.xml><?xml version="1.0" encoding="utf-8"?>
 <p:sld xmlns:a="http://schemas.openxmlformats.org/drawingml/2006/main" xmlns:r="http://schemas.openxmlformats.org/officeDocument/2006/relationships" xmlns:p="http://schemas.openxmlformats.org/presentationml/2006/main">
   <p:cSld>
     <p:spTree>
@@ -7785,6 +9396,261 @@
           </a:prstGeom>
         </p:spPr>
       </p:pic>
+      <mc:AlternateContent xmlns:mc="http://schemas.openxmlformats.org/markup-compatibility/2006">
+        <mc:Choice xmlns:p14="http://schemas.microsoft.com/office/powerpoint/2010/main" Requires="p14">
+          <p:contentPart p14:bwMode="auto" r:id="rId3">
+            <p14:nvContentPartPr>
+              <p14:cNvPr id="2" name="잉크 1">
+                <a:extLst>
+                  <a:ext uri="{FF2B5EF4-FFF2-40B4-BE49-F238E27FC236}">
+                    <a16:creationId xmlns:a16="http://schemas.microsoft.com/office/drawing/2014/main" id="{D14DB33E-632E-8053-3A8F-16F61EAAEDF0}"/>
+                  </a:ext>
+                </a:extLst>
+              </p14:cNvPr>
+              <p14:cNvContentPartPr/>
+              <p14:nvPr/>
+            </p14:nvContentPartPr>
+            <p14:xfrm>
+              <a:off x="832423" y="701743"/>
+              <a:ext cx="1434960" cy="360"/>
+            </p14:xfrm>
+          </p:contentPart>
+        </mc:Choice>
+        <mc:Fallback>
+          <p:pic>
+            <p:nvPicPr>
+              <p:cNvPr id="2" name="잉크 1">
+                <a:extLst>
+                  <a:ext uri="{FF2B5EF4-FFF2-40B4-BE49-F238E27FC236}">
+                    <a16:creationId xmlns:a16="http://schemas.microsoft.com/office/drawing/2014/main" id="{D14DB33E-632E-8053-3A8F-16F61EAAEDF0}"/>
+                  </a:ext>
+                </a:extLst>
+              </p:cNvPr>
+              <p:cNvPicPr/>
+              <p:nvPr/>
+            </p:nvPicPr>
+            <p:blipFill>
+              <a:blip r:embed="rId4"/>
+              <a:stretch>
+                <a:fillRect/>
+              </a:stretch>
+            </p:blipFill>
+            <p:spPr>
+              <a:xfrm>
+                <a:off x="760783" y="558103"/>
+                <a:ext cx="1578600" cy="288000"/>
+              </a:xfrm>
+              <a:prstGeom prst="rect">
+                <a:avLst/>
+              </a:prstGeom>
+            </p:spPr>
+          </p:pic>
+        </mc:Fallback>
+      </mc:AlternateContent>
+      <mc:AlternateContent xmlns:mc="http://schemas.openxmlformats.org/markup-compatibility/2006">
+        <mc:Choice xmlns:p14="http://schemas.microsoft.com/office/powerpoint/2010/main" Requires="p14">
+          <p:contentPart p14:bwMode="auto" r:id="rId5">
+            <p14:nvContentPartPr>
+              <p14:cNvPr id="4" name="잉크 3">
+                <a:extLst>
+                  <a:ext uri="{FF2B5EF4-FFF2-40B4-BE49-F238E27FC236}">
+                    <a16:creationId xmlns:a16="http://schemas.microsoft.com/office/drawing/2014/main" id="{4C45A925-89AC-3ED4-F356-9B87FD8C71F2}"/>
+                  </a:ext>
+                </a:extLst>
+              </p14:cNvPr>
+              <p14:cNvContentPartPr/>
+              <p14:nvPr/>
+            </p14:nvContentPartPr>
+            <p14:xfrm>
+              <a:off x="3101863" y="2351263"/>
+              <a:ext cx="2970360" cy="360"/>
+            </p14:xfrm>
+          </p:contentPart>
+        </mc:Choice>
+        <mc:Fallback>
+          <p:pic>
+            <p:nvPicPr>
+              <p:cNvPr id="4" name="잉크 3">
+                <a:extLst>
+                  <a:ext uri="{FF2B5EF4-FFF2-40B4-BE49-F238E27FC236}">
+                    <a16:creationId xmlns:a16="http://schemas.microsoft.com/office/drawing/2014/main" id="{4C45A925-89AC-3ED4-F356-9B87FD8C71F2}"/>
+                  </a:ext>
+                </a:extLst>
+              </p:cNvPr>
+              <p:cNvPicPr/>
+              <p:nvPr/>
+            </p:nvPicPr>
+            <p:blipFill>
+              <a:blip r:embed="rId6"/>
+              <a:stretch>
+                <a:fillRect/>
+              </a:stretch>
+            </p:blipFill>
+            <p:spPr>
+              <a:xfrm>
+                <a:off x="3029863" y="2207263"/>
+                <a:ext cx="3114000" cy="288000"/>
+              </a:xfrm>
+              <a:prstGeom prst="rect">
+                <a:avLst/>
+              </a:prstGeom>
+            </p:spPr>
+          </p:pic>
+        </mc:Fallback>
+      </mc:AlternateContent>
+      <mc:AlternateContent xmlns:mc="http://schemas.openxmlformats.org/markup-compatibility/2006">
+        <mc:Choice xmlns:p14="http://schemas.microsoft.com/office/powerpoint/2010/main" Requires="p14">
+          <p:contentPart p14:bwMode="auto" r:id="rId7">
+            <p14:nvContentPartPr>
+              <p14:cNvPr id="5" name="잉크 4">
+                <a:extLst>
+                  <a:ext uri="{FF2B5EF4-FFF2-40B4-BE49-F238E27FC236}">
+                    <a16:creationId xmlns:a16="http://schemas.microsoft.com/office/drawing/2014/main" id="{E4E3362E-46D4-1A74-C7E2-4A8899944235}"/>
+                  </a:ext>
+                </a:extLst>
+              </p14:cNvPr>
+              <p14:cNvContentPartPr/>
+              <p14:nvPr/>
+            </p14:nvContentPartPr>
+            <p14:xfrm>
+              <a:off x="6122623" y="2351263"/>
+              <a:ext cx="360" cy="360"/>
+            </p14:xfrm>
+          </p:contentPart>
+        </mc:Choice>
+        <mc:Fallback>
+          <p:pic>
+            <p:nvPicPr>
+              <p:cNvPr id="5" name="잉크 4">
+                <a:extLst>
+                  <a:ext uri="{FF2B5EF4-FFF2-40B4-BE49-F238E27FC236}">
+                    <a16:creationId xmlns:a16="http://schemas.microsoft.com/office/drawing/2014/main" id="{E4E3362E-46D4-1A74-C7E2-4A8899944235}"/>
+                  </a:ext>
+                </a:extLst>
+              </p:cNvPr>
+              <p:cNvPicPr/>
+              <p:nvPr/>
+            </p:nvPicPr>
+            <p:blipFill>
+              <a:blip r:embed="rId8"/>
+              <a:stretch>
+                <a:fillRect/>
+              </a:stretch>
+            </p:blipFill>
+            <p:spPr>
+              <a:xfrm>
+                <a:off x="6050983" y="2207263"/>
+                <a:ext cx="144000" cy="288000"/>
+              </a:xfrm>
+              <a:prstGeom prst="rect">
+                <a:avLst/>
+              </a:prstGeom>
+            </p:spPr>
+          </p:pic>
+        </mc:Fallback>
+      </mc:AlternateContent>
+      <mc:AlternateContent xmlns:mc="http://schemas.openxmlformats.org/markup-compatibility/2006">
+        <mc:Choice xmlns:p14="http://schemas.microsoft.com/office/powerpoint/2010/main" Requires="p14">
+          <p:contentPart p14:bwMode="auto" r:id="rId9">
+            <p14:nvContentPartPr>
+              <p14:cNvPr id="6" name="잉크 5">
+                <a:extLst>
+                  <a:ext uri="{FF2B5EF4-FFF2-40B4-BE49-F238E27FC236}">
+                    <a16:creationId xmlns:a16="http://schemas.microsoft.com/office/drawing/2014/main" id="{3C8910B6-95FF-36D3-9F7F-06F654511AF1}"/>
+                  </a:ext>
+                </a:extLst>
+              </p14:cNvPr>
+              <p14:cNvContentPartPr/>
+              <p14:nvPr/>
+            </p14:nvContentPartPr>
+            <p14:xfrm>
+              <a:off x="3036343" y="2351263"/>
+              <a:ext cx="360" cy="360"/>
+            </p14:xfrm>
+          </p:contentPart>
+        </mc:Choice>
+        <mc:Fallback>
+          <p:pic>
+            <p:nvPicPr>
+              <p:cNvPr id="6" name="잉크 5">
+                <a:extLst>
+                  <a:ext uri="{FF2B5EF4-FFF2-40B4-BE49-F238E27FC236}">
+                    <a16:creationId xmlns:a16="http://schemas.microsoft.com/office/drawing/2014/main" id="{3C8910B6-95FF-36D3-9F7F-06F654511AF1}"/>
+                  </a:ext>
+                </a:extLst>
+              </p:cNvPr>
+              <p:cNvPicPr/>
+              <p:nvPr/>
+            </p:nvPicPr>
+            <p:blipFill>
+              <a:blip r:embed="rId8"/>
+              <a:stretch>
+                <a:fillRect/>
+              </a:stretch>
+            </p:blipFill>
+            <p:spPr>
+              <a:xfrm>
+                <a:off x="2964703" y="2207263"/>
+                <a:ext cx="144000" cy="288000"/>
+              </a:xfrm>
+              <a:prstGeom prst="rect">
+                <a:avLst/>
+              </a:prstGeom>
+            </p:spPr>
+          </p:pic>
+        </mc:Fallback>
+      </mc:AlternateContent>
+      <mc:AlternateContent xmlns:mc="http://schemas.openxmlformats.org/markup-compatibility/2006">
+        <mc:Choice xmlns:p14="http://schemas.microsoft.com/office/powerpoint/2010/main" Requires="p14">
+          <p:contentPart p14:bwMode="auto" r:id="rId10">
+            <p14:nvContentPartPr>
+              <p14:cNvPr id="7" name="잉크 6">
+                <a:extLst>
+                  <a:ext uri="{FF2B5EF4-FFF2-40B4-BE49-F238E27FC236}">
+                    <a16:creationId xmlns:a16="http://schemas.microsoft.com/office/drawing/2014/main" id="{937C3751-20B5-8716-ACF8-779F0F8A6192}"/>
+                  </a:ext>
+                </a:extLst>
+              </p14:cNvPr>
+              <p14:cNvContentPartPr/>
+              <p14:nvPr/>
+            </p14:nvContentPartPr>
+            <p14:xfrm>
+              <a:off x="4881703" y="3820783"/>
+              <a:ext cx="6794640" cy="360"/>
+            </p14:xfrm>
+          </p:contentPart>
+        </mc:Choice>
+        <mc:Fallback>
+          <p:pic>
+            <p:nvPicPr>
+              <p:cNvPr id="7" name="잉크 6">
+                <a:extLst>
+                  <a:ext uri="{FF2B5EF4-FFF2-40B4-BE49-F238E27FC236}">
+                    <a16:creationId xmlns:a16="http://schemas.microsoft.com/office/drawing/2014/main" id="{937C3751-20B5-8716-ACF8-779F0F8A6192}"/>
+                  </a:ext>
+                </a:extLst>
+              </p:cNvPr>
+              <p:cNvPicPr/>
+              <p:nvPr/>
+            </p:nvPicPr>
+            <p:blipFill>
+              <a:blip r:embed="rId11"/>
+              <a:stretch>
+                <a:fillRect/>
+              </a:stretch>
+            </p:blipFill>
+            <p:spPr>
+              <a:xfrm>
+                <a:off x="4809703" y="3676783"/>
+                <a:ext cx="6938280" cy="288000"/>
+              </a:xfrm>
+              <a:prstGeom prst="rect">
+                <a:avLst/>
+              </a:prstGeom>
+            </p:spPr>
+          </p:pic>
+        </mc:Fallback>
+      </mc:AlternateContent>
     </p:spTree>
     <p:extLst>
       <p:ext uri="{BB962C8B-B14F-4D97-AF65-F5344CB8AC3E}">
@@ -7798,7 +9664,7 @@
 </p:sld>
 </file>
 
-<file path=ppt/slides/slide29.xml><?xml version="1.0" encoding="utf-8"?>
+<file path=ppt/slides/slide33.xml><?xml version="1.0" encoding="utf-8"?>
 <p:sld xmlns:a="http://schemas.openxmlformats.org/drawingml/2006/main" xmlns:r="http://schemas.openxmlformats.org/officeDocument/2006/relationships" xmlns:p="http://schemas.openxmlformats.org/presentationml/2006/main">
   <p:cSld>
     <p:spTree>
@@ -7888,7 +9754,354 @@
 </p:sld>
 </file>
 
-<file path=ppt/slides/slide3.xml><?xml version="1.0" encoding="utf-8"?>
+<file path=ppt/slides/slide34.xml><?xml version="1.0" encoding="utf-8"?>
+<p:sld xmlns:a="http://schemas.openxmlformats.org/drawingml/2006/main" xmlns:r="http://schemas.openxmlformats.org/officeDocument/2006/relationships" xmlns:p="http://schemas.openxmlformats.org/presentationml/2006/main">
+  <p:cSld>
+    <p:spTree>
+      <p:nvGrpSpPr>
+        <p:cNvPr id="1" name=""/>
+        <p:cNvGrpSpPr/>
+        <p:nvPr/>
+      </p:nvGrpSpPr>
+      <p:grpSpPr>
+        <a:xfrm>
+          <a:off x="0" y="0"/>
+          <a:ext cx="0" cy="0"/>
+          <a:chOff x="0" y="0"/>
+          <a:chExt cx="0" cy="0"/>
+        </a:xfrm>
+      </p:grpSpPr>
+      <p:sp>
+        <p:nvSpPr>
+          <p:cNvPr id="2" name="TextBox 1">
+            <a:extLst>
+              <a:ext uri="{FF2B5EF4-FFF2-40B4-BE49-F238E27FC236}">
+                <a16:creationId xmlns:a16="http://schemas.microsoft.com/office/drawing/2014/main" id="{6D5E47BA-144B-6E25-E282-8F211ABD5221}"/>
+              </a:ext>
+            </a:extLst>
+          </p:cNvPr>
+          <p:cNvSpPr txBox="1"/>
+          <p:nvPr/>
+        </p:nvSpPr>
+        <p:spPr>
+          <a:xfrm>
+            <a:off x="1139371" y="2610838"/>
+            <a:ext cx="9913258" cy="830997"/>
+          </a:xfrm>
+          <a:prstGeom prst="rect">
+            <a:avLst/>
+          </a:prstGeom>
+          <a:noFill/>
+        </p:spPr>
+        <p:txBody>
+          <a:bodyPr wrap="square" rtlCol="0">
+            <a:spAutoFit/>
+          </a:bodyPr>
+          <a:lstStyle/>
+          <a:p>
+            <a:pPr algn="ctr"/>
+            <a:r>
+              <a:rPr lang="en-US" altLang="ko-KR" sz="4800" b="1" dirty="0">
+                <a:solidFill>
+                  <a:schemeClr val="accent1"/>
+                </a:solidFill>
+                <a:latin typeface="+mn-ea"/>
+              </a:rPr>
+              <a:t>&lt; </a:t>
+            </a:r>
+            <a:r>
+              <a:rPr lang="ko-KR" altLang="en-US" sz="4800" b="1" dirty="0">
+                <a:solidFill>
+                  <a:schemeClr val="accent1"/>
+                </a:solidFill>
+                <a:latin typeface="+mn-ea"/>
+              </a:rPr>
+              <a:t>정리하기 </a:t>
+            </a:r>
+            <a:r>
+              <a:rPr lang="en-US" altLang="ko-KR" sz="4800" b="1" dirty="0">
+                <a:solidFill>
+                  <a:schemeClr val="accent1"/>
+                </a:solidFill>
+                <a:latin typeface="+mn-ea"/>
+              </a:rPr>
+              <a:t>&gt;</a:t>
+            </a:r>
+            <a:endParaRPr lang="ko-KR" altLang="en-US" sz="4800" b="1" dirty="0">
+              <a:solidFill>
+                <a:schemeClr val="accent1"/>
+              </a:solidFill>
+              <a:latin typeface="+mn-ea"/>
+            </a:endParaRPr>
+          </a:p>
+        </p:txBody>
+      </p:sp>
+    </p:spTree>
+    <p:extLst>
+      <p:ext uri="{BB962C8B-B14F-4D97-AF65-F5344CB8AC3E}">
+        <p14:creationId xmlns:p14="http://schemas.microsoft.com/office/powerpoint/2010/main" val="3896227482"/>
+      </p:ext>
+    </p:extLst>
+  </p:cSld>
+  <p:clrMapOvr>
+    <a:masterClrMapping/>
+  </p:clrMapOvr>
+</p:sld>
+</file>
+
+<file path=ppt/slides/slide35.xml><?xml version="1.0" encoding="utf-8"?>
+<p:sld xmlns:a="http://schemas.openxmlformats.org/drawingml/2006/main" xmlns:r="http://schemas.openxmlformats.org/officeDocument/2006/relationships" xmlns:p="http://schemas.openxmlformats.org/presentationml/2006/main">
+  <p:cSld>
+    <p:spTree>
+      <p:nvGrpSpPr>
+        <p:cNvPr id="1" name=""/>
+        <p:cNvGrpSpPr/>
+        <p:nvPr/>
+      </p:nvGrpSpPr>
+      <p:grpSpPr>
+        <a:xfrm>
+          <a:off x="0" y="0"/>
+          <a:ext cx="0" cy="0"/>
+          <a:chOff x="0" y="0"/>
+          <a:chExt cx="0" cy="0"/>
+        </a:xfrm>
+      </p:grpSpPr>
+      <p:pic>
+        <p:nvPicPr>
+          <p:cNvPr id="3" name="그림 2">
+            <a:extLst>
+              <a:ext uri="{FF2B5EF4-FFF2-40B4-BE49-F238E27FC236}">
+                <a16:creationId xmlns:a16="http://schemas.microsoft.com/office/drawing/2014/main" id="{B23277B4-8E7B-C919-19E2-FEB92D395622}"/>
+              </a:ext>
+            </a:extLst>
+          </p:cNvPr>
+          <p:cNvPicPr>
+            <a:picLocks noChangeAspect="1"/>
+          </p:cNvPicPr>
+          <p:nvPr/>
+        </p:nvPicPr>
+        <p:blipFill>
+          <a:blip r:embed="rId2"/>
+          <a:stretch>
+            <a:fillRect/>
+          </a:stretch>
+        </p:blipFill>
+        <p:spPr>
+          <a:xfrm>
+            <a:off x="390207" y="367830"/>
+            <a:ext cx="8002679" cy="6110832"/>
+          </a:xfrm>
+          <a:prstGeom prst="rect">
+            <a:avLst/>
+          </a:prstGeom>
+        </p:spPr>
+      </p:pic>
+    </p:spTree>
+    <p:extLst>
+      <p:ext uri="{BB962C8B-B14F-4D97-AF65-F5344CB8AC3E}">
+        <p14:creationId xmlns:p14="http://schemas.microsoft.com/office/powerpoint/2010/main" val="2343784991"/>
+      </p:ext>
+    </p:extLst>
+  </p:cSld>
+  <p:clrMapOvr>
+    <a:masterClrMapping/>
+  </p:clrMapOvr>
+</p:sld>
+</file>
+
+<file path=ppt/slides/slide4.xml><?xml version="1.0" encoding="utf-8"?>
+<p:sld xmlns:a="http://schemas.openxmlformats.org/drawingml/2006/main" xmlns:r="http://schemas.openxmlformats.org/officeDocument/2006/relationships" xmlns:p="http://schemas.openxmlformats.org/presentationml/2006/main">
+  <p:cSld>
+    <p:spTree>
+      <p:nvGrpSpPr>
+        <p:cNvPr id="1" name=""/>
+        <p:cNvGrpSpPr/>
+        <p:nvPr/>
+      </p:nvGrpSpPr>
+      <p:grpSpPr>
+        <a:xfrm>
+          <a:off x="0" y="0"/>
+          <a:ext cx="0" cy="0"/>
+          <a:chOff x="0" y="0"/>
+          <a:chExt cx="0" cy="0"/>
+        </a:xfrm>
+      </p:grpSpPr>
+      <p:pic>
+        <p:nvPicPr>
+          <p:cNvPr id="3" name="그림 2">
+            <a:extLst>
+              <a:ext uri="{FF2B5EF4-FFF2-40B4-BE49-F238E27FC236}">
+                <a16:creationId xmlns:a16="http://schemas.microsoft.com/office/drawing/2014/main" id="{58279AE5-E0B3-8C09-15E8-C3EFA4DC96F6}"/>
+              </a:ext>
+            </a:extLst>
+          </p:cNvPr>
+          <p:cNvPicPr>
+            <a:picLocks noChangeAspect="1"/>
+          </p:cNvPicPr>
+          <p:nvPr/>
+        </p:nvPicPr>
+        <p:blipFill>
+          <a:blip r:embed="rId2"/>
+          <a:stretch>
+            <a:fillRect/>
+          </a:stretch>
+        </p:blipFill>
+        <p:spPr>
+          <a:xfrm>
+            <a:off x="506268" y="546064"/>
+            <a:ext cx="11380932" cy="2727661"/>
+          </a:xfrm>
+          <a:prstGeom prst="rect">
+            <a:avLst/>
+          </a:prstGeom>
+        </p:spPr>
+      </p:pic>
+      <p:pic>
+        <p:nvPicPr>
+          <p:cNvPr id="5" name="그림 4">
+            <a:extLst>
+              <a:ext uri="{FF2B5EF4-FFF2-40B4-BE49-F238E27FC236}">
+                <a16:creationId xmlns:a16="http://schemas.microsoft.com/office/drawing/2014/main" id="{8536994B-0816-F819-F5C4-3C14BF445BC2}"/>
+              </a:ext>
+            </a:extLst>
+          </p:cNvPr>
+          <p:cNvPicPr>
+            <a:picLocks noChangeAspect="1"/>
+          </p:cNvPicPr>
+          <p:nvPr/>
+        </p:nvPicPr>
+        <p:blipFill>
+          <a:blip r:embed="rId3"/>
+          <a:stretch>
+            <a:fillRect/>
+          </a:stretch>
+        </p:blipFill>
+        <p:spPr>
+          <a:xfrm>
+            <a:off x="506268" y="3735240"/>
+            <a:ext cx="7757838" cy="1936232"/>
+          </a:xfrm>
+          <a:prstGeom prst="rect">
+            <a:avLst/>
+          </a:prstGeom>
+        </p:spPr>
+      </p:pic>
+      <mc:AlternateContent xmlns:mc="http://schemas.openxmlformats.org/markup-compatibility/2006">
+        <mc:Choice xmlns:p14="http://schemas.microsoft.com/office/powerpoint/2010/main" Requires="p14">
+          <p:contentPart p14:bwMode="auto" r:id="rId4">
+            <p14:nvContentPartPr>
+              <p14:cNvPr id="2" name="잉크 1">
+                <a:extLst>
+                  <a:ext uri="{FF2B5EF4-FFF2-40B4-BE49-F238E27FC236}">
+                    <a16:creationId xmlns:a16="http://schemas.microsoft.com/office/drawing/2014/main" id="{07B6B962-8870-24C1-8D25-1CD0CAAF687A}"/>
+                  </a:ext>
+                </a:extLst>
+              </p14:cNvPr>
+              <p14:cNvContentPartPr/>
+              <p14:nvPr/>
+            </p14:nvContentPartPr>
+            <p14:xfrm>
+              <a:off x="864463" y="1077583"/>
+              <a:ext cx="456480" cy="360"/>
+            </p14:xfrm>
+          </p:contentPart>
+        </mc:Choice>
+        <mc:Fallback>
+          <p:pic>
+            <p:nvPicPr>
+              <p:cNvPr id="2" name="잉크 1">
+                <a:extLst>
+                  <a:ext uri="{FF2B5EF4-FFF2-40B4-BE49-F238E27FC236}">
+                    <a16:creationId xmlns:a16="http://schemas.microsoft.com/office/drawing/2014/main" id="{07B6B962-8870-24C1-8D25-1CD0CAAF687A}"/>
+                  </a:ext>
+                </a:extLst>
+              </p:cNvPr>
+              <p:cNvPicPr/>
+              <p:nvPr/>
+            </p:nvPicPr>
+            <p:blipFill>
+              <a:blip r:embed="rId5"/>
+              <a:stretch>
+                <a:fillRect/>
+              </a:stretch>
+            </p:blipFill>
+            <p:spPr>
+              <a:xfrm>
+                <a:off x="792823" y="933583"/>
+                <a:ext cx="600120" cy="288000"/>
+              </a:xfrm>
+              <a:prstGeom prst="rect">
+                <a:avLst/>
+              </a:prstGeom>
+            </p:spPr>
+          </p:pic>
+        </mc:Fallback>
+      </mc:AlternateContent>
+      <mc:AlternateContent xmlns:mc="http://schemas.openxmlformats.org/markup-compatibility/2006">
+        <mc:Choice xmlns:p14="http://schemas.microsoft.com/office/powerpoint/2010/main" Requires="p14">
+          <p:contentPart p14:bwMode="auto" r:id="rId6">
+            <p14:nvContentPartPr>
+              <p14:cNvPr id="4" name="잉크 3">
+                <a:extLst>
+                  <a:ext uri="{FF2B5EF4-FFF2-40B4-BE49-F238E27FC236}">
+                    <a16:creationId xmlns:a16="http://schemas.microsoft.com/office/drawing/2014/main" id="{479AE5DB-A80F-8A08-488B-857A6BC9BF74}"/>
+                  </a:ext>
+                </a:extLst>
+              </p14:cNvPr>
+              <p14:cNvContentPartPr/>
+              <p14:nvPr/>
+            </p14:nvContentPartPr>
+            <p14:xfrm>
+              <a:off x="832423" y="2742943"/>
+              <a:ext cx="2758320" cy="360"/>
+            </p14:xfrm>
+          </p:contentPart>
+        </mc:Choice>
+        <mc:Fallback>
+          <p:pic>
+            <p:nvPicPr>
+              <p:cNvPr id="4" name="잉크 3">
+                <a:extLst>
+                  <a:ext uri="{FF2B5EF4-FFF2-40B4-BE49-F238E27FC236}">
+                    <a16:creationId xmlns:a16="http://schemas.microsoft.com/office/drawing/2014/main" id="{479AE5DB-A80F-8A08-488B-857A6BC9BF74}"/>
+                  </a:ext>
+                </a:extLst>
+              </p:cNvPr>
+              <p:cNvPicPr/>
+              <p:nvPr/>
+            </p:nvPicPr>
+            <p:blipFill>
+              <a:blip r:embed="rId7"/>
+              <a:stretch>
+                <a:fillRect/>
+              </a:stretch>
+            </p:blipFill>
+            <p:spPr>
+              <a:xfrm>
+                <a:off x="760783" y="2599303"/>
+                <a:ext cx="2901960" cy="288000"/>
+              </a:xfrm>
+              <a:prstGeom prst="rect">
+                <a:avLst/>
+              </a:prstGeom>
+            </p:spPr>
+          </p:pic>
+        </mc:Fallback>
+      </mc:AlternateContent>
+    </p:spTree>
+    <p:extLst>
+      <p:ext uri="{BB962C8B-B14F-4D97-AF65-F5344CB8AC3E}">
+        <p14:creationId xmlns:p14="http://schemas.microsoft.com/office/powerpoint/2010/main" val="1319061622"/>
+      </p:ext>
+    </p:extLst>
+  </p:cSld>
+  <p:clrMapOvr>
+    <a:masterClrMapping/>
+  </p:clrMapOvr>
+</p:sld>
+</file>
+
+<file path=ppt/slides/slide5.xml><?xml version="1.0" encoding="utf-8"?>
 <p:sld xmlns:a="http://schemas.openxmlformats.org/drawingml/2006/main" xmlns:r="http://schemas.openxmlformats.org/officeDocument/2006/relationships" xmlns:p="http://schemas.openxmlformats.org/presentationml/2006/main">
   <p:cSld>
     <p:spTree>
@@ -7978,7 +10191,7 @@
 </p:sld>
 </file>
 
-<file path=ppt/slides/slide4.xml><?xml version="1.0" encoding="utf-8"?>
+<file path=ppt/slides/slide6.xml><?xml version="1.0" encoding="utf-8"?>
 <p:sld xmlns:a="http://schemas.openxmlformats.org/drawingml/2006/main" xmlns:r="http://schemas.openxmlformats.org/officeDocument/2006/relationships" xmlns:p="http://schemas.openxmlformats.org/presentationml/2006/main">
   <p:cSld>
     <p:spTree>
@@ -8068,7 +10281,7 @@
 </p:sld>
 </file>
 
-<file path=ppt/slides/slide5.xml><?xml version="1.0" encoding="utf-8"?>
+<file path=ppt/slides/slide7.xml><?xml version="1.0" encoding="utf-8"?>
 <p:sld xmlns:a="http://schemas.openxmlformats.org/drawingml/2006/main" xmlns:r="http://schemas.openxmlformats.org/officeDocument/2006/relationships" xmlns:p="http://schemas.openxmlformats.org/presentationml/2006/main">
   <p:cSld>
     <p:spTree>
@@ -8158,7 +10371,7 @@
 </p:sld>
 </file>
 
-<file path=ppt/slides/slide6.xml><?xml version="1.0" encoding="utf-8"?>
+<file path=ppt/slides/slide8.xml><?xml version="1.0" encoding="utf-8"?>
 <p:sld xmlns:a="http://schemas.openxmlformats.org/drawingml/2006/main" xmlns:r="http://schemas.openxmlformats.org/officeDocument/2006/relationships" xmlns:p="http://schemas.openxmlformats.org/presentationml/2006/main">
   <p:cSld>
     <p:spTree>
@@ -8248,7 +10461,7 @@
 </p:sld>
 </file>
 
-<file path=ppt/slides/slide7.xml><?xml version="1.0" encoding="utf-8"?>
+<file path=ppt/slides/slide9.xml><?xml version="1.0" encoding="utf-8"?>
 <p:sld xmlns:a="http://schemas.openxmlformats.org/drawingml/2006/main" xmlns:r="http://schemas.openxmlformats.org/officeDocument/2006/relationships" xmlns:p="http://schemas.openxmlformats.org/presentationml/2006/main">
   <p:cSld>
     <p:spTree>
@@ -8329,216 +10542,6 @@
     <p:extLst>
       <p:ext uri="{BB962C8B-B14F-4D97-AF65-F5344CB8AC3E}">
         <p14:creationId xmlns:p14="http://schemas.microsoft.com/office/powerpoint/2010/main" val="2176358061"/>
-      </p:ext>
-    </p:extLst>
-  </p:cSld>
-  <p:clrMapOvr>
-    <a:masterClrMapping/>
-  </p:clrMapOvr>
-</p:sld>
-</file>
-
-<file path=ppt/slides/slide8.xml><?xml version="1.0" encoding="utf-8"?>
-<p:sld xmlns:a="http://schemas.openxmlformats.org/drawingml/2006/main" xmlns:r="http://schemas.openxmlformats.org/officeDocument/2006/relationships" xmlns:p="http://schemas.openxmlformats.org/presentationml/2006/main">
-  <p:cSld>
-    <p:spTree>
-      <p:nvGrpSpPr>
-        <p:cNvPr id="1" name=""/>
-        <p:cNvGrpSpPr/>
-        <p:nvPr/>
-      </p:nvGrpSpPr>
-      <p:grpSpPr>
-        <a:xfrm>
-          <a:off x="0" y="0"/>
-          <a:ext cx="0" cy="0"/>
-          <a:chOff x="0" y="0"/>
-          <a:chExt cx="0" cy="0"/>
-        </a:xfrm>
-      </p:grpSpPr>
-      <p:pic>
-        <p:nvPicPr>
-          <p:cNvPr id="3" name="그림 2">
-            <a:extLst>
-              <a:ext uri="{FF2B5EF4-FFF2-40B4-BE49-F238E27FC236}">
-                <a16:creationId xmlns:a16="http://schemas.microsoft.com/office/drawing/2014/main" id="{E6C19D7E-B026-1096-3141-7E83ACBE4A93}"/>
-              </a:ext>
-            </a:extLst>
-          </p:cNvPr>
-          <p:cNvPicPr>
-            <a:picLocks noChangeAspect="1"/>
-          </p:cNvPicPr>
-          <p:nvPr/>
-        </p:nvPicPr>
-        <p:blipFill>
-          <a:blip r:embed="rId2"/>
-          <a:stretch>
-            <a:fillRect/>
-          </a:stretch>
-        </p:blipFill>
-        <p:spPr>
-          <a:xfrm>
-            <a:off x="365114" y="382648"/>
-            <a:ext cx="9020426" cy="1025310"/>
-          </a:xfrm>
-          <a:prstGeom prst="rect">
-            <a:avLst/>
-          </a:prstGeom>
-        </p:spPr>
-      </p:pic>
-      <p:pic>
-        <p:nvPicPr>
-          <p:cNvPr id="5" name="그림 4">
-            <a:extLst>
-              <a:ext uri="{FF2B5EF4-FFF2-40B4-BE49-F238E27FC236}">
-                <a16:creationId xmlns:a16="http://schemas.microsoft.com/office/drawing/2014/main" id="{84E2A548-122F-4891-16B3-B4C22DEA7DF6}"/>
-              </a:ext>
-            </a:extLst>
-          </p:cNvPr>
-          <p:cNvPicPr>
-            <a:picLocks noChangeAspect="1"/>
-          </p:cNvPicPr>
-          <p:nvPr/>
-        </p:nvPicPr>
-        <p:blipFill>
-          <a:blip r:embed="rId3"/>
-          <a:stretch>
-            <a:fillRect/>
-          </a:stretch>
-        </p:blipFill>
-        <p:spPr>
-          <a:xfrm>
-            <a:off x="365113" y="1407958"/>
-            <a:ext cx="9020425" cy="3832855"/>
-          </a:xfrm>
-          <a:prstGeom prst="rect">
-            <a:avLst/>
-          </a:prstGeom>
-        </p:spPr>
-      </p:pic>
-      <p:pic>
-        <p:nvPicPr>
-          <p:cNvPr id="7" name="그림 6">
-            <a:extLst>
-              <a:ext uri="{FF2B5EF4-FFF2-40B4-BE49-F238E27FC236}">
-                <a16:creationId xmlns:a16="http://schemas.microsoft.com/office/drawing/2014/main" id="{37353234-3578-ADF6-23D2-83C6D9A85687}"/>
-              </a:ext>
-            </a:extLst>
-          </p:cNvPr>
-          <p:cNvPicPr>
-            <a:picLocks noChangeAspect="1"/>
-          </p:cNvPicPr>
-          <p:nvPr/>
-        </p:nvPicPr>
-        <p:blipFill>
-          <a:blip r:embed="rId4"/>
-          <a:stretch>
-            <a:fillRect/>
-          </a:stretch>
-        </p:blipFill>
-        <p:spPr>
-          <a:xfrm>
-            <a:off x="365111" y="5344332"/>
-            <a:ext cx="8417463" cy="1025309"/>
-          </a:xfrm>
-          <a:prstGeom prst="rect">
-            <a:avLst/>
-          </a:prstGeom>
-        </p:spPr>
-      </p:pic>
-    </p:spTree>
-    <p:extLst>
-      <p:ext uri="{BB962C8B-B14F-4D97-AF65-F5344CB8AC3E}">
-        <p14:creationId xmlns:p14="http://schemas.microsoft.com/office/powerpoint/2010/main" val="1693609801"/>
-      </p:ext>
-    </p:extLst>
-  </p:cSld>
-  <p:clrMapOvr>
-    <a:masterClrMapping/>
-  </p:clrMapOvr>
-</p:sld>
-</file>
-
-<file path=ppt/slides/slide9.xml><?xml version="1.0" encoding="utf-8"?>
-<p:sld xmlns:a="http://schemas.openxmlformats.org/drawingml/2006/main" xmlns:r="http://schemas.openxmlformats.org/officeDocument/2006/relationships" xmlns:p="http://schemas.openxmlformats.org/presentationml/2006/main">
-  <p:cSld>
-    <p:spTree>
-      <p:nvGrpSpPr>
-        <p:cNvPr id="1" name=""/>
-        <p:cNvGrpSpPr/>
-        <p:nvPr/>
-      </p:nvGrpSpPr>
-      <p:grpSpPr>
-        <a:xfrm>
-          <a:off x="0" y="0"/>
-          <a:ext cx="0" cy="0"/>
-          <a:chOff x="0" y="0"/>
-          <a:chExt cx="0" cy="0"/>
-        </a:xfrm>
-      </p:grpSpPr>
-      <p:pic>
-        <p:nvPicPr>
-          <p:cNvPr id="3" name="그림 2">
-            <a:extLst>
-              <a:ext uri="{FF2B5EF4-FFF2-40B4-BE49-F238E27FC236}">
-                <a16:creationId xmlns:a16="http://schemas.microsoft.com/office/drawing/2014/main" id="{3815FE13-FF9F-DA04-54D7-460B699DAD09}"/>
-              </a:ext>
-            </a:extLst>
-          </p:cNvPr>
-          <p:cNvPicPr>
-            <a:picLocks noChangeAspect="1"/>
-          </p:cNvPicPr>
-          <p:nvPr/>
-        </p:nvPicPr>
-        <p:blipFill>
-          <a:blip r:embed="rId2"/>
-          <a:stretch>
-            <a:fillRect/>
-          </a:stretch>
-        </p:blipFill>
-        <p:spPr>
-          <a:xfrm>
-            <a:off x="470321" y="391500"/>
-            <a:ext cx="9243022" cy="4850299"/>
-          </a:xfrm>
-          <a:prstGeom prst="rect">
-            <a:avLst/>
-          </a:prstGeom>
-        </p:spPr>
-      </p:pic>
-      <p:pic>
-        <p:nvPicPr>
-          <p:cNvPr id="5" name="그림 4">
-            <a:extLst>
-              <a:ext uri="{FF2B5EF4-FFF2-40B4-BE49-F238E27FC236}">
-                <a16:creationId xmlns:a16="http://schemas.microsoft.com/office/drawing/2014/main" id="{4E50A62B-CB78-436C-274C-07417DDE18FE}"/>
-              </a:ext>
-            </a:extLst>
-          </p:cNvPr>
-          <p:cNvPicPr>
-            <a:picLocks noChangeAspect="1"/>
-          </p:cNvPicPr>
-          <p:nvPr/>
-        </p:nvPicPr>
-        <p:blipFill>
-          <a:blip r:embed="rId3"/>
-          <a:stretch>
-            <a:fillRect/>
-          </a:stretch>
-        </p:blipFill>
-        <p:spPr>
-          <a:xfrm>
-            <a:off x="470321" y="5425237"/>
-            <a:ext cx="5348305" cy="1041263"/>
-          </a:xfrm>
-          <a:prstGeom prst="rect">
-            <a:avLst/>
-          </a:prstGeom>
-        </p:spPr>
-      </p:pic>
-    </p:spTree>
-    <p:extLst>
-      <p:ext uri="{BB962C8B-B14F-4D97-AF65-F5344CB8AC3E}">
-        <p14:creationId xmlns:p14="http://schemas.microsoft.com/office/powerpoint/2010/main" val="2082663033"/>
       </p:ext>
     </p:extLst>
   </p:cSld>

--- a/Python과제/Python_7강.pptx
+++ b/Python과제/Python_7강.pptx
@@ -5160,8 +5160,8 @@
           </a:prstGeom>
         </p:spPr>
       </p:pic>
-      <mc:AlternateContent xmlns:mc="http://schemas.openxmlformats.org/markup-compatibility/2006">
-        <mc:Choice xmlns:p14="http://schemas.microsoft.com/office/powerpoint/2010/main" Requires="p14">
+      <mc:AlternateContent xmlns:mc="http://schemas.openxmlformats.org/markup-compatibility/2006" xmlns:p14="http://schemas.microsoft.com/office/powerpoint/2010/main">
+        <mc:Choice Requires="p14">
           <p:contentPart p14:bwMode="auto" r:id="rId5">
             <p14:nvContentPartPr>
               <p14:cNvPr id="2" name="잉크 1">
@@ -5180,7 +5180,7 @@
             </p14:xfrm>
           </p:contentPart>
         </mc:Choice>
-        <mc:Fallback>
+        <mc:Fallback xmlns="">
           <p:pic>
             <p:nvPicPr>
               <p:cNvPr id="2" name="잉크 1">
@@ -5301,8 +5301,8 @@
           </a:prstGeom>
         </p:spPr>
       </p:pic>
-      <mc:AlternateContent xmlns:mc="http://schemas.openxmlformats.org/markup-compatibility/2006">
-        <mc:Choice xmlns:p14="http://schemas.microsoft.com/office/powerpoint/2010/main" Requires="p14">
+      <mc:AlternateContent xmlns:mc="http://schemas.openxmlformats.org/markup-compatibility/2006" xmlns:p14="http://schemas.microsoft.com/office/powerpoint/2010/main">
+        <mc:Choice Requires="p14">
           <p:contentPart p14:bwMode="auto" r:id="rId4">
             <p14:nvContentPartPr>
               <p14:cNvPr id="2" name="잉크 1">
@@ -5321,7 +5321,7 @@
             </p14:xfrm>
           </p:contentPart>
         </mc:Choice>
-        <mc:Fallback>
+        <mc:Fallback xmlns="">
           <p:pic>
             <p:nvPicPr>
               <p:cNvPr id="2" name="잉크 1">
@@ -5412,8 +5412,8 @@
           </a:prstGeom>
         </p:spPr>
       </p:pic>
-      <mc:AlternateContent xmlns:mc="http://schemas.openxmlformats.org/markup-compatibility/2006">
-        <mc:Choice xmlns:p14="http://schemas.microsoft.com/office/powerpoint/2010/main" Requires="p14">
+      <mc:AlternateContent xmlns:mc="http://schemas.openxmlformats.org/markup-compatibility/2006" xmlns:p14="http://schemas.microsoft.com/office/powerpoint/2010/main">
+        <mc:Choice Requires="p14">
           <p:contentPart p14:bwMode="auto" r:id="rId3">
             <p14:nvContentPartPr>
               <p14:cNvPr id="2" name="잉크 1">
@@ -5432,7 +5432,7 @@
             </p14:xfrm>
           </p:contentPart>
         </mc:Choice>
-        <mc:Fallback>
+        <mc:Fallback xmlns="">
           <p:pic>
             <p:nvPicPr>
               <p:cNvPr id="2" name="잉크 1">
@@ -5918,8 +5918,8 @@
           </a:prstGeom>
         </p:spPr>
       </p:pic>
-      <mc:AlternateContent xmlns:mc="http://schemas.openxmlformats.org/markup-compatibility/2006">
-        <mc:Choice xmlns:p14="http://schemas.microsoft.com/office/powerpoint/2010/main" Requires="p14">
+      <mc:AlternateContent xmlns:mc="http://schemas.openxmlformats.org/markup-compatibility/2006" xmlns:p14="http://schemas.microsoft.com/office/powerpoint/2010/main">
+        <mc:Choice Requires="p14">
           <p:contentPart p14:bwMode="auto" r:id="rId4">
             <p14:nvContentPartPr>
               <p14:cNvPr id="2" name="잉크 1">
@@ -5938,7 +5938,7 @@
             </p14:xfrm>
           </p:contentPart>
         </mc:Choice>
-        <mc:Fallback>
+        <mc:Fallback xmlns="">
           <p:pic>
             <p:nvPicPr>
               <p:cNvPr id="2" name="잉크 1">
@@ -6236,8 +6236,8 @@
           </a:prstGeom>
         </p:spPr>
       </p:pic>
-      <mc:AlternateContent xmlns:mc="http://schemas.openxmlformats.org/markup-compatibility/2006">
-        <mc:Choice xmlns:p14="http://schemas.microsoft.com/office/powerpoint/2010/main" Requires="p14">
+      <mc:AlternateContent xmlns:mc="http://schemas.openxmlformats.org/markup-compatibility/2006" xmlns:p14="http://schemas.microsoft.com/office/powerpoint/2010/main">
+        <mc:Choice Requires="p14">
           <p:contentPart p14:bwMode="auto" r:id="rId3">
             <p14:nvContentPartPr>
               <p14:cNvPr id="2" name="잉크 1">
@@ -6256,7 +6256,7 @@
             </p14:xfrm>
           </p:contentPart>
         </mc:Choice>
-        <mc:Fallback>
+        <mc:Fallback xmlns="">
           <p:pic>
             <p:nvPicPr>
               <p:cNvPr id="2" name="잉크 1">
@@ -7499,8 +7499,8 @@
           </p:pic>
         </mc:Fallback>
       </mc:AlternateContent>
-      <mc:AlternateContent xmlns:mc="http://schemas.openxmlformats.org/markup-compatibility/2006">
-        <mc:Choice xmlns:p14="http://schemas.microsoft.com/office/powerpoint/2010/main" Requires="p14">
+      <mc:AlternateContent xmlns:mc="http://schemas.openxmlformats.org/markup-compatibility/2006" xmlns:p14="http://schemas.microsoft.com/office/powerpoint/2010/main">
+        <mc:Choice Requires="p14">
           <p:contentPart p14:bwMode="auto" r:id="rId40">
             <p14:nvContentPartPr>
               <p14:cNvPr id="22" name="잉크 21">
@@ -7519,7 +7519,7 @@
             </p14:xfrm>
           </p:contentPart>
         </mc:Choice>
-        <mc:Fallback>
+        <mc:Fallback xmlns="">
           <p:pic>
             <p:nvPicPr>
               <p:cNvPr id="22" name="잉크 21">
@@ -7691,8 +7691,8 @@
           </a:prstGeom>
         </p:spPr>
       </p:pic>
-      <mc:AlternateContent xmlns:mc="http://schemas.openxmlformats.org/markup-compatibility/2006">
-        <mc:Choice xmlns:p14="http://schemas.microsoft.com/office/powerpoint/2010/main" Requires="p14">
+      <mc:AlternateContent xmlns:mc="http://schemas.openxmlformats.org/markup-compatibility/2006" xmlns:p14="http://schemas.microsoft.com/office/powerpoint/2010/main">
+        <mc:Choice Requires="p14">
           <p:contentPart p14:bwMode="auto" r:id="rId6">
             <p14:nvContentPartPr>
               <p14:cNvPr id="5" name="잉크 4">
@@ -7711,7 +7711,7 @@
             </p14:xfrm>
           </p:contentPart>
         </mc:Choice>
-        <mc:Fallback>
+        <mc:Fallback xmlns="">
           <p:pic>
             <p:nvPicPr>
               <p:cNvPr id="5" name="잉크 4">
@@ -7892,8 +7892,8 @@
           </a:prstGeom>
         </p:spPr>
       </p:pic>
-      <mc:AlternateContent xmlns:mc="http://schemas.openxmlformats.org/markup-compatibility/2006">
-        <mc:Choice xmlns:p14="http://schemas.microsoft.com/office/powerpoint/2010/main" Requires="p14">
+      <mc:AlternateContent xmlns:mc="http://schemas.openxmlformats.org/markup-compatibility/2006" xmlns:p14="http://schemas.microsoft.com/office/powerpoint/2010/main">
+        <mc:Choice Requires="p14">
           <p:contentPart p14:bwMode="auto" r:id="rId4">
             <p14:nvContentPartPr>
               <p14:cNvPr id="2" name="잉크 1">
@@ -7912,7 +7912,7 @@
             </p14:xfrm>
           </p:contentPart>
         </mc:Choice>
-        <mc:Fallback>
+        <mc:Fallback xmlns="">
           <p:pic>
             <p:nvPicPr>
               <p:cNvPr id="2" name="잉크 1">
@@ -8188,8 +8188,8 @@
           </a:prstGeom>
         </p:spPr>
       </p:pic>
-      <mc:AlternateContent xmlns:mc="http://schemas.openxmlformats.org/markup-compatibility/2006">
-        <mc:Choice xmlns:p14="http://schemas.microsoft.com/office/powerpoint/2010/main" Requires="p14">
+      <mc:AlternateContent xmlns:mc="http://schemas.openxmlformats.org/markup-compatibility/2006" xmlns:p14="http://schemas.microsoft.com/office/powerpoint/2010/main">
+        <mc:Choice Requires="p14">
           <p:contentPart p14:bwMode="auto" r:id="rId3">
             <p14:nvContentPartPr>
               <p14:cNvPr id="5" name="잉크 4">
@@ -8208,7 +8208,7 @@
             </p14:xfrm>
           </p:contentPart>
         </mc:Choice>
-        <mc:Fallback>
+        <mc:Fallback xmlns="">
           <p:pic>
             <p:nvPicPr>
               <p:cNvPr id="5" name="잉크 4">
@@ -8239,8 +8239,8 @@
           </p:pic>
         </mc:Fallback>
       </mc:AlternateContent>
-      <mc:AlternateContent xmlns:mc="http://schemas.openxmlformats.org/markup-compatibility/2006">
-        <mc:Choice xmlns:p14="http://schemas.microsoft.com/office/powerpoint/2010/main" Requires="p14">
+      <mc:AlternateContent xmlns:mc="http://schemas.openxmlformats.org/markup-compatibility/2006" xmlns:p14="http://schemas.microsoft.com/office/powerpoint/2010/main">
+        <mc:Choice Requires="p14">
           <p:contentPart p14:bwMode="auto" r:id="rId5">
             <p14:nvContentPartPr>
               <p14:cNvPr id="7" name="잉크 6">
@@ -8259,7 +8259,7 @@
             </p14:xfrm>
           </p:contentPart>
         </mc:Choice>
-        <mc:Fallback>
+        <mc:Fallback xmlns="">
           <p:pic>
             <p:nvPicPr>
               <p:cNvPr id="7" name="잉크 6">
@@ -8440,8 +8440,8 @@
           </a:prstGeom>
         </p:spPr>
       </p:pic>
-      <mc:AlternateContent xmlns:mc="http://schemas.openxmlformats.org/markup-compatibility/2006">
-        <mc:Choice xmlns:p14="http://schemas.microsoft.com/office/powerpoint/2010/main" Requires="p14">
+      <mc:AlternateContent xmlns:mc="http://schemas.openxmlformats.org/markup-compatibility/2006" xmlns:p14="http://schemas.microsoft.com/office/powerpoint/2010/main">
+        <mc:Choice Requires="p14">
           <p:contentPart p14:bwMode="auto" r:id="rId3">
             <p14:nvContentPartPr>
               <p14:cNvPr id="2" name="잉크 1">
@@ -8460,7 +8460,7 @@
             </p14:xfrm>
           </p:contentPart>
         </mc:Choice>
-        <mc:Fallback>
+        <mc:Fallback xmlns="">
           <p:pic>
             <p:nvPicPr>
               <p:cNvPr id="2" name="잉크 1">
@@ -9396,8 +9396,8 @@
           </a:prstGeom>
         </p:spPr>
       </p:pic>
-      <mc:AlternateContent xmlns:mc="http://schemas.openxmlformats.org/markup-compatibility/2006">
-        <mc:Choice xmlns:p14="http://schemas.microsoft.com/office/powerpoint/2010/main" Requires="p14">
+      <mc:AlternateContent xmlns:mc="http://schemas.openxmlformats.org/markup-compatibility/2006" xmlns:p14="http://schemas.microsoft.com/office/powerpoint/2010/main">
+        <mc:Choice Requires="p14">
           <p:contentPart p14:bwMode="auto" r:id="rId3">
             <p14:nvContentPartPr>
               <p14:cNvPr id="2" name="잉크 1">
@@ -9416,7 +9416,7 @@
             </p14:xfrm>
           </p:contentPart>
         </mc:Choice>
-        <mc:Fallback>
+        <mc:Fallback xmlns="">
           <p:pic>
             <p:nvPicPr>
               <p:cNvPr id="2" name="잉크 1">
@@ -9447,8 +9447,8 @@
           </p:pic>
         </mc:Fallback>
       </mc:AlternateContent>
-      <mc:AlternateContent xmlns:mc="http://schemas.openxmlformats.org/markup-compatibility/2006">
-        <mc:Choice xmlns:p14="http://schemas.microsoft.com/office/powerpoint/2010/main" Requires="p14">
+      <mc:AlternateContent xmlns:mc="http://schemas.openxmlformats.org/markup-compatibility/2006" xmlns:p14="http://schemas.microsoft.com/office/powerpoint/2010/main">
+        <mc:Choice Requires="p14">
           <p:contentPart p14:bwMode="auto" r:id="rId5">
             <p14:nvContentPartPr>
               <p14:cNvPr id="4" name="잉크 3">
@@ -9467,7 +9467,7 @@
             </p14:xfrm>
           </p:contentPart>
         </mc:Choice>
-        <mc:Fallback>
+        <mc:Fallback xmlns="">
           <p:pic>
             <p:nvPicPr>
               <p:cNvPr id="4" name="잉크 3">
@@ -9498,8 +9498,8 @@
           </p:pic>
         </mc:Fallback>
       </mc:AlternateContent>
-      <mc:AlternateContent xmlns:mc="http://schemas.openxmlformats.org/markup-compatibility/2006">
-        <mc:Choice xmlns:p14="http://schemas.microsoft.com/office/powerpoint/2010/main" Requires="p14">
+      <mc:AlternateContent xmlns:mc="http://schemas.openxmlformats.org/markup-compatibility/2006" xmlns:p14="http://schemas.microsoft.com/office/powerpoint/2010/main">
+        <mc:Choice Requires="p14">
           <p:contentPart p14:bwMode="auto" r:id="rId7">
             <p14:nvContentPartPr>
               <p14:cNvPr id="5" name="잉크 4">
@@ -9518,7 +9518,7 @@
             </p14:xfrm>
           </p:contentPart>
         </mc:Choice>
-        <mc:Fallback>
+        <mc:Fallback xmlns="">
           <p:pic>
             <p:nvPicPr>
               <p:cNvPr id="5" name="잉크 4">
@@ -9549,8 +9549,8 @@
           </p:pic>
         </mc:Fallback>
       </mc:AlternateContent>
-      <mc:AlternateContent xmlns:mc="http://schemas.openxmlformats.org/markup-compatibility/2006">
-        <mc:Choice xmlns:p14="http://schemas.microsoft.com/office/powerpoint/2010/main" Requires="p14">
+      <mc:AlternateContent xmlns:mc="http://schemas.openxmlformats.org/markup-compatibility/2006" xmlns:p14="http://schemas.microsoft.com/office/powerpoint/2010/main">
+        <mc:Choice Requires="p14">
           <p:contentPart p14:bwMode="auto" r:id="rId9">
             <p14:nvContentPartPr>
               <p14:cNvPr id="6" name="잉크 5">
@@ -9569,7 +9569,7 @@
             </p14:xfrm>
           </p:contentPart>
         </mc:Choice>
-        <mc:Fallback>
+        <mc:Fallback xmlns="">
           <p:pic>
             <p:nvPicPr>
               <p:cNvPr id="6" name="잉크 5">
@@ -9600,8 +9600,8 @@
           </p:pic>
         </mc:Fallback>
       </mc:AlternateContent>
-      <mc:AlternateContent xmlns:mc="http://schemas.openxmlformats.org/markup-compatibility/2006">
-        <mc:Choice xmlns:p14="http://schemas.microsoft.com/office/powerpoint/2010/main" Requires="p14">
+      <mc:AlternateContent xmlns:mc="http://schemas.openxmlformats.org/markup-compatibility/2006" xmlns:p14="http://schemas.microsoft.com/office/powerpoint/2010/main">
+        <mc:Choice Requires="p14">
           <p:contentPart p14:bwMode="auto" r:id="rId10">
             <p14:nvContentPartPr>
               <p14:cNvPr id="7" name="잉크 6">
@@ -9620,7 +9620,7 @@
             </p14:xfrm>
           </p:contentPart>
         </mc:Choice>
-        <mc:Fallback>
+        <mc:Fallback xmlns="">
           <p:pic>
             <p:nvPicPr>
               <p:cNvPr id="7" name="잉크 6">
@@ -9868,10 +9868,10 @@
       </p:grpSpPr>
       <p:pic>
         <p:nvPicPr>
-          <p:cNvPr id="3" name="그림 2">
+          <p:cNvPr id="4" name="그림 3">
             <a:extLst>
               <a:ext uri="{FF2B5EF4-FFF2-40B4-BE49-F238E27FC236}">
-                <a16:creationId xmlns:a16="http://schemas.microsoft.com/office/drawing/2014/main" id="{B23277B4-8E7B-C919-19E2-FEB92D395622}"/>
+                <a16:creationId xmlns:a16="http://schemas.microsoft.com/office/drawing/2014/main" id="{5BBF96FE-30DD-AB0B-B297-17DD85418EE8}"/>
               </a:ext>
             </a:extLst>
           </p:cNvPr>
@@ -9888,8 +9888,8 @@
         </p:blipFill>
         <p:spPr>
           <a:xfrm>
-            <a:off x="390207" y="367830"/>
-            <a:ext cx="8002679" cy="6110832"/>
+            <a:off x="380202" y="383189"/>
+            <a:ext cx="8179476" cy="6148240"/>
           </a:xfrm>
           <a:prstGeom prst="rect">
             <a:avLst/>
@@ -9986,8 +9986,8 @@
           </a:prstGeom>
         </p:spPr>
       </p:pic>
-      <mc:AlternateContent xmlns:mc="http://schemas.openxmlformats.org/markup-compatibility/2006">
-        <mc:Choice xmlns:p14="http://schemas.microsoft.com/office/powerpoint/2010/main" Requires="p14">
+      <mc:AlternateContent xmlns:mc="http://schemas.openxmlformats.org/markup-compatibility/2006" xmlns:p14="http://schemas.microsoft.com/office/powerpoint/2010/main">
+        <mc:Choice Requires="p14">
           <p:contentPart p14:bwMode="auto" r:id="rId4">
             <p14:nvContentPartPr>
               <p14:cNvPr id="2" name="잉크 1">
@@ -10006,7 +10006,7 @@
             </p14:xfrm>
           </p:contentPart>
         </mc:Choice>
-        <mc:Fallback>
+        <mc:Fallback xmlns="">
           <p:pic>
             <p:nvPicPr>
               <p:cNvPr id="2" name="잉크 1">
@@ -10037,8 +10037,8 @@
           </p:pic>
         </mc:Fallback>
       </mc:AlternateContent>
-      <mc:AlternateContent xmlns:mc="http://schemas.openxmlformats.org/markup-compatibility/2006">
-        <mc:Choice xmlns:p14="http://schemas.microsoft.com/office/powerpoint/2010/main" Requires="p14">
+      <mc:AlternateContent xmlns:mc="http://schemas.openxmlformats.org/markup-compatibility/2006" xmlns:p14="http://schemas.microsoft.com/office/powerpoint/2010/main">
+        <mc:Choice Requires="p14">
           <p:contentPart p14:bwMode="auto" r:id="rId6">
             <p14:nvContentPartPr>
               <p14:cNvPr id="4" name="잉크 3">
@@ -10057,7 +10057,7 @@
             </p14:xfrm>
           </p:contentPart>
         </mc:Choice>
-        <mc:Fallback>
+        <mc:Fallback xmlns="">
           <p:pic>
             <p:nvPicPr>
               <p:cNvPr id="4" name="잉크 3">

--- a/Python과제/Python_7강.pptx
+++ b/Python과제/Python_7강.pptx
@@ -189,6 +189,35 @@
           <inkml:channelProperty channel="Y" name="resolution" value="1000" units="1/cm"/>
         </inkml:channelProperties>
       </inkml:inkSource>
+      <inkml:timestamp xml:id="ts0" timeString="2023-05-02T12:53:33.628"/>
+    </inkml:context>
+    <inkml:brush xml:id="br0">
+      <inkml:brushProperty name="width" value="0.3" units="cm"/>
+      <inkml:brushProperty name="height" value="0.6" units="cm"/>
+      <inkml:brushProperty name="color" value="#FFFFFF"/>
+      <inkml:brushProperty name="tip" value="rectangle"/>
+      <inkml:brushProperty name="rasterOp" value="maskPen"/>
+      <inkml:brushProperty name="ignorePressure" value="1"/>
+    </inkml:brush>
+  </inkml:definitions>
+  <inkml:trace contextRef="#ctx0" brushRef="#br0">0 0,'0'0</inkml:trace>
+</inkml:ink>
+</file>
+
+<file path=ppt/ink/ink11.xml><?xml version="1.0" encoding="utf-8"?>
+<inkml:ink xmlns:inkml="http://www.w3.org/2003/InkML">
+  <inkml:definitions>
+    <inkml:context xml:id="ctx0">
+      <inkml:inkSource xml:id="inkSrc0">
+        <inkml:traceFormat>
+          <inkml:channel name="X" type="integer" min="-2.14748E9" max="2.14748E9" units="cm"/>
+          <inkml:channel name="Y" type="integer" min="-2.14748E9" max="2.14748E9" units="cm"/>
+        </inkml:traceFormat>
+        <inkml:channelProperties>
+          <inkml:channelProperty channel="X" name="resolution" value="1000" units="1/cm"/>
+          <inkml:channelProperty channel="Y" name="resolution" value="1000" units="1/cm"/>
+        </inkml:channelProperties>
+      </inkml:inkSource>
       <inkml:timestamp xml:id="ts0" timeString="2023-05-02T12:53:33.994"/>
     </inkml:context>
     <inkml:brush xml:id="br0">
@@ -204,7 +233,7 @@
 </inkml:ink>
 </file>
 
-<file path=ppt/ink/ink11.xml><?xml version="1.0" encoding="utf-8"?>
+<file path=ppt/ink/ink12.xml><?xml version="1.0" encoding="utf-8"?>
 <inkml:ink xmlns:inkml="http://www.w3.org/2003/InkML">
   <inkml:definitions>
     <inkml:context xml:id="ctx0">
@@ -233,7 +262,7 @@
 </inkml:ink>
 </file>
 
-<file path=ppt/ink/ink12.xml><?xml version="1.0" encoding="utf-8"?>
+<file path=ppt/ink/ink13.xml><?xml version="1.0" encoding="utf-8"?>
 <inkml:ink xmlns:inkml="http://www.w3.org/2003/InkML">
   <inkml:definitions>
     <inkml:context xml:id="ctx0">
@@ -262,7 +291,7 @@
 </inkml:ink>
 </file>
 
-<file path=ppt/ink/ink13.xml><?xml version="1.0" encoding="utf-8"?>
+<file path=ppt/ink/ink14.xml><?xml version="1.0" encoding="utf-8"?>
 <inkml:ink xmlns:inkml="http://www.w3.org/2003/InkML">
   <inkml:definitions>
     <inkml:context xml:id="ctx0">
@@ -291,7 +320,7 @@
 </inkml:ink>
 </file>
 
-<file path=ppt/ink/ink14.xml><?xml version="1.0" encoding="utf-8"?>
+<file path=ppt/ink/ink15.xml><?xml version="1.0" encoding="utf-8"?>
 <inkml:ink xmlns:inkml="http://www.w3.org/2003/InkML">
   <inkml:definitions>
     <inkml:context xml:id="ctx0">
@@ -320,7 +349,7 @@
 </inkml:ink>
 </file>
 
-<file path=ppt/ink/ink15.xml><?xml version="1.0" encoding="utf-8"?>
+<file path=ppt/ink/ink16.xml><?xml version="1.0" encoding="utf-8"?>
 <inkml:ink xmlns:inkml="http://www.w3.org/2003/InkML">
   <inkml:definitions>
     <inkml:context xml:id="ctx0">
@@ -349,7 +378,7 @@
 </inkml:ink>
 </file>
 
-<file path=ppt/ink/ink16.xml><?xml version="1.0" encoding="utf-8"?>
+<file path=ppt/ink/ink17.xml><?xml version="1.0" encoding="utf-8"?>
 <inkml:ink xmlns:inkml="http://www.w3.org/2003/InkML">
   <inkml:definitions>
     <inkml:context xml:id="ctx0">
@@ -378,7 +407,7 @@
 </inkml:ink>
 </file>
 
-<file path=ppt/ink/ink17.xml><?xml version="1.0" encoding="utf-8"?>
+<file path=ppt/ink/ink18.xml><?xml version="1.0" encoding="utf-8"?>
 <inkml:ink xmlns:inkml="http://www.w3.org/2003/InkML">
   <inkml:definitions>
     <inkml:context xml:id="ctx0">
@@ -407,7 +436,7 @@
 </inkml:ink>
 </file>
 
-<file path=ppt/ink/ink18.xml><?xml version="1.0" encoding="utf-8"?>
+<file path=ppt/ink/ink19.xml><?xml version="1.0" encoding="utf-8"?>
 <inkml:ink xmlns:inkml="http://www.w3.org/2003/InkML">
   <inkml:definitions>
     <inkml:context xml:id="ctx0">
@@ -434,35 +463,6 @@
   </inkml:definitions>
   <inkml:trace contextRef="#ctx0" brushRef="#br0">0 1</inkml:trace>
   <inkml:trace contextRef="#ctx0" brushRef="#br0" timeOffset="1">0 1</inkml:trace>
-</inkml:ink>
-</file>
-
-<file path=ppt/ink/ink19.xml><?xml version="1.0" encoding="utf-8"?>
-<inkml:ink xmlns:inkml="http://www.w3.org/2003/InkML">
-  <inkml:definitions>
-    <inkml:context xml:id="ctx0">
-      <inkml:inkSource xml:id="inkSrc0">
-        <inkml:traceFormat>
-          <inkml:channel name="X" type="integer" min="-2.14748E9" max="2.14748E9" units="cm"/>
-          <inkml:channel name="Y" type="integer" min="-2.14748E9" max="2.14748E9" units="cm"/>
-        </inkml:traceFormat>
-        <inkml:channelProperties>
-          <inkml:channelProperty channel="X" name="resolution" value="1000" units="1/cm"/>
-          <inkml:channelProperty channel="Y" name="resolution" value="1000" units="1/cm"/>
-        </inkml:channelProperties>
-      </inkml:inkSource>
-      <inkml:timestamp xml:id="ts0" timeString="2023-05-02T12:53:48.878"/>
-    </inkml:context>
-    <inkml:brush xml:id="br0">
-      <inkml:brushProperty name="width" value="0.5" units="cm"/>
-      <inkml:brushProperty name="height" value="1" units="cm"/>
-      <inkml:brushProperty name="color" value="#FFFFFF"/>
-      <inkml:brushProperty name="tip" value="rectangle"/>
-      <inkml:brushProperty name="rasterOp" value="maskPen"/>
-      <inkml:brushProperty name="ignorePressure" value="1"/>
-    </inkml:brush>
-  </inkml:definitions>
-  <inkml:trace contextRef="#ctx0" brushRef="#br0">0 1</inkml:trace>
 </inkml:ink>
 </file>
 
@@ -509,6 +509,35 @@
           <inkml:channelProperty channel="Y" name="resolution" value="1000" units="1/cm"/>
         </inkml:channelProperties>
       </inkml:inkSource>
+      <inkml:timestamp xml:id="ts0" timeString="2023-05-02T12:53:48.878"/>
+    </inkml:context>
+    <inkml:brush xml:id="br0">
+      <inkml:brushProperty name="width" value="0.5" units="cm"/>
+      <inkml:brushProperty name="height" value="1" units="cm"/>
+      <inkml:brushProperty name="color" value="#FFFFFF"/>
+      <inkml:brushProperty name="tip" value="rectangle"/>
+      <inkml:brushProperty name="rasterOp" value="maskPen"/>
+      <inkml:brushProperty name="ignorePressure" value="1"/>
+    </inkml:brush>
+  </inkml:definitions>
+  <inkml:trace contextRef="#ctx0" brushRef="#br0">0 1</inkml:trace>
+</inkml:ink>
+</file>
+
+<file path=ppt/ink/ink21.xml><?xml version="1.0" encoding="utf-8"?>
+<inkml:ink xmlns:inkml="http://www.w3.org/2003/InkML">
+  <inkml:definitions>
+    <inkml:context xml:id="ctx0">
+      <inkml:inkSource xml:id="inkSrc0">
+        <inkml:traceFormat>
+          <inkml:channel name="X" type="integer" min="-2.14748E9" max="2.14748E9" units="cm"/>
+          <inkml:channel name="Y" type="integer" min="-2.14748E9" max="2.14748E9" units="cm"/>
+        </inkml:traceFormat>
+        <inkml:channelProperties>
+          <inkml:channelProperty channel="X" name="resolution" value="1000" units="1/cm"/>
+          <inkml:channelProperty channel="Y" name="resolution" value="1000" units="1/cm"/>
+        </inkml:channelProperties>
+      </inkml:inkSource>
       <inkml:timestamp xml:id="ts0" timeString="2023-05-02T12:53:49.546"/>
     </inkml:context>
     <inkml:brush xml:id="br0">
@@ -524,7 +553,7 @@
 </inkml:ink>
 </file>
 
-<file path=ppt/ink/ink21.xml><?xml version="1.0" encoding="utf-8"?>
+<file path=ppt/ink/ink22.xml><?xml version="1.0" encoding="utf-8"?>
 <inkml:ink xmlns:inkml="http://www.w3.org/2003/InkML">
   <inkml:definitions>
     <inkml:context xml:id="ctx0">
@@ -553,7 +582,7 @@
 </inkml:ink>
 </file>
 
-<file path=ppt/ink/ink22.xml><?xml version="1.0" encoding="utf-8"?>
+<file path=ppt/ink/ink23.xml><?xml version="1.0" encoding="utf-8"?>
 <inkml:ink xmlns:inkml="http://www.w3.org/2003/InkML">
   <inkml:definitions>
     <inkml:context xml:id="ctx0">
@@ -582,7 +611,7 @@
 </inkml:ink>
 </file>
 
-<file path=ppt/ink/ink23.xml><?xml version="1.0" encoding="utf-8"?>
+<file path=ppt/ink/ink24.xml><?xml version="1.0" encoding="utf-8"?>
 <inkml:ink xmlns:inkml="http://www.w3.org/2003/InkML">
   <inkml:definitions>
     <inkml:context xml:id="ctx0">
@@ -611,7 +640,7 @@
 </inkml:ink>
 </file>
 
-<file path=ppt/ink/ink24.xml><?xml version="1.0" encoding="utf-8"?>
+<file path=ppt/ink/ink25.xml><?xml version="1.0" encoding="utf-8"?>
 <inkml:ink xmlns:inkml="http://www.w3.org/2003/InkML">
   <inkml:definitions>
     <inkml:context xml:id="ctx0">
@@ -640,7 +669,7 @@
 </inkml:ink>
 </file>
 
-<file path=ppt/ink/ink25.xml><?xml version="1.0" encoding="utf-8"?>
+<file path=ppt/ink/ink26.xml><?xml version="1.0" encoding="utf-8"?>
 <inkml:ink xmlns:inkml="http://www.w3.org/2003/InkML">
   <inkml:definitions>
     <inkml:context xml:id="ctx0">
@@ -670,7 +699,7 @@
 </inkml:ink>
 </file>
 
-<file path=ppt/ink/ink26.xml><?xml version="1.0" encoding="utf-8"?>
+<file path=ppt/ink/ink27.xml><?xml version="1.0" encoding="utf-8"?>
 <inkml:ink xmlns:inkml="http://www.w3.org/2003/InkML">
   <inkml:definitions>
     <inkml:context xml:id="ctx0">
@@ -702,7 +731,7 @@
 </inkml:ink>
 </file>
 
-<file path=ppt/ink/ink27.xml><?xml version="1.0" encoding="utf-8"?>
+<file path=ppt/ink/ink28.xml><?xml version="1.0" encoding="utf-8"?>
 <inkml:ink xmlns:inkml="http://www.w3.org/2003/InkML">
   <inkml:definitions>
     <inkml:context xml:id="ctx0">
@@ -730,7 +759,7 @@
 </inkml:ink>
 </file>
 
-<file path=ppt/ink/ink28.xml><?xml version="1.0" encoding="utf-8"?>
+<file path=ppt/ink/ink29.xml><?xml version="1.0" encoding="utf-8"?>
 <inkml:ink xmlns:inkml="http://www.w3.org/2003/InkML">
   <inkml:definitions>
     <inkml:context xml:id="ctx0">
@@ -758,7 +787,36 @@
 </inkml:ink>
 </file>
 
-<file path=ppt/ink/ink29.xml><?xml version="1.0" encoding="utf-8"?>
+<file path=ppt/ink/ink3.xml><?xml version="1.0" encoding="utf-8"?>
+<inkml:ink xmlns:inkml="http://www.w3.org/2003/InkML">
+  <inkml:definitions>
+    <inkml:context xml:id="ctx0">
+      <inkml:inkSource xml:id="inkSrc0">
+        <inkml:traceFormat>
+          <inkml:channel name="X" type="integer" min="-2.14748E9" max="2.14748E9" units="cm"/>
+          <inkml:channel name="Y" type="integer" min="-2.14748E9" max="2.14748E9" units="cm"/>
+        </inkml:traceFormat>
+        <inkml:channelProperties>
+          <inkml:channelProperty channel="X" name="resolution" value="1000" units="1/cm"/>
+          <inkml:channelProperty channel="Y" name="resolution" value="1000" units="1/cm"/>
+        </inkml:channelProperties>
+      </inkml:inkSource>
+      <inkml:timestamp xml:id="ts0" timeString="2023-05-07T00:28:19.411"/>
+    </inkml:context>
+    <inkml:brush xml:id="br0">
+      <inkml:brushProperty name="width" value="0.4" units="cm"/>
+      <inkml:brushProperty name="height" value="0.8" units="cm"/>
+      <inkml:brushProperty name="color" value="#C0E494"/>
+      <inkml:brushProperty name="tip" value="rectangle"/>
+      <inkml:brushProperty name="rasterOp" value="maskPen"/>
+      <inkml:brushProperty name="ignorePressure" value="1"/>
+    </inkml:brush>
+  </inkml:definitions>
+  <inkml:trace contextRef="#ctx0" brushRef="#br0">0 1,'1314'0,"-1295"0</inkml:trace>
+</inkml:ink>
+</file>
+
+<file path=ppt/ink/ink30.xml><?xml version="1.0" encoding="utf-8"?>
 <inkml:ink xmlns:inkml="http://www.w3.org/2003/InkML">
   <inkml:definitions>
     <inkml:context xml:id="ctx0">
@@ -786,7 +844,267 @@
 </inkml:ink>
 </file>
 
-<file path=ppt/ink/ink3.xml><?xml version="1.0" encoding="utf-8"?>
+<file path=ppt/ink/ink31.xml><?xml version="1.0" encoding="utf-8"?>
+<inkml:ink xmlns:inkml="http://www.w3.org/2003/InkML">
+  <inkml:definitions>
+    <inkml:context xml:id="ctx0">
+      <inkml:inkSource xml:id="inkSrc0">
+        <inkml:traceFormat>
+          <inkml:channel name="X" type="integer" min="-2.14748E9" max="2.14748E9" units="cm"/>
+          <inkml:channel name="Y" type="integer" min="-2.14748E9" max="2.14748E9" units="cm"/>
+        </inkml:traceFormat>
+        <inkml:channelProperties>
+          <inkml:channelProperty channel="X" name="resolution" value="1000" units="1/cm"/>
+          <inkml:channelProperty channel="Y" name="resolution" value="1000" units="1/cm"/>
+        </inkml:channelProperties>
+      </inkml:inkSource>
+      <inkml:timestamp xml:id="ts0" timeString="2023-05-05T18:18:26.621"/>
+    </inkml:context>
+    <inkml:brush xml:id="br0">
+      <inkml:brushProperty name="width" value="0.4" units="cm"/>
+      <inkml:brushProperty name="height" value="0.8" units="cm"/>
+      <inkml:brushProperty name="color" value="#C0E494"/>
+      <inkml:brushProperty name="tip" value="rectangle"/>
+      <inkml:brushProperty name="rasterOp" value="maskPen"/>
+      <inkml:brushProperty name="ignorePressure" value="1"/>
+    </inkml:brush>
+  </inkml:definitions>
+  <inkml:trace contextRef="#ctx0" brushRef="#br0">1 0,'5761'0,"-5722"0</inkml:trace>
+</inkml:ink>
+</file>
+
+<file path=ppt/ink/ink32.xml><?xml version="1.0" encoding="utf-8"?>
+<inkml:ink xmlns:inkml="http://www.w3.org/2003/InkML">
+  <inkml:definitions>
+    <inkml:context xml:id="ctx0">
+      <inkml:inkSource xml:id="inkSrc0">
+        <inkml:traceFormat>
+          <inkml:channel name="X" type="integer" min="-2.14748E9" max="2.14748E9" units="cm"/>
+          <inkml:channel name="Y" type="integer" min="-2.14748E9" max="2.14748E9" units="cm"/>
+          <inkml:channel name="F" type="integer" max="32767" units="dev"/>
+        </inkml:traceFormat>
+        <inkml:channelProperties>
+          <inkml:channelProperty channel="X" name="resolution" value="1000" units="1/cm"/>
+          <inkml:channelProperty channel="Y" name="resolution" value="1000" units="1/cm"/>
+          <inkml:channelProperty channel="F" name="resolution" value="0" units="1/dev"/>
+        </inkml:channelProperties>
+      </inkml:inkSource>
+      <inkml:timestamp xml:id="ts0" timeString="2023-05-02T12:57:08.482"/>
+    </inkml:context>
+    <inkml:brush xml:id="br0">
+      <inkml:brushProperty name="width" value="0.35" units="cm"/>
+      <inkml:brushProperty name="height" value="0.35" units="cm"/>
+      <inkml:brushProperty name="color" value="#FFFFFF"/>
+    </inkml:brush>
+  </inkml:definitions>
+  <inkml:trace contextRef="#ctx0" brushRef="#br0">0 0 24575,'0'0'-8191</inkml:trace>
+</inkml:ink>
+</file>
+
+<file path=ppt/ink/ink33.xml><?xml version="1.0" encoding="utf-8"?>
+<inkml:ink xmlns:inkml="http://www.w3.org/2003/InkML">
+  <inkml:definitions>
+    <inkml:context xml:id="ctx0">
+      <inkml:inkSource xml:id="inkSrc0">
+        <inkml:traceFormat>
+          <inkml:channel name="X" type="integer" min="-2.14748E9" max="2.14748E9" units="cm"/>
+          <inkml:channel name="Y" type="integer" min="-2.14748E9" max="2.14748E9" units="cm"/>
+        </inkml:traceFormat>
+        <inkml:channelProperties>
+          <inkml:channelProperty channel="X" name="resolution" value="1000" units="1/cm"/>
+          <inkml:channelProperty channel="Y" name="resolution" value="1000" units="1/cm"/>
+        </inkml:channelProperties>
+      </inkml:inkSource>
+      <inkml:timestamp xml:id="ts0" timeString="2023-05-05T18:18:39.338"/>
+    </inkml:context>
+    <inkml:brush xml:id="br0">
+      <inkml:brushProperty name="width" value="0.4" units="cm"/>
+      <inkml:brushProperty name="height" value="0.8" units="cm"/>
+      <inkml:brushProperty name="color" value="#C0E494"/>
+      <inkml:brushProperty name="tip" value="rectangle"/>
+      <inkml:brushProperty name="rasterOp" value="maskPen"/>
+      <inkml:brushProperty name="ignorePressure" value="1"/>
+    </inkml:brush>
+  </inkml:definitions>
+  <inkml:trace contextRef="#ctx0" brushRef="#br0">1 0,'3675'0,"-3636"0</inkml:trace>
+</inkml:ink>
+</file>
+
+<file path=ppt/ink/ink34.xml><?xml version="1.0" encoding="utf-8"?>
+<inkml:ink xmlns:inkml="http://www.w3.org/2003/InkML">
+  <inkml:definitions>
+    <inkml:context xml:id="ctx0">
+      <inkml:inkSource xml:id="inkSrc0">
+        <inkml:traceFormat>
+          <inkml:channel name="X" type="integer" min="-2.14748E9" max="2.14748E9" units="cm"/>
+          <inkml:channel name="Y" type="integer" min="-2.14748E9" max="2.14748E9" units="cm"/>
+        </inkml:traceFormat>
+        <inkml:channelProperties>
+          <inkml:channelProperty channel="X" name="resolution" value="1000" units="1/cm"/>
+          <inkml:channelProperty channel="Y" name="resolution" value="1000" units="1/cm"/>
+        </inkml:channelProperties>
+      </inkml:inkSource>
+      <inkml:timestamp xml:id="ts0" timeString="2023-05-05T18:18:49.817"/>
+    </inkml:context>
+    <inkml:brush xml:id="br0">
+      <inkml:brushProperty name="width" value="0.4" units="cm"/>
+      <inkml:brushProperty name="height" value="0.8" units="cm"/>
+      <inkml:brushProperty name="color" value="#C0E494"/>
+      <inkml:brushProperty name="tip" value="rectangle"/>
+      <inkml:brushProperty name="rasterOp" value="maskPen"/>
+      <inkml:brushProperty name="ignorePressure" value="1"/>
+    </inkml:brush>
+  </inkml:definitions>
+  <inkml:trace contextRef="#ctx0" brushRef="#br0">1 1,'5704'0,"-5672"0</inkml:trace>
+</inkml:ink>
+</file>
+
+<file path=ppt/ink/ink35.xml><?xml version="1.0" encoding="utf-8"?>
+<inkml:ink xmlns:inkml="http://www.w3.org/2003/InkML">
+  <inkml:definitions>
+    <inkml:context xml:id="ctx0">
+      <inkml:inkSource xml:id="inkSrc0">
+        <inkml:traceFormat>
+          <inkml:channel name="X" type="integer" min="-2.14748E9" max="2.14748E9" units="cm"/>
+          <inkml:channel name="Y" type="integer" min="-2.14748E9" max="2.14748E9" units="cm"/>
+        </inkml:traceFormat>
+        <inkml:channelProperties>
+          <inkml:channelProperty channel="X" name="resolution" value="1000" units="1/cm"/>
+          <inkml:channelProperty channel="Y" name="resolution" value="1000" units="1/cm"/>
+        </inkml:channelProperties>
+      </inkml:inkSource>
+      <inkml:timestamp xml:id="ts0" timeString="2023-05-05T18:19:12.517"/>
+    </inkml:context>
+    <inkml:brush xml:id="br0">
+      <inkml:brushProperty name="width" value="0.4" units="cm"/>
+      <inkml:brushProperty name="height" value="0.8" units="cm"/>
+      <inkml:brushProperty name="color" value="#C0E494"/>
+      <inkml:brushProperty name="tip" value="rectangle"/>
+      <inkml:brushProperty name="rasterOp" value="maskPen"/>
+      <inkml:brushProperty name="ignorePressure" value="1"/>
+    </inkml:brush>
+  </inkml:definitions>
+  <inkml:trace contextRef="#ctx0" brushRef="#br0">1 1,'6133'0,"-6100"0</inkml:trace>
+</inkml:ink>
+</file>
+
+<file path=ppt/ink/ink36.xml><?xml version="1.0" encoding="utf-8"?>
+<inkml:ink xmlns:inkml="http://www.w3.org/2003/InkML">
+  <inkml:definitions>
+    <inkml:context xml:id="ctx0">
+      <inkml:inkSource xml:id="inkSrc0">
+        <inkml:traceFormat>
+          <inkml:channel name="X" type="integer" min="-2.14748E9" max="2.14748E9" units="cm"/>
+          <inkml:channel name="Y" type="integer" min="-2.14748E9" max="2.14748E9" units="cm"/>
+        </inkml:traceFormat>
+        <inkml:channelProperties>
+          <inkml:channelProperty channel="X" name="resolution" value="1000" units="1/cm"/>
+          <inkml:channelProperty channel="Y" name="resolution" value="1000" units="1/cm"/>
+        </inkml:channelProperties>
+      </inkml:inkSource>
+      <inkml:timestamp xml:id="ts0" timeString="2023-05-05T18:19:25.419"/>
+    </inkml:context>
+    <inkml:brush xml:id="br0">
+      <inkml:brushProperty name="width" value="0.4" units="cm"/>
+      <inkml:brushProperty name="height" value="0.8" units="cm"/>
+      <inkml:brushProperty name="color" value="#C0E494"/>
+      <inkml:brushProperty name="tip" value="rectangle"/>
+      <inkml:brushProperty name="rasterOp" value="maskPen"/>
+      <inkml:brushProperty name="ignorePressure" value="1"/>
+    </inkml:brush>
+  </inkml:definitions>
+  <inkml:trace contextRef="#ctx0" brushRef="#br0">0 1,'2996'0,"-2957"0</inkml:trace>
+</inkml:ink>
+</file>
+
+<file path=ppt/ink/ink37.xml><?xml version="1.0" encoding="utf-8"?>
+<inkml:ink xmlns:inkml="http://www.w3.org/2003/InkML">
+  <inkml:definitions>
+    <inkml:context xml:id="ctx0">
+      <inkml:inkSource xml:id="inkSrc0">
+        <inkml:traceFormat>
+          <inkml:channel name="X" type="integer" min="-2.14748E9" max="2.14748E9" units="cm"/>
+          <inkml:channel name="Y" type="integer" min="-2.14748E9" max="2.14748E9" units="cm"/>
+        </inkml:traceFormat>
+        <inkml:channelProperties>
+          <inkml:channelProperty channel="X" name="resolution" value="1000" units="1/cm"/>
+          <inkml:channelProperty channel="Y" name="resolution" value="1000" units="1/cm"/>
+        </inkml:channelProperties>
+      </inkml:inkSource>
+      <inkml:timestamp xml:id="ts0" timeString="2023-05-05T18:20:12.017"/>
+    </inkml:context>
+    <inkml:brush xml:id="br0">
+      <inkml:brushProperty name="width" value="0.4" units="cm"/>
+      <inkml:brushProperty name="height" value="0.8" units="cm"/>
+      <inkml:brushProperty name="color" value="#C0E494"/>
+      <inkml:brushProperty name="tip" value="rectangle"/>
+      <inkml:brushProperty name="rasterOp" value="maskPen"/>
+      <inkml:brushProperty name="ignorePressure" value="1"/>
+    </inkml:brush>
+  </inkml:definitions>
+  <inkml:trace contextRef="#ctx0" brushRef="#br0">0 0,'9934'0,"-9895"0</inkml:trace>
+</inkml:ink>
+</file>
+
+<file path=ppt/ink/ink38.xml><?xml version="1.0" encoding="utf-8"?>
+<inkml:ink xmlns:inkml="http://www.w3.org/2003/InkML">
+  <inkml:definitions>
+    <inkml:context xml:id="ctx0">
+      <inkml:inkSource xml:id="inkSrc0">
+        <inkml:traceFormat>
+          <inkml:channel name="X" type="integer" min="-2.14748E9" max="2.14748E9" units="cm"/>
+          <inkml:channel name="Y" type="integer" min="-2.14748E9" max="2.14748E9" units="cm"/>
+        </inkml:traceFormat>
+        <inkml:channelProperties>
+          <inkml:channelProperty channel="X" name="resolution" value="1000" units="1/cm"/>
+          <inkml:channelProperty channel="Y" name="resolution" value="1000" units="1/cm"/>
+        </inkml:channelProperties>
+      </inkml:inkSource>
+      <inkml:timestamp xml:id="ts0" timeString="2023-05-02T13:40:21.497"/>
+    </inkml:context>
+    <inkml:brush xml:id="br0">
+      <inkml:brushProperty name="width" value="0.5" units="cm"/>
+      <inkml:brushProperty name="height" value="1" units="cm"/>
+      <inkml:brushProperty name="color" value="#FFFC00"/>
+      <inkml:brushProperty name="tip" value="rectangle"/>
+      <inkml:brushProperty name="rasterOp" value="maskPen"/>
+      <inkml:brushProperty name="ignorePressure" value="1"/>
+    </inkml:brush>
+  </inkml:definitions>
+  <inkml:trace contextRef="#ctx0" brushRef="#br0">1 0,'0'0</inkml:trace>
+</inkml:ink>
+</file>
+
+<file path=ppt/ink/ink39.xml><?xml version="1.0" encoding="utf-8"?>
+<inkml:ink xmlns:inkml="http://www.w3.org/2003/InkML">
+  <inkml:definitions>
+    <inkml:context xml:id="ctx0">
+      <inkml:inkSource xml:id="inkSrc0">
+        <inkml:traceFormat>
+          <inkml:channel name="X" type="integer" min="-2.14748E9" max="2.14748E9" units="cm"/>
+          <inkml:channel name="Y" type="integer" min="-2.14748E9" max="2.14748E9" units="cm"/>
+        </inkml:traceFormat>
+        <inkml:channelProperties>
+          <inkml:channelProperty channel="X" name="resolution" value="1000" units="1/cm"/>
+          <inkml:channelProperty channel="Y" name="resolution" value="1000" units="1/cm"/>
+        </inkml:channelProperties>
+      </inkml:inkSource>
+      <inkml:timestamp xml:id="ts0" timeString="2023-05-02T13:40:58.956"/>
+    </inkml:context>
+    <inkml:brush xml:id="br0">
+      <inkml:brushProperty name="width" value="0.5" units="cm"/>
+      <inkml:brushProperty name="height" value="1" units="cm"/>
+      <inkml:brushProperty name="color" value="#FFFC00"/>
+      <inkml:brushProperty name="tip" value="rectangle"/>
+      <inkml:brushProperty name="rasterOp" value="maskPen"/>
+      <inkml:brushProperty name="ignorePressure" value="1"/>
+    </inkml:brush>
+  </inkml:definitions>
+  <inkml:trace contextRef="#ctx0" brushRef="#br0">1 0,'58'3,"98"17,-93-10,70 3,642-12,-370-3,319 2,-685 0</inkml:trace>
+</inkml:ink>
+</file>
+
+<file path=ppt/ink/ink4.xml><?xml version="1.0" encoding="utf-8"?>
 <inkml:ink xmlns:inkml="http://www.w3.org/2003/InkML">
   <inkml:definitions>
     <inkml:context xml:id="ctx0">
@@ -815,267 +1133,7 @@
 </inkml:ink>
 </file>
 
-<file path=ppt/ink/ink30.xml><?xml version="1.0" encoding="utf-8"?>
-<inkml:ink xmlns:inkml="http://www.w3.org/2003/InkML">
-  <inkml:definitions>
-    <inkml:context xml:id="ctx0">
-      <inkml:inkSource xml:id="inkSrc0">
-        <inkml:traceFormat>
-          <inkml:channel name="X" type="integer" min="-2.14748E9" max="2.14748E9" units="cm"/>
-          <inkml:channel name="Y" type="integer" min="-2.14748E9" max="2.14748E9" units="cm"/>
-        </inkml:traceFormat>
-        <inkml:channelProperties>
-          <inkml:channelProperty channel="X" name="resolution" value="1000" units="1/cm"/>
-          <inkml:channelProperty channel="Y" name="resolution" value="1000" units="1/cm"/>
-        </inkml:channelProperties>
-      </inkml:inkSource>
-      <inkml:timestamp xml:id="ts0" timeString="2023-05-05T18:18:26.621"/>
-    </inkml:context>
-    <inkml:brush xml:id="br0">
-      <inkml:brushProperty name="width" value="0.4" units="cm"/>
-      <inkml:brushProperty name="height" value="0.8" units="cm"/>
-      <inkml:brushProperty name="color" value="#C0E494"/>
-      <inkml:brushProperty name="tip" value="rectangle"/>
-      <inkml:brushProperty name="rasterOp" value="maskPen"/>
-      <inkml:brushProperty name="ignorePressure" value="1"/>
-    </inkml:brush>
-  </inkml:definitions>
-  <inkml:trace contextRef="#ctx0" brushRef="#br0">1 0,'5761'0,"-5722"0</inkml:trace>
-</inkml:ink>
-</file>
-
-<file path=ppt/ink/ink31.xml><?xml version="1.0" encoding="utf-8"?>
-<inkml:ink xmlns:inkml="http://www.w3.org/2003/InkML">
-  <inkml:definitions>
-    <inkml:context xml:id="ctx0">
-      <inkml:inkSource xml:id="inkSrc0">
-        <inkml:traceFormat>
-          <inkml:channel name="X" type="integer" min="-2.14748E9" max="2.14748E9" units="cm"/>
-          <inkml:channel name="Y" type="integer" min="-2.14748E9" max="2.14748E9" units="cm"/>
-          <inkml:channel name="F" type="integer" max="32767" units="dev"/>
-        </inkml:traceFormat>
-        <inkml:channelProperties>
-          <inkml:channelProperty channel="X" name="resolution" value="1000" units="1/cm"/>
-          <inkml:channelProperty channel="Y" name="resolution" value="1000" units="1/cm"/>
-          <inkml:channelProperty channel="F" name="resolution" value="0" units="1/dev"/>
-        </inkml:channelProperties>
-      </inkml:inkSource>
-      <inkml:timestamp xml:id="ts0" timeString="2023-05-02T12:57:08.482"/>
-    </inkml:context>
-    <inkml:brush xml:id="br0">
-      <inkml:brushProperty name="width" value="0.35" units="cm"/>
-      <inkml:brushProperty name="height" value="0.35" units="cm"/>
-      <inkml:brushProperty name="color" value="#FFFFFF"/>
-    </inkml:brush>
-  </inkml:definitions>
-  <inkml:trace contextRef="#ctx0" brushRef="#br0">0 0 24575,'0'0'-8191</inkml:trace>
-</inkml:ink>
-</file>
-
-<file path=ppt/ink/ink32.xml><?xml version="1.0" encoding="utf-8"?>
-<inkml:ink xmlns:inkml="http://www.w3.org/2003/InkML">
-  <inkml:definitions>
-    <inkml:context xml:id="ctx0">
-      <inkml:inkSource xml:id="inkSrc0">
-        <inkml:traceFormat>
-          <inkml:channel name="X" type="integer" min="-2.14748E9" max="2.14748E9" units="cm"/>
-          <inkml:channel name="Y" type="integer" min="-2.14748E9" max="2.14748E9" units="cm"/>
-        </inkml:traceFormat>
-        <inkml:channelProperties>
-          <inkml:channelProperty channel="X" name="resolution" value="1000" units="1/cm"/>
-          <inkml:channelProperty channel="Y" name="resolution" value="1000" units="1/cm"/>
-        </inkml:channelProperties>
-      </inkml:inkSource>
-      <inkml:timestamp xml:id="ts0" timeString="2023-05-05T18:18:39.338"/>
-    </inkml:context>
-    <inkml:brush xml:id="br0">
-      <inkml:brushProperty name="width" value="0.4" units="cm"/>
-      <inkml:brushProperty name="height" value="0.8" units="cm"/>
-      <inkml:brushProperty name="color" value="#C0E494"/>
-      <inkml:brushProperty name="tip" value="rectangle"/>
-      <inkml:brushProperty name="rasterOp" value="maskPen"/>
-      <inkml:brushProperty name="ignorePressure" value="1"/>
-    </inkml:brush>
-  </inkml:definitions>
-  <inkml:trace contextRef="#ctx0" brushRef="#br0">1 0,'3675'0,"-3636"0</inkml:trace>
-</inkml:ink>
-</file>
-
-<file path=ppt/ink/ink33.xml><?xml version="1.0" encoding="utf-8"?>
-<inkml:ink xmlns:inkml="http://www.w3.org/2003/InkML">
-  <inkml:definitions>
-    <inkml:context xml:id="ctx0">
-      <inkml:inkSource xml:id="inkSrc0">
-        <inkml:traceFormat>
-          <inkml:channel name="X" type="integer" min="-2.14748E9" max="2.14748E9" units="cm"/>
-          <inkml:channel name="Y" type="integer" min="-2.14748E9" max="2.14748E9" units="cm"/>
-        </inkml:traceFormat>
-        <inkml:channelProperties>
-          <inkml:channelProperty channel="X" name="resolution" value="1000" units="1/cm"/>
-          <inkml:channelProperty channel="Y" name="resolution" value="1000" units="1/cm"/>
-        </inkml:channelProperties>
-      </inkml:inkSource>
-      <inkml:timestamp xml:id="ts0" timeString="2023-05-05T18:18:49.817"/>
-    </inkml:context>
-    <inkml:brush xml:id="br0">
-      <inkml:brushProperty name="width" value="0.4" units="cm"/>
-      <inkml:brushProperty name="height" value="0.8" units="cm"/>
-      <inkml:brushProperty name="color" value="#C0E494"/>
-      <inkml:brushProperty name="tip" value="rectangle"/>
-      <inkml:brushProperty name="rasterOp" value="maskPen"/>
-      <inkml:brushProperty name="ignorePressure" value="1"/>
-    </inkml:brush>
-  </inkml:definitions>
-  <inkml:trace contextRef="#ctx0" brushRef="#br0">1 1,'5704'0,"-5672"0</inkml:trace>
-</inkml:ink>
-</file>
-
-<file path=ppt/ink/ink34.xml><?xml version="1.0" encoding="utf-8"?>
-<inkml:ink xmlns:inkml="http://www.w3.org/2003/InkML">
-  <inkml:definitions>
-    <inkml:context xml:id="ctx0">
-      <inkml:inkSource xml:id="inkSrc0">
-        <inkml:traceFormat>
-          <inkml:channel name="X" type="integer" min="-2.14748E9" max="2.14748E9" units="cm"/>
-          <inkml:channel name="Y" type="integer" min="-2.14748E9" max="2.14748E9" units="cm"/>
-        </inkml:traceFormat>
-        <inkml:channelProperties>
-          <inkml:channelProperty channel="X" name="resolution" value="1000" units="1/cm"/>
-          <inkml:channelProperty channel="Y" name="resolution" value="1000" units="1/cm"/>
-        </inkml:channelProperties>
-      </inkml:inkSource>
-      <inkml:timestamp xml:id="ts0" timeString="2023-05-05T18:19:12.517"/>
-    </inkml:context>
-    <inkml:brush xml:id="br0">
-      <inkml:brushProperty name="width" value="0.4" units="cm"/>
-      <inkml:brushProperty name="height" value="0.8" units="cm"/>
-      <inkml:brushProperty name="color" value="#C0E494"/>
-      <inkml:brushProperty name="tip" value="rectangle"/>
-      <inkml:brushProperty name="rasterOp" value="maskPen"/>
-      <inkml:brushProperty name="ignorePressure" value="1"/>
-    </inkml:brush>
-  </inkml:definitions>
-  <inkml:trace contextRef="#ctx0" brushRef="#br0">1 1,'6133'0,"-6100"0</inkml:trace>
-</inkml:ink>
-</file>
-
-<file path=ppt/ink/ink35.xml><?xml version="1.0" encoding="utf-8"?>
-<inkml:ink xmlns:inkml="http://www.w3.org/2003/InkML">
-  <inkml:definitions>
-    <inkml:context xml:id="ctx0">
-      <inkml:inkSource xml:id="inkSrc0">
-        <inkml:traceFormat>
-          <inkml:channel name="X" type="integer" min="-2.14748E9" max="2.14748E9" units="cm"/>
-          <inkml:channel name="Y" type="integer" min="-2.14748E9" max="2.14748E9" units="cm"/>
-        </inkml:traceFormat>
-        <inkml:channelProperties>
-          <inkml:channelProperty channel="X" name="resolution" value="1000" units="1/cm"/>
-          <inkml:channelProperty channel="Y" name="resolution" value="1000" units="1/cm"/>
-        </inkml:channelProperties>
-      </inkml:inkSource>
-      <inkml:timestamp xml:id="ts0" timeString="2023-05-05T18:19:25.419"/>
-    </inkml:context>
-    <inkml:brush xml:id="br0">
-      <inkml:brushProperty name="width" value="0.4" units="cm"/>
-      <inkml:brushProperty name="height" value="0.8" units="cm"/>
-      <inkml:brushProperty name="color" value="#C0E494"/>
-      <inkml:brushProperty name="tip" value="rectangle"/>
-      <inkml:brushProperty name="rasterOp" value="maskPen"/>
-      <inkml:brushProperty name="ignorePressure" value="1"/>
-    </inkml:brush>
-  </inkml:definitions>
-  <inkml:trace contextRef="#ctx0" brushRef="#br0">0 1,'2996'0,"-2957"0</inkml:trace>
-</inkml:ink>
-</file>
-
-<file path=ppt/ink/ink36.xml><?xml version="1.0" encoding="utf-8"?>
-<inkml:ink xmlns:inkml="http://www.w3.org/2003/InkML">
-  <inkml:definitions>
-    <inkml:context xml:id="ctx0">
-      <inkml:inkSource xml:id="inkSrc0">
-        <inkml:traceFormat>
-          <inkml:channel name="X" type="integer" min="-2.14748E9" max="2.14748E9" units="cm"/>
-          <inkml:channel name="Y" type="integer" min="-2.14748E9" max="2.14748E9" units="cm"/>
-        </inkml:traceFormat>
-        <inkml:channelProperties>
-          <inkml:channelProperty channel="X" name="resolution" value="1000" units="1/cm"/>
-          <inkml:channelProperty channel="Y" name="resolution" value="1000" units="1/cm"/>
-        </inkml:channelProperties>
-      </inkml:inkSource>
-      <inkml:timestamp xml:id="ts0" timeString="2023-05-05T18:20:12.017"/>
-    </inkml:context>
-    <inkml:brush xml:id="br0">
-      <inkml:brushProperty name="width" value="0.4" units="cm"/>
-      <inkml:brushProperty name="height" value="0.8" units="cm"/>
-      <inkml:brushProperty name="color" value="#C0E494"/>
-      <inkml:brushProperty name="tip" value="rectangle"/>
-      <inkml:brushProperty name="rasterOp" value="maskPen"/>
-      <inkml:brushProperty name="ignorePressure" value="1"/>
-    </inkml:brush>
-  </inkml:definitions>
-  <inkml:trace contextRef="#ctx0" brushRef="#br0">0 0,'9934'0,"-9895"0</inkml:trace>
-</inkml:ink>
-</file>
-
-<file path=ppt/ink/ink37.xml><?xml version="1.0" encoding="utf-8"?>
-<inkml:ink xmlns:inkml="http://www.w3.org/2003/InkML">
-  <inkml:definitions>
-    <inkml:context xml:id="ctx0">
-      <inkml:inkSource xml:id="inkSrc0">
-        <inkml:traceFormat>
-          <inkml:channel name="X" type="integer" min="-2.14748E9" max="2.14748E9" units="cm"/>
-          <inkml:channel name="Y" type="integer" min="-2.14748E9" max="2.14748E9" units="cm"/>
-        </inkml:traceFormat>
-        <inkml:channelProperties>
-          <inkml:channelProperty channel="X" name="resolution" value="1000" units="1/cm"/>
-          <inkml:channelProperty channel="Y" name="resolution" value="1000" units="1/cm"/>
-        </inkml:channelProperties>
-      </inkml:inkSource>
-      <inkml:timestamp xml:id="ts0" timeString="2023-05-02T13:40:21.497"/>
-    </inkml:context>
-    <inkml:brush xml:id="br0">
-      <inkml:brushProperty name="width" value="0.5" units="cm"/>
-      <inkml:brushProperty name="height" value="1" units="cm"/>
-      <inkml:brushProperty name="color" value="#FFFC00"/>
-      <inkml:brushProperty name="tip" value="rectangle"/>
-      <inkml:brushProperty name="rasterOp" value="maskPen"/>
-      <inkml:brushProperty name="ignorePressure" value="1"/>
-    </inkml:brush>
-  </inkml:definitions>
-  <inkml:trace contextRef="#ctx0" brushRef="#br0">1 0,'0'0</inkml:trace>
-</inkml:ink>
-</file>
-
-<file path=ppt/ink/ink38.xml><?xml version="1.0" encoding="utf-8"?>
-<inkml:ink xmlns:inkml="http://www.w3.org/2003/InkML">
-  <inkml:definitions>
-    <inkml:context xml:id="ctx0">
-      <inkml:inkSource xml:id="inkSrc0">
-        <inkml:traceFormat>
-          <inkml:channel name="X" type="integer" min="-2.14748E9" max="2.14748E9" units="cm"/>
-          <inkml:channel name="Y" type="integer" min="-2.14748E9" max="2.14748E9" units="cm"/>
-        </inkml:traceFormat>
-        <inkml:channelProperties>
-          <inkml:channelProperty channel="X" name="resolution" value="1000" units="1/cm"/>
-          <inkml:channelProperty channel="Y" name="resolution" value="1000" units="1/cm"/>
-        </inkml:channelProperties>
-      </inkml:inkSource>
-      <inkml:timestamp xml:id="ts0" timeString="2023-05-02T13:40:58.956"/>
-    </inkml:context>
-    <inkml:brush xml:id="br0">
-      <inkml:brushProperty name="width" value="0.5" units="cm"/>
-      <inkml:brushProperty name="height" value="1" units="cm"/>
-      <inkml:brushProperty name="color" value="#FFFC00"/>
-      <inkml:brushProperty name="tip" value="rectangle"/>
-      <inkml:brushProperty name="rasterOp" value="maskPen"/>
-      <inkml:brushProperty name="ignorePressure" value="1"/>
-    </inkml:brush>
-  </inkml:definitions>
-  <inkml:trace contextRef="#ctx0" brushRef="#br0">1 0,'58'3,"98"17,-93-10,70 3,642-12,-370-3,319 2,-685 0</inkml:trace>
-</inkml:ink>
-</file>
-
-<file path=ppt/ink/ink39.xml><?xml version="1.0" encoding="utf-8"?>
+<file path=ppt/ink/ink40.xml><?xml version="1.0" encoding="utf-8"?>
 <inkml:ink xmlns:inkml="http://www.w3.org/2003/InkML">
   <inkml:definitions>
     <inkml:context xml:id="ctx0">
@@ -1104,7 +1162,268 @@
 </inkml:ink>
 </file>
 
-<file path=ppt/ink/ink4.xml><?xml version="1.0" encoding="utf-8"?>
+<file path=ppt/ink/ink41.xml><?xml version="1.0" encoding="utf-8"?>
+<inkml:ink xmlns:inkml="http://www.w3.org/2003/InkML">
+  <inkml:definitions>
+    <inkml:context xml:id="ctx0">
+      <inkml:inkSource xml:id="inkSrc0">
+        <inkml:traceFormat>
+          <inkml:channel name="X" type="integer" min="-2.14748E9" max="2.14748E9" units="cm"/>
+          <inkml:channel name="Y" type="integer" min="-2.14748E9" max="2.14748E9" units="cm"/>
+        </inkml:traceFormat>
+        <inkml:channelProperties>
+          <inkml:channelProperty channel="X" name="resolution" value="1000" units="1/cm"/>
+          <inkml:channelProperty channel="Y" name="resolution" value="1000" units="1/cm"/>
+        </inkml:channelProperties>
+      </inkml:inkSource>
+      <inkml:timestamp xml:id="ts0" timeString="2023-05-02T13:41:18.640"/>
+    </inkml:context>
+    <inkml:brush xml:id="br0">
+      <inkml:brushProperty name="width" value="0.5" units="cm"/>
+      <inkml:brushProperty name="height" value="1" units="cm"/>
+      <inkml:brushProperty name="color" value="#FFFC00"/>
+      <inkml:brushProperty name="tip" value="rectangle"/>
+      <inkml:brushProperty name="rasterOp" value="maskPen"/>
+      <inkml:brushProperty name="ignorePressure" value="1"/>
+    </inkml:brush>
+  </inkml:definitions>
+  <inkml:trace contextRef="#ctx0" brushRef="#br0">1 1,'2451'0,"-2412"0</inkml:trace>
+</inkml:ink>
+</file>
+
+<file path=ppt/ink/ink42.xml><?xml version="1.0" encoding="utf-8"?>
+<inkml:ink xmlns:inkml="http://www.w3.org/2003/InkML">
+  <inkml:definitions>
+    <inkml:context xml:id="ctx0">
+      <inkml:inkSource xml:id="inkSrc0">
+        <inkml:traceFormat>
+          <inkml:channel name="X" type="integer" min="-2.14748E9" max="2.14748E9" units="cm"/>
+          <inkml:channel name="Y" type="integer" min="-2.14748E9" max="2.14748E9" units="cm"/>
+        </inkml:traceFormat>
+        <inkml:channelProperties>
+          <inkml:channelProperty channel="X" name="resolution" value="1000" units="1/cm"/>
+          <inkml:channelProperty channel="Y" name="resolution" value="1000" units="1/cm"/>
+        </inkml:channelProperties>
+      </inkml:inkSource>
+      <inkml:timestamp xml:id="ts0" timeString="2023-05-02T13:41:21.984"/>
+    </inkml:context>
+    <inkml:brush xml:id="br0">
+      <inkml:brushProperty name="width" value="0.5" units="cm"/>
+      <inkml:brushProperty name="height" value="1" units="cm"/>
+      <inkml:brushProperty name="color" value="#FFFC00"/>
+      <inkml:brushProperty name="tip" value="rectangle"/>
+      <inkml:brushProperty name="rasterOp" value="maskPen"/>
+      <inkml:brushProperty name="ignorePressure" value="1"/>
+    </inkml:brush>
+  </inkml:definitions>
+  <inkml:trace contextRef="#ctx0" brushRef="#br0">1 0,'1818'0,"-1791"2,1 1,-1 1,37 10,-32-6,62 7,77 6,-26-1,295-13,-244-10,710 3,-867 0</inkml:trace>
+</inkml:ink>
+</file>
+
+<file path=ppt/ink/ink43.xml><?xml version="1.0" encoding="utf-8"?>
+<inkml:ink xmlns:inkml="http://www.w3.org/2003/InkML">
+  <inkml:definitions>
+    <inkml:context xml:id="ctx0">
+      <inkml:inkSource xml:id="inkSrc0">
+        <inkml:traceFormat>
+          <inkml:channel name="X" type="integer" min="-2.14748E9" max="2.14748E9" units="cm"/>
+          <inkml:channel name="Y" type="integer" min="-2.14748E9" max="2.14748E9" units="cm"/>
+        </inkml:traceFormat>
+        <inkml:channelProperties>
+          <inkml:channelProperty channel="X" name="resolution" value="1000" units="1/cm"/>
+          <inkml:channelProperty channel="Y" name="resolution" value="1000" units="1/cm"/>
+        </inkml:channelProperties>
+      </inkml:inkSource>
+      <inkml:timestamp xml:id="ts0" timeString="2023-05-02T13:41:25.415"/>
+    </inkml:context>
+    <inkml:brush xml:id="br0">
+      <inkml:brushProperty name="width" value="0.5" units="cm"/>
+      <inkml:brushProperty name="height" value="1" units="cm"/>
+      <inkml:brushProperty name="color" value="#FFFC00"/>
+      <inkml:brushProperty name="tip" value="rectangle"/>
+      <inkml:brushProperty name="rasterOp" value="maskPen"/>
+      <inkml:brushProperty name="ignorePressure" value="1"/>
+    </inkml:brush>
+  </inkml:definitions>
+  <inkml:trace contextRef="#ctx0" brushRef="#br0">1 19,'2270'0,"-2257"0,0 0,1-1,-1-1,15-3,1-5</inkml:trace>
+</inkml:ink>
+</file>
+
+<file path=ppt/ink/ink44.xml><?xml version="1.0" encoding="utf-8"?>
+<inkml:ink xmlns:inkml="http://www.w3.org/2003/InkML">
+  <inkml:definitions>
+    <inkml:context xml:id="ctx0">
+      <inkml:inkSource xml:id="inkSrc0">
+        <inkml:traceFormat>
+          <inkml:channel name="X" type="integer" min="-2.14748E9" max="2.14748E9" units="cm"/>
+          <inkml:channel name="Y" type="integer" min="-2.14748E9" max="2.14748E9" units="cm"/>
+        </inkml:traceFormat>
+        <inkml:channelProperties>
+          <inkml:channelProperty channel="X" name="resolution" value="1000" units="1/cm"/>
+          <inkml:channelProperty channel="Y" name="resolution" value="1000" units="1/cm"/>
+        </inkml:channelProperties>
+      </inkml:inkSource>
+      <inkml:timestamp xml:id="ts0" timeString="2023-05-02T13:41:40.349"/>
+    </inkml:context>
+    <inkml:brush xml:id="br0">
+      <inkml:brushProperty name="width" value="0.5" units="cm"/>
+      <inkml:brushProperty name="height" value="1" units="cm"/>
+      <inkml:brushProperty name="color" value="#FFFC00"/>
+      <inkml:brushProperty name="tip" value="rectangle"/>
+      <inkml:brushProperty name="rasterOp" value="maskPen"/>
+      <inkml:brushProperty name="ignorePressure" value="1"/>
+    </inkml:brush>
+  </inkml:definitions>
+  <inkml:trace contextRef="#ctx0" brushRef="#br0">0 1,'67'3,"-1"4,129 30,-127-22,0-2,114 6,427-20,-228-2,1749 3,-2091 0</inkml:trace>
+</inkml:ink>
+</file>
+
+<file path=ppt/ink/ink45.xml><?xml version="1.0" encoding="utf-8"?>
+<inkml:ink xmlns:inkml="http://www.w3.org/2003/InkML">
+  <inkml:definitions>
+    <inkml:context xml:id="ctx0">
+      <inkml:inkSource xml:id="inkSrc0">
+        <inkml:traceFormat>
+          <inkml:channel name="X" type="integer" min="-2.14748E9" max="2.14748E9" units="cm"/>
+          <inkml:channel name="Y" type="integer" min="-2.14748E9" max="2.14748E9" units="cm"/>
+        </inkml:traceFormat>
+        <inkml:channelProperties>
+          <inkml:channelProperty channel="X" name="resolution" value="1000" units="1/cm"/>
+          <inkml:channelProperty channel="Y" name="resolution" value="1000" units="1/cm"/>
+        </inkml:channelProperties>
+      </inkml:inkSource>
+      <inkml:timestamp xml:id="ts0" timeString="2023-05-02T13:41:54.038"/>
+    </inkml:context>
+    <inkml:brush xml:id="br0">
+      <inkml:brushProperty name="width" value="0.5" units="cm"/>
+      <inkml:brushProperty name="height" value="1" units="cm"/>
+      <inkml:brushProperty name="color" value="#A9D8FF"/>
+      <inkml:brushProperty name="tip" value="rectangle"/>
+      <inkml:brushProperty name="rasterOp" value="maskPen"/>
+      <inkml:brushProperty name="ignorePressure" value="1"/>
+    </inkml:brush>
+  </inkml:definitions>
+  <inkml:trace contextRef="#ctx0" brushRef="#br0">1 1,'1318'0,"-1280"2,0 1,58 15,-50-9,54 4,358-10,-235-5,-206 2,0 1,-1 1,1 0,-1 2,18 4,-6 2</inkml:trace>
+</inkml:ink>
+</file>
+
+<file path=ppt/ink/ink46.xml><?xml version="1.0" encoding="utf-8"?>
+<inkml:ink xmlns:inkml="http://www.w3.org/2003/InkML">
+  <inkml:definitions>
+    <inkml:context xml:id="ctx0">
+      <inkml:inkSource xml:id="inkSrc0">
+        <inkml:traceFormat>
+          <inkml:channel name="X" type="integer" min="-2.14748E9" max="2.14748E9" units="cm"/>
+          <inkml:channel name="Y" type="integer" min="-2.14748E9" max="2.14748E9" units="cm"/>
+        </inkml:traceFormat>
+        <inkml:channelProperties>
+          <inkml:channelProperty channel="X" name="resolution" value="1000" units="1/cm"/>
+          <inkml:channelProperty channel="Y" name="resolution" value="1000" units="1/cm"/>
+        </inkml:channelProperties>
+      </inkml:inkSource>
+      <inkml:timestamp xml:id="ts0" timeString="2023-05-02T13:41:56.833"/>
+    </inkml:context>
+    <inkml:brush xml:id="br0">
+      <inkml:brushProperty name="width" value="0.5" units="cm"/>
+      <inkml:brushProperty name="height" value="1" units="cm"/>
+      <inkml:brushProperty name="color" value="#A9D8FF"/>
+      <inkml:brushProperty name="tip" value="rectangle"/>
+      <inkml:brushProperty name="rasterOp" value="maskPen"/>
+      <inkml:brushProperty name="ignorePressure" value="1"/>
+    </inkml:brush>
+  </inkml:definitions>
+  <inkml:trace contextRef="#ctx0" brushRef="#br0">1 1,'3856'0,"-3817"0</inkml:trace>
+</inkml:ink>
+</file>
+
+<file path=ppt/ink/ink47.xml><?xml version="1.0" encoding="utf-8"?>
+<inkml:ink xmlns:inkml="http://www.w3.org/2003/InkML">
+  <inkml:definitions>
+    <inkml:context xml:id="ctx0">
+      <inkml:inkSource xml:id="inkSrc0">
+        <inkml:traceFormat>
+          <inkml:channel name="X" type="integer" min="-2.14748E9" max="2.14748E9" units="cm"/>
+          <inkml:channel name="Y" type="integer" min="-2.14748E9" max="2.14748E9" units="cm"/>
+        </inkml:traceFormat>
+        <inkml:channelProperties>
+          <inkml:channelProperty channel="X" name="resolution" value="1000" units="1/cm"/>
+          <inkml:channelProperty channel="Y" name="resolution" value="1000" units="1/cm"/>
+        </inkml:channelProperties>
+      </inkml:inkSource>
+      <inkml:timestamp xml:id="ts0" timeString="2023-05-02T13:42:05.923"/>
+    </inkml:context>
+    <inkml:brush xml:id="br0">
+      <inkml:brushProperty name="width" value="0.5" units="cm"/>
+      <inkml:brushProperty name="height" value="1" units="cm"/>
+      <inkml:brushProperty name="color" value="#A9D8FF"/>
+      <inkml:brushProperty name="tip" value="rectangle"/>
+      <inkml:brushProperty name="rasterOp" value="maskPen"/>
+      <inkml:brushProperty name="ignorePressure" value="1"/>
+    </inkml:brush>
+  </inkml:definitions>
+  <inkml:trace contextRef="#ctx0" brushRef="#br0">0 1,'1409'0,"-1371"0</inkml:trace>
+</inkml:ink>
+</file>
+
+<file path=ppt/ink/ink48.xml><?xml version="1.0" encoding="utf-8"?>
+<inkml:ink xmlns:inkml="http://www.w3.org/2003/InkML">
+  <inkml:definitions>
+    <inkml:context xml:id="ctx0">
+      <inkml:inkSource xml:id="inkSrc0">
+        <inkml:traceFormat>
+          <inkml:channel name="X" type="integer" min="-2.14748E9" max="2.14748E9" units="cm"/>
+          <inkml:channel name="Y" type="integer" min="-2.14748E9" max="2.14748E9" units="cm"/>
+        </inkml:traceFormat>
+        <inkml:channelProperties>
+          <inkml:channelProperty channel="X" name="resolution" value="1000" units="1/cm"/>
+          <inkml:channelProperty channel="Y" name="resolution" value="1000" units="1/cm"/>
+        </inkml:channelProperties>
+      </inkml:inkSource>
+      <inkml:timestamp xml:id="ts0" timeString="2023-05-02T13:42:11.662"/>
+    </inkml:context>
+    <inkml:brush xml:id="br0">
+      <inkml:brushProperty name="width" value="0.5" units="cm"/>
+      <inkml:brushProperty name="height" value="1" units="cm"/>
+      <inkml:brushProperty name="color" value="#FFFC00"/>
+      <inkml:brushProperty name="tip" value="rectangle"/>
+      <inkml:brushProperty name="rasterOp" value="maskPen"/>
+      <inkml:brushProperty name="ignorePressure" value="1"/>
+    </inkml:brush>
+  </inkml:definitions>
+  <inkml:trace contextRef="#ctx0" brushRef="#br0">1 1,'1588'0,"-1550"0</inkml:trace>
+</inkml:ink>
+</file>
+
+<file path=ppt/ink/ink49.xml><?xml version="1.0" encoding="utf-8"?>
+<inkml:ink xmlns:inkml="http://www.w3.org/2003/InkML">
+  <inkml:definitions>
+    <inkml:context xml:id="ctx0">
+      <inkml:inkSource xml:id="inkSrc0">
+        <inkml:traceFormat>
+          <inkml:channel name="X" type="integer" min="-2.14748E9" max="2.14748E9" units="cm"/>
+          <inkml:channel name="Y" type="integer" min="-2.14748E9" max="2.14748E9" units="cm"/>
+        </inkml:traceFormat>
+        <inkml:channelProperties>
+          <inkml:channelProperty channel="X" name="resolution" value="1000" units="1/cm"/>
+          <inkml:channelProperty channel="Y" name="resolution" value="1000" units="1/cm"/>
+        </inkml:channelProperties>
+      </inkml:inkSource>
+      <inkml:timestamp xml:id="ts0" timeString="2023-05-05T18:20:30.299"/>
+    </inkml:context>
+    <inkml:brush xml:id="br0">
+      <inkml:brushProperty name="width" value="0.4" units="cm"/>
+      <inkml:brushProperty name="height" value="0.8" units="cm"/>
+      <inkml:brushProperty name="color" value="#C0E494"/>
+      <inkml:brushProperty name="tip" value="rectangle"/>
+      <inkml:brushProperty name="rasterOp" value="maskPen"/>
+      <inkml:brushProperty name="ignorePressure" value="1"/>
+    </inkml:brush>
+  </inkml:definitions>
+  <inkml:trace contextRef="#ctx0" brushRef="#br0">1 1,'3946'0,"-3907"0</inkml:trace>
+</inkml:ink>
+</file>
+
+<file path=ppt/ink/ink5.xml><?xml version="1.0" encoding="utf-8"?>
 <inkml:ink xmlns:inkml="http://www.w3.org/2003/InkML">
   <inkml:definitions>
     <inkml:context xml:id="ctx0">
@@ -1133,268 +1452,7 @@
 </inkml:ink>
 </file>
 
-<file path=ppt/ink/ink40.xml><?xml version="1.0" encoding="utf-8"?>
-<inkml:ink xmlns:inkml="http://www.w3.org/2003/InkML">
-  <inkml:definitions>
-    <inkml:context xml:id="ctx0">
-      <inkml:inkSource xml:id="inkSrc0">
-        <inkml:traceFormat>
-          <inkml:channel name="X" type="integer" min="-2.14748E9" max="2.14748E9" units="cm"/>
-          <inkml:channel name="Y" type="integer" min="-2.14748E9" max="2.14748E9" units="cm"/>
-        </inkml:traceFormat>
-        <inkml:channelProperties>
-          <inkml:channelProperty channel="X" name="resolution" value="1000" units="1/cm"/>
-          <inkml:channelProperty channel="Y" name="resolution" value="1000" units="1/cm"/>
-        </inkml:channelProperties>
-      </inkml:inkSource>
-      <inkml:timestamp xml:id="ts0" timeString="2023-05-02T13:41:18.640"/>
-    </inkml:context>
-    <inkml:brush xml:id="br0">
-      <inkml:brushProperty name="width" value="0.5" units="cm"/>
-      <inkml:brushProperty name="height" value="1" units="cm"/>
-      <inkml:brushProperty name="color" value="#FFFC00"/>
-      <inkml:brushProperty name="tip" value="rectangle"/>
-      <inkml:brushProperty name="rasterOp" value="maskPen"/>
-      <inkml:brushProperty name="ignorePressure" value="1"/>
-    </inkml:brush>
-  </inkml:definitions>
-  <inkml:trace contextRef="#ctx0" brushRef="#br0">1 1,'2451'0,"-2412"0</inkml:trace>
-</inkml:ink>
-</file>
-
-<file path=ppt/ink/ink41.xml><?xml version="1.0" encoding="utf-8"?>
-<inkml:ink xmlns:inkml="http://www.w3.org/2003/InkML">
-  <inkml:definitions>
-    <inkml:context xml:id="ctx0">
-      <inkml:inkSource xml:id="inkSrc0">
-        <inkml:traceFormat>
-          <inkml:channel name="X" type="integer" min="-2.14748E9" max="2.14748E9" units="cm"/>
-          <inkml:channel name="Y" type="integer" min="-2.14748E9" max="2.14748E9" units="cm"/>
-        </inkml:traceFormat>
-        <inkml:channelProperties>
-          <inkml:channelProperty channel="X" name="resolution" value="1000" units="1/cm"/>
-          <inkml:channelProperty channel="Y" name="resolution" value="1000" units="1/cm"/>
-        </inkml:channelProperties>
-      </inkml:inkSource>
-      <inkml:timestamp xml:id="ts0" timeString="2023-05-02T13:41:21.984"/>
-    </inkml:context>
-    <inkml:brush xml:id="br0">
-      <inkml:brushProperty name="width" value="0.5" units="cm"/>
-      <inkml:brushProperty name="height" value="1" units="cm"/>
-      <inkml:brushProperty name="color" value="#FFFC00"/>
-      <inkml:brushProperty name="tip" value="rectangle"/>
-      <inkml:brushProperty name="rasterOp" value="maskPen"/>
-      <inkml:brushProperty name="ignorePressure" value="1"/>
-    </inkml:brush>
-  </inkml:definitions>
-  <inkml:trace contextRef="#ctx0" brushRef="#br0">1 0,'1818'0,"-1791"2,1 1,-1 1,37 10,-32-6,62 7,77 6,-26-1,295-13,-244-10,710 3,-867 0</inkml:trace>
-</inkml:ink>
-</file>
-
-<file path=ppt/ink/ink42.xml><?xml version="1.0" encoding="utf-8"?>
-<inkml:ink xmlns:inkml="http://www.w3.org/2003/InkML">
-  <inkml:definitions>
-    <inkml:context xml:id="ctx0">
-      <inkml:inkSource xml:id="inkSrc0">
-        <inkml:traceFormat>
-          <inkml:channel name="X" type="integer" min="-2.14748E9" max="2.14748E9" units="cm"/>
-          <inkml:channel name="Y" type="integer" min="-2.14748E9" max="2.14748E9" units="cm"/>
-        </inkml:traceFormat>
-        <inkml:channelProperties>
-          <inkml:channelProperty channel="X" name="resolution" value="1000" units="1/cm"/>
-          <inkml:channelProperty channel="Y" name="resolution" value="1000" units="1/cm"/>
-        </inkml:channelProperties>
-      </inkml:inkSource>
-      <inkml:timestamp xml:id="ts0" timeString="2023-05-02T13:41:25.415"/>
-    </inkml:context>
-    <inkml:brush xml:id="br0">
-      <inkml:brushProperty name="width" value="0.5" units="cm"/>
-      <inkml:brushProperty name="height" value="1" units="cm"/>
-      <inkml:brushProperty name="color" value="#FFFC00"/>
-      <inkml:brushProperty name="tip" value="rectangle"/>
-      <inkml:brushProperty name="rasterOp" value="maskPen"/>
-      <inkml:brushProperty name="ignorePressure" value="1"/>
-    </inkml:brush>
-  </inkml:definitions>
-  <inkml:trace contextRef="#ctx0" brushRef="#br0">1 19,'2270'0,"-2257"0,0 0,1-1,-1-1,15-3,1-5</inkml:trace>
-</inkml:ink>
-</file>
-
-<file path=ppt/ink/ink43.xml><?xml version="1.0" encoding="utf-8"?>
-<inkml:ink xmlns:inkml="http://www.w3.org/2003/InkML">
-  <inkml:definitions>
-    <inkml:context xml:id="ctx0">
-      <inkml:inkSource xml:id="inkSrc0">
-        <inkml:traceFormat>
-          <inkml:channel name="X" type="integer" min="-2.14748E9" max="2.14748E9" units="cm"/>
-          <inkml:channel name="Y" type="integer" min="-2.14748E9" max="2.14748E9" units="cm"/>
-        </inkml:traceFormat>
-        <inkml:channelProperties>
-          <inkml:channelProperty channel="X" name="resolution" value="1000" units="1/cm"/>
-          <inkml:channelProperty channel="Y" name="resolution" value="1000" units="1/cm"/>
-        </inkml:channelProperties>
-      </inkml:inkSource>
-      <inkml:timestamp xml:id="ts0" timeString="2023-05-02T13:41:40.349"/>
-    </inkml:context>
-    <inkml:brush xml:id="br0">
-      <inkml:brushProperty name="width" value="0.5" units="cm"/>
-      <inkml:brushProperty name="height" value="1" units="cm"/>
-      <inkml:brushProperty name="color" value="#FFFC00"/>
-      <inkml:brushProperty name="tip" value="rectangle"/>
-      <inkml:brushProperty name="rasterOp" value="maskPen"/>
-      <inkml:brushProperty name="ignorePressure" value="1"/>
-    </inkml:brush>
-  </inkml:definitions>
-  <inkml:trace contextRef="#ctx0" brushRef="#br0">0 1,'67'3,"-1"4,129 30,-127-22,0-2,114 6,427-20,-228-2,1749 3,-2091 0</inkml:trace>
-</inkml:ink>
-</file>
-
-<file path=ppt/ink/ink44.xml><?xml version="1.0" encoding="utf-8"?>
-<inkml:ink xmlns:inkml="http://www.w3.org/2003/InkML">
-  <inkml:definitions>
-    <inkml:context xml:id="ctx0">
-      <inkml:inkSource xml:id="inkSrc0">
-        <inkml:traceFormat>
-          <inkml:channel name="X" type="integer" min="-2.14748E9" max="2.14748E9" units="cm"/>
-          <inkml:channel name="Y" type="integer" min="-2.14748E9" max="2.14748E9" units="cm"/>
-        </inkml:traceFormat>
-        <inkml:channelProperties>
-          <inkml:channelProperty channel="X" name="resolution" value="1000" units="1/cm"/>
-          <inkml:channelProperty channel="Y" name="resolution" value="1000" units="1/cm"/>
-        </inkml:channelProperties>
-      </inkml:inkSource>
-      <inkml:timestamp xml:id="ts0" timeString="2023-05-02T13:41:54.038"/>
-    </inkml:context>
-    <inkml:brush xml:id="br0">
-      <inkml:brushProperty name="width" value="0.5" units="cm"/>
-      <inkml:brushProperty name="height" value="1" units="cm"/>
-      <inkml:brushProperty name="color" value="#A9D8FF"/>
-      <inkml:brushProperty name="tip" value="rectangle"/>
-      <inkml:brushProperty name="rasterOp" value="maskPen"/>
-      <inkml:brushProperty name="ignorePressure" value="1"/>
-    </inkml:brush>
-  </inkml:definitions>
-  <inkml:trace contextRef="#ctx0" brushRef="#br0">1 1,'1318'0,"-1280"2,0 1,58 15,-50-9,54 4,358-10,-235-5,-206 2,0 1,-1 1,1 0,-1 2,18 4,-6 2</inkml:trace>
-</inkml:ink>
-</file>
-
-<file path=ppt/ink/ink45.xml><?xml version="1.0" encoding="utf-8"?>
-<inkml:ink xmlns:inkml="http://www.w3.org/2003/InkML">
-  <inkml:definitions>
-    <inkml:context xml:id="ctx0">
-      <inkml:inkSource xml:id="inkSrc0">
-        <inkml:traceFormat>
-          <inkml:channel name="X" type="integer" min="-2.14748E9" max="2.14748E9" units="cm"/>
-          <inkml:channel name="Y" type="integer" min="-2.14748E9" max="2.14748E9" units="cm"/>
-        </inkml:traceFormat>
-        <inkml:channelProperties>
-          <inkml:channelProperty channel="X" name="resolution" value="1000" units="1/cm"/>
-          <inkml:channelProperty channel="Y" name="resolution" value="1000" units="1/cm"/>
-        </inkml:channelProperties>
-      </inkml:inkSource>
-      <inkml:timestamp xml:id="ts0" timeString="2023-05-02T13:41:56.833"/>
-    </inkml:context>
-    <inkml:brush xml:id="br0">
-      <inkml:brushProperty name="width" value="0.5" units="cm"/>
-      <inkml:brushProperty name="height" value="1" units="cm"/>
-      <inkml:brushProperty name="color" value="#A9D8FF"/>
-      <inkml:brushProperty name="tip" value="rectangle"/>
-      <inkml:brushProperty name="rasterOp" value="maskPen"/>
-      <inkml:brushProperty name="ignorePressure" value="1"/>
-    </inkml:brush>
-  </inkml:definitions>
-  <inkml:trace contextRef="#ctx0" brushRef="#br0">1 1,'3856'0,"-3817"0</inkml:trace>
-</inkml:ink>
-</file>
-
-<file path=ppt/ink/ink46.xml><?xml version="1.0" encoding="utf-8"?>
-<inkml:ink xmlns:inkml="http://www.w3.org/2003/InkML">
-  <inkml:definitions>
-    <inkml:context xml:id="ctx0">
-      <inkml:inkSource xml:id="inkSrc0">
-        <inkml:traceFormat>
-          <inkml:channel name="X" type="integer" min="-2.14748E9" max="2.14748E9" units="cm"/>
-          <inkml:channel name="Y" type="integer" min="-2.14748E9" max="2.14748E9" units="cm"/>
-        </inkml:traceFormat>
-        <inkml:channelProperties>
-          <inkml:channelProperty channel="X" name="resolution" value="1000" units="1/cm"/>
-          <inkml:channelProperty channel="Y" name="resolution" value="1000" units="1/cm"/>
-        </inkml:channelProperties>
-      </inkml:inkSource>
-      <inkml:timestamp xml:id="ts0" timeString="2023-05-02T13:42:05.923"/>
-    </inkml:context>
-    <inkml:brush xml:id="br0">
-      <inkml:brushProperty name="width" value="0.5" units="cm"/>
-      <inkml:brushProperty name="height" value="1" units="cm"/>
-      <inkml:brushProperty name="color" value="#A9D8FF"/>
-      <inkml:brushProperty name="tip" value="rectangle"/>
-      <inkml:brushProperty name="rasterOp" value="maskPen"/>
-      <inkml:brushProperty name="ignorePressure" value="1"/>
-    </inkml:brush>
-  </inkml:definitions>
-  <inkml:trace contextRef="#ctx0" brushRef="#br0">0 1,'1409'0,"-1371"0</inkml:trace>
-</inkml:ink>
-</file>
-
-<file path=ppt/ink/ink47.xml><?xml version="1.0" encoding="utf-8"?>
-<inkml:ink xmlns:inkml="http://www.w3.org/2003/InkML">
-  <inkml:definitions>
-    <inkml:context xml:id="ctx0">
-      <inkml:inkSource xml:id="inkSrc0">
-        <inkml:traceFormat>
-          <inkml:channel name="X" type="integer" min="-2.14748E9" max="2.14748E9" units="cm"/>
-          <inkml:channel name="Y" type="integer" min="-2.14748E9" max="2.14748E9" units="cm"/>
-        </inkml:traceFormat>
-        <inkml:channelProperties>
-          <inkml:channelProperty channel="X" name="resolution" value="1000" units="1/cm"/>
-          <inkml:channelProperty channel="Y" name="resolution" value="1000" units="1/cm"/>
-        </inkml:channelProperties>
-      </inkml:inkSource>
-      <inkml:timestamp xml:id="ts0" timeString="2023-05-02T13:42:11.662"/>
-    </inkml:context>
-    <inkml:brush xml:id="br0">
-      <inkml:brushProperty name="width" value="0.5" units="cm"/>
-      <inkml:brushProperty name="height" value="1" units="cm"/>
-      <inkml:brushProperty name="color" value="#FFFC00"/>
-      <inkml:brushProperty name="tip" value="rectangle"/>
-      <inkml:brushProperty name="rasterOp" value="maskPen"/>
-      <inkml:brushProperty name="ignorePressure" value="1"/>
-    </inkml:brush>
-  </inkml:definitions>
-  <inkml:trace contextRef="#ctx0" brushRef="#br0">1 1,'1588'0,"-1550"0</inkml:trace>
-</inkml:ink>
-</file>
-
-<file path=ppt/ink/ink48.xml><?xml version="1.0" encoding="utf-8"?>
-<inkml:ink xmlns:inkml="http://www.w3.org/2003/InkML">
-  <inkml:definitions>
-    <inkml:context xml:id="ctx0">
-      <inkml:inkSource xml:id="inkSrc0">
-        <inkml:traceFormat>
-          <inkml:channel name="X" type="integer" min="-2.14748E9" max="2.14748E9" units="cm"/>
-          <inkml:channel name="Y" type="integer" min="-2.14748E9" max="2.14748E9" units="cm"/>
-        </inkml:traceFormat>
-        <inkml:channelProperties>
-          <inkml:channelProperty channel="X" name="resolution" value="1000" units="1/cm"/>
-          <inkml:channelProperty channel="Y" name="resolution" value="1000" units="1/cm"/>
-        </inkml:channelProperties>
-      </inkml:inkSource>
-      <inkml:timestamp xml:id="ts0" timeString="2023-05-05T18:20:30.299"/>
-    </inkml:context>
-    <inkml:brush xml:id="br0">
-      <inkml:brushProperty name="width" value="0.4" units="cm"/>
-      <inkml:brushProperty name="height" value="0.8" units="cm"/>
-      <inkml:brushProperty name="color" value="#C0E494"/>
-      <inkml:brushProperty name="tip" value="rectangle"/>
-      <inkml:brushProperty name="rasterOp" value="maskPen"/>
-      <inkml:brushProperty name="ignorePressure" value="1"/>
-    </inkml:brush>
-  </inkml:definitions>
-  <inkml:trace contextRef="#ctx0" brushRef="#br0">1 1,'3946'0,"-3907"0</inkml:trace>
-</inkml:ink>
-</file>
-
-<file path=ppt/ink/ink49.xml><?xml version="1.0" encoding="utf-8"?>
+<file path=ppt/ink/ink50.xml><?xml version="1.0" encoding="utf-8"?>
 <inkml:ink xmlns:inkml="http://www.w3.org/2003/InkML">
   <inkml:definitions>
     <inkml:context xml:id="ctx0">
@@ -1423,36 +1481,7 @@
 </inkml:ink>
 </file>
 
-<file path=ppt/ink/ink5.xml><?xml version="1.0" encoding="utf-8"?>
-<inkml:ink xmlns:inkml="http://www.w3.org/2003/InkML">
-  <inkml:definitions>
-    <inkml:context xml:id="ctx0">
-      <inkml:inkSource xml:id="inkSrc0">
-        <inkml:traceFormat>
-          <inkml:channel name="X" type="integer" min="-2.14748E9" max="2.14748E9" units="cm"/>
-          <inkml:channel name="Y" type="integer" min="-2.14748E9" max="2.14748E9" units="cm"/>
-        </inkml:traceFormat>
-        <inkml:channelProperties>
-          <inkml:channelProperty channel="X" name="resolution" value="1000" units="1/cm"/>
-          <inkml:channelProperty channel="Y" name="resolution" value="1000" units="1/cm"/>
-        </inkml:channelProperties>
-      </inkml:inkSource>
-      <inkml:timestamp xml:id="ts0" timeString="2023-05-05T18:17:35.563"/>
-    </inkml:context>
-    <inkml:brush xml:id="br0">
-      <inkml:brushProperty name="width" value="0.4" units="cm"/>
-      <inkml:brushProperty name="height" value="0.8" units="cm"/>
-      <inkml:brushProperty name="color" value="#C0E494"/>
-      <inkml:brushProperty name="tip" value="rectangle"/>
-      <inkml:brushProperty name="rasterOp" value="maskPen"/>
-      <inkml:brushProperty name="ignorePressure" value="1"/>
-    </inkml:brush>
-  </inkml:definitions>
-  <inkml:trace contextRef="#ctx0" brushRef="#br0">0 1,'1761'0,"-1731"0</inkml:trace>
-</inkml:ink>
-</file>
-
-<file path=ppt/ink/ink50.xml><?xml version="1.0" encoding="utf-8"?>
+<file path=ppt/ink/ink51.xml><?xml version="1.0" encoding="utf-8"?>
 <inkml:ink xmlns:inkml="http://www.w3.org/2003/InkML">
   <inkml:definitions>
     <inkml:context xml:id="ctx0">
@@ -1481,7 +1510,7 @@
 </inkml:ink>
 </file>
 
-<file path=ppt/ink/ink51.xml><?xml version="1.0" encoding="utf-8"?>
+<file path=ppt/ink/ink52.xml><?xml version="1.0" encoding="utf-8"?>
 <inkml:ink xmlns:inkml="http://www.w3.org/2003/InkML">
   <inkml:definitions>
     <inkml:context xml:id="ctx0">
@@ -1510,7 +1539,7 @@
 </inkml:ink>
 </file>
 
-<file path=ppt/ink/ink52.xml><?xml version="1.0" encoding="utf-8"?>
+<file path=ppt/ink/ink53.xml><?xml version="1.0" encoding="utf-8"?>
 <inkml:ink xmlns:inkml="http://www.w3.org/2003/InkML">
   <inkml:definitions>
     <inkml:context xml:id="ctx0">
@@ -1553,6 +1582,35 @@
           <inkml:channelProperty channel="Y" name="resolution" value="1000" units="1/cm"/>
         </inkml:channelProperties>
       </inkml:inkSource>
+      <inkml:timestamp xml:id="ts0" timeString="2023-05-05T18:17:35.563"/>
+    </inkml:context>
+    <inkml:brush xml:id="br0">
+      <inkml:brushProperty name="width" value="0.4" units="cm"/>
+      <inkml:brushProperty name="height" value="0.8" units="cm"/>
+      <inkml:brushProperty name="color" value="#C0E494"/>
+      <inkml:brushProperty name="tip" value="rectangle"/>
+      <inkml:brushProperty name="rasterOp" value="maskPen"/>
+      <inkml:brushProperty name="ignorePressure" value="1"/>
+    </inkml:brush>
+  </inkml:definitions>
+  <inkml:trace contextRef="#ctx0" brushRef="#br0">0 1,'1761'0,"-1731"0</inkml:trace>
+</inkml:ink>
+</file>
+
+<file path=ppt/ink/ink7.xml><?xml version="1.0" encoding="utf-8"?>
+<inkml:ink xmlns:inkml="http://www.w3.org/2003/InkML">
+  <inkml:definitions>
+    <inkml:context xml:id="ctx0">
+      <inkml:inkSource xml:id="inkSrc0">
+        <inkml:traceFormat>
+          <inkml:channel name="X" type="integer" min="-2.14748E9" max="2.14748E9" units="cm"/>
+          <inkml:channel name="Y" type="integer" min="-2.14748E9" max="2.14748E9" units="cm"/>
+        </inkml:traceFormat>
+        <inkml:channelProperties>
+          <inkml:channelProperty channel="X" name="resolution" value="1000" units="1/cm"/>
+          <inkml:channelProperty channel="Y" name="resolution" value="1000" units="1/cm"/>
+        </inkml:channelProperties>
+      </inkml:inkSource>
       <inkml:timestamp xml:id="ts0" timeString="2023-05-05T18:17:53.005"/>
     </inkml:context>
     <inkml:brush xml:id="br0">
@@ -1568,7 +1626,7 @@
 </inkml:ink>
 </file>
 
-<file path=ppt/ink/ink7.xml><?xml version="1.0" encoding="utf-8"?>
+<file path=ppt/ink/ink8.xml><?xml version="1.0" encoding="utf-8"?>
 <inkml:ink xmlns:inkml="http://www.w3.org/2003/InkML">
   <inkml:definitions>
     <inkml:context xml:id="ctx0">
@@ -1597,7 +1655,7 @@
 </inkml:ink>
 </file>
 
-<file path=ppt/ink/ink8.xml><?xml version="1.0" encoding="utf-8"?>
+<file path=ppt/ink/ink9.xml><?xml version="1.0" encoding="utf-8"?>
 <inkml:ink xmlns:inkml="http://www.w3.org/2003/InkML">
   <inkml:definitions>
     <inkml:context xml:id="ctx0">
@@ -1623,35 +1681,6 @@
     </inkml:brush>
   </inkml:definitions>
   <inkml:trace contextRef="#ctx0" brushRef="#br0">0 0,'8'0,"10"0,17 0,11 0,5 0,2 0,-9 0</inkml:trace>
-</inkml:ink>
-</file>
-
-<file path=ppt/ink/ink9.xml><?xml version="1.0" encoding="utf-8"?>
-<inkml:ink xmlns:inkml="http://www.w3.org/2003/InkML">
-  <inkml:definitions>
-    <inkml:context xml:id="ctx0">
-      <inkml:inkSource xml:id="inkSrc0">
-        <inkml:traceFormat>
-          <inkml:channel name="X" type="integer" min="-2.14748E9" max="2.14748E9" units="cm"/>
-          <inkml:channel name="Y" type="integer" min="-2.14748E9" max="2.14748E9" units="cm"/>
-        </inkml:traceFormat>
-        <inkml:channelProperties>
-          <inkml:channelProperty channel="X" name="resolution" value="1000" units="1/cm"/>
-          <inkml:channelProperty channel="Y" name="resolution" value="1000" units="1/cm"/>
-        </inkml:channelProperties>
-      </inkml:inkSource>
-      <inkml:timestamp xml:id="ts0" timeString="2023-05-02T12:53:33.628"/>
-    </inkml:context>
-    <inkml:brush xml:id="br0">
-      <inkml:brushProperty name="width" value="0.3" units="cm"/>
-      <inkml:brushProperty name="height" value="0.6" units="cm"/>
-      <inkml:brushProperty name="color" value="#FFFFFF"/>
-      <inkml:brushProperty name="tip" value="rectangle"/>
-      <inkml:brushProperty name="rasterOp" value="maskPen"/>
-      <inkml:brushProperty name="ignorePressure" value="1"/>
-    </inkml:brush>
-  </inkml:definitions>
-  <inkml:trace contextRef="#ctx0" brushRef="#br0">0 0,'0'0</inkml:trace>
 </inkml:ink>
 </file>
 
@@ -1851,7 +1880,7 @@
           <a:p>
             <a:fld id="{96DFF08F-DC6B-4601-B491-B0F83F6DD2DA}" type="datetimeFigureOut">
               <a:rPr lang="en-US" smtClean="0"/>
-              <a:t>5/6/2023</a:t>
+              <a:t>5/7/2023</a:t>
             </a:fld>
             <a:endParaRPr lang="en-US" dirty="0"/>
           </a:p>
@@ -2072,7 +2101,7 @@
           <a:p>
             <a:fld id="{96DFF08F-DC6B-4601-B491-B0F83F6DD2DA}" type="datetimeFigureOut">
               <a:rPr lang="en-US" smtClean="0"/>
-              <a:t>5/6/2023</a:t>
+              <a:t>5/7/2023</a:t>
             </a:fld>
             <a:endParaRPr lang="en-US" dirty="0"/>
           </a:p>
@@ -2252,7 +2281,7 @@
           <a:p>
             <a:fld id="{96DFF08F-DC6B-4601-B491-B0F83F6DD2DA}" type="datetimeFigureOut">
               <a:rPr lang="en-US" smtClean="0"/>
-              <a:t>5/6/2023</a:t>
+              <a:t>5/7/2023</a:t>
             </a:fld>
             <a:endParaRPr lang="en-US" dirty="0"/>
           </a:p>
@@ -2422,7 +2451,7 @@
           <a:p>
             <a:fld id="{96DFF08F-DC6B-4601-B491-B0F83F6DD2DA}" type="datetimeFigureOut">
               <a:rPr lang="en-US" smtClean="0"/>
-              <a:t>5/6/2023</a:t>
+              <a:t>5/7/2023</a:t>
             </a:fld>
             <a:endParaRPr lang="en-US" dirty="0"/>
           </a:p>
@@ -2673,7 +2702,7 @@
           <a:p>
             <a:fld id="{96DFF08F-DC6B-4601-B491-B0F83F6DD2DA}" type="datetimeFigureOut">
               <a:rPr lang="en-US" smtClean="0"/>
-              <a:t>5/6/2023</a:t>
+              <a:t>5/7/2023</a:t>
             </a:fld>
             <a:endParaRPr lang="en-US" dirty="0"/>
           </a:p>
@@ -2996,7 +3025,7 @@
           <a:p>
             <a:fld id="{96DFF08F-DC6B-4601-B491-B0F83F6DD2DA}" type="datetimeFigureOut">
               <a:rPr lang="en-US" smtClean="0"/>
-              <a:t>5/6/2023</a:t>
+              <a:t>5/7/2023</a:t>
             </a:fld>
             <a:endParaRPr lang="en-US" dirty="0"/>
           </a:p>
@@ -3420,7 +3449,7 @@
           <a:p>
             <a:fld id="{96DFF08F-DC6B-4601-B491-B0F83F6DD2DA}" type="datetimeFigureOut">
               <a:rPr lang="en-US" smtClean="0"/>
-              <a:t>5/6/2023</a:t>
+              <a:t>5/7/2023</a:t>
             </a:fld>
             <a:endParaRPr lang="en-US" dirty="0"/>
           </a:p>
@@ -3538,7 +3567,7 @@
           <a:p>
             <a:fld id="{96DFF08F-DC6B-4601-B491-B0F83F6DD2DA}" type="datetimeFigureOut">
               <a:rPr lang="en-US" smtClean="0"/>
-              <a:t>5/6/2023</a:t>
+              <a:t>5/7/2023</a:t>
             </a:fld>
             <a:endParaRPr lang="en-US" dirty="0"/>
           </a:p>
@@ -3633,7 +3662,7 @@
           <a:p>
             <a:fld id="{96DFF08F-DC6B-4601-B491-B0F83F6DD2DA}" type="datetimeFigureOut">
               <a:rPr lang="en-US" smtClean="0"/>
-              <a:t>5/6/2023</a:t>
+              <a:t>5/7/2023</a:t>
             </a:fld>
             <a:endParaRPr lang="en-US" dirty="0"/>
           </a:p>
@@ -3923,7 +3952,7 @@
           <a:p>
             <a:fld id="{96DFF08F-DC6B-4601-B491-B0F83F6DD2DA}" type="datetimeFigureOut">
               <a:rPr lang="en-US" smtClean="0"/>
-              <a:t>5/6/2023</a:t>
+              <a:t>5/7/2023</a:t>
             </a:fld>
             <a:endParaRPr lang="en-US" dirty="0"/>
           </a:p>
@@ -4195,7 +4224,7 @@
           <a:p>
             <a:fld id="{96DFF08F-DC6B-4601-B491-B0F83F6DD2DA}" type="datetimeFigureOut">
               <a:rPr lang="en-US" smtClean="0"/>
-              <a:t>5/6/2023</a:t>
+              <a:t>5/7/2023</a:t>
             </a:fld>
             <a:endParaRPr lang="en-US" dirty="0"/>
           </a:p>
@@ -4450,7 +4479,7 @@
             <a:fld id="{96DFF08F-DC6B-4601-B491-B0F83F6DD2DA}" type="datetimeFigureOut">
               <a:rPr lang="en-US" smtClean="0"/>
               <a:pPr/>
-              <a:t>5/6/2023</a:t>
+              <a:t>5/7/2023</a:t>
             </a:fld>
             <a:endParaRPr lang="en-US" dirty="0"/>
           </a:p>
@@ -5211,6 +5240,51 @@
           </p:pic>
         </mc:Fallback>
       </mc:AlternateContent>
+      <p:sp>
+        <p:nvSpPr>
+          <p:cNvPr id="4" name="TextBox 3">
+            <a:extLst>
+              <a:ext uri="{FF2B5EF4-FFF2-40B4-BE49-F238E27FC236}">
+                <a16:creationId xmlns:a16="http://schemas.microsoft.com/office/drawing/2014/main" id="{35B7380C-73CB-5C85-756D-F5E19AA65614}"/>
+              </a:ext>
+            </a:extLst>
+          </p:cNvPr>
+          <p:cNvSpPr txBox="1"/>
+          <p:nvPr/>
+        </p:nvSpPr>
+        <p:spPr>
+          <a:xfrm>
+            <a:off x="7320255" y="5344332"/>
+            <a:ext cx="2065283" cy="369332"/>
+          </a:xfrm>
+          <a:prstGeom prst="rect">
+            <a:avLst/>
+          </a:prstGeom>
+          <a:noFill/>
+        </p:spPr>
+        <p:txBody>
+          <a:bodyPr wrap="square" rtlCol="0">
+            <a:spAutoFit/>
+          </a:bodyPr>
+          <a:lstStyle/>
+          <a:p>
+            <a:pPr algn="ctr"/>
+            <a:r>
+              <a:rPr lang="en-US" altLang="ko-KR" b="1" dirty="0"/>
+              <a:t>&lt; print </a:t>
+            </a:r>
+            <a:r>
+              <a:rPr lang="ko-KR" altLang="en-US" b="1" dirty="0"/>
+              <a:t>결과 확인 </a:t>
+            </a:r>
+            <a:r>
+              <a:rPr lang="en-US" altLang="ko-KR" b="1" dirty="0"/>
+              <a:t>&gt;</a:t>
+            </a:r>
+            <a:endParaRPr lang="ko-KR" altLang="en-US" b="1" dirty="0"/>
+          </a:p>
+        </p:txBody>
+      </p:sp>
     </p:spTree>
     <p:extLst>
       <p:ext uri="{BB962C8B-B14F-4D97-AF65-F5344CB8AC3E}">
@@ -5352,6 +5426,51 @@
           </p:pic>
         </mc:Fallback>
       </mc:AlternateContent>
+      <p:sp>
+        <p:nvSpPr>
+          <p:cNvPr id="4" name="TextBox 3">
+            <a:extLst>
+              <a:ext uri="{FF2B5EF4-FFF2-40B4-BE49-F238E27FC236}">
+                <a16:creationId xmlns:a16="http://schemas.microsoft.com/office/drawing/2014/main" id="{BFB61AAC-CF09-3491-2837-598E06C5CCC2}"/>
+              </a:ext>
+            </a:extLst>
+          </p:cNvPr>
+          <p:cNvSpPr txBox="1"/>
+          <p:nvPr/>
+        </p:nvSpPr>
+        <p:spPr>
+          <a:xfrm>
+            <a:off x="5818626" y="5358503"/>
+            <a:ext cx="2065283" cy="369332"/>
+          </a:xfrm>
+          <a:prstGeom prst="rect">
+            <a:avLst/>
+          </a:prstGeom>
+          <a:noFill/>
+        </p:spPr>
+        <p:txBody>
+          <a:bodyPr wrap="square" rtlCol="0">
+            <a:spAutoFit/>
+          </a:bodyPr>
+          <a:lstStyle/>
+          <a:p>
+            <a:pPr algn="ctr"/>
+            <a:r>
+              <a:rPr lang="en-US" altLang="ko-KR" b="1" dirty="0"/>
+              <a:t>&lt; print </a:t>
+            </a:r>
+            <a:r>
+              <a:rPr lang="ko-KR" altLang="en-US" b="1" dirty="0"/>
+              <a:t>결과 확인 </a:t>
+            </a:r>
+            <a:r>
+              <a:rPr lang="en-US" altLang="ko-KR" b="1" dirty="0"/>
+              <a:t>&gt;</a:t>
+            </a:r>
+            <a:endParaRPr lang="ko-KR" altLang="en-US" b="1" dirty="0"/>
+          </a:p>
+        </p:txBody>
+      </p:sp>
     </p:spTree>
     <p:extLst>
       <p:ext uri="{BB962C8B-B14F-4D97-AF65-F5344CB8AC3E}">
@@ -5613,6 +5732,51 @@
           </a:prstGeom>
         </p:spPr>
       </p:pic>
+      <p:sp>
+        <p:nvSpPr>
+          <p:cNvPr id="2" name="TextBox 1">
+            <a:extLst>
+              <a:ext uri="{FF2B5EF4-FFF2-40B4-BE49-F238E27FC236}">
+                <a16:creationId xmlns:a16="http://schemas.microsoft.com/office/drawing/2014/main" id="{B8868014-7A64-88DC-9B81-352B8D60E863}"/>
+              </a:ext>
+            </a:extLst>
+          </p:cNvPr>
+          <p:cNvSpPr txBox="1"/>
+          <p:nvPr/>
+        </p:nvSpPr>
+        <p:spPr>
+          <a:xfrm>
+            <a:off x="8454110" y="2678366"/>
+            <a:ext cx="2065283" cy="369332"/>
+          </a:xfrm>
+          <a:prstGeom prst="rect">
+            <a:avLst/>
+          </a:prstGeom>
+          <a:noFill/>
+        </p:spPr>
+        <p:txBody>
+          <a:bodyPr wrap="square" rtlCol="0">
+            <a:spAutoFit/>
+          </a:bodyPr>
+          <a:lstStyle/>
+          <a:p>
+            <a:pPr algn="ctr"/>
+            <a:r>
+              <a:rPr lang="en-US" altLang="ko-KR" b="1" dirty="0"/>
+              <a:t>&lt; print </a:t>
+            </a:r>
+            <a:r>
+              <a:rPr lang="ko-KR" altLang="en-US" b="1" dirty="0"/>
+              <a:t>결과 확인 </a:t>
+            </a:r>
+            <a:r>
+              <a:rPr lang="en-US" altLang="ko-KR" b="1" dirty="0"/>
+              <a:t>&gt;</a:t>
+            </a:r>
+            <a:endParaRPr lang="ko-KR" altLang="en-US" b="1" dirty="0"/>
+          </a:p>
+        </p:txBody>
+      </p:sp>
     </p:spTree>
     <p:extLst>
       <p:ext uri="{BB962C8B-B14F-4D97-AF65-F5344CB8AC3E}">
@@ -5733,6 +5897,51 @@
           </a:prstGeom>
         </p:spPr>
       </p:pic>
+      <p:sp>
+        <p:nvSpPr>
+          <p:cNvPr id="2" name="TextBox 1">
+            <a:extLst>
+              <a:ext uri="{FF2B5EF4-FFF2-40B4-BE49-F238E27FC236}">
+                <a16:creationId xmlns:a16="http://schemas.microsoft.com/office/drawing/2014/main" id="{A726F6BD-BB0B-17C7-7023-ECB73E038358}"/>
+              </a:ext>
+            </a:extLst>
+          </p:cNvPr>
+          <p:cNvSpPr txBox="1"/>
+          <p:nvPr/>
+        </p:nvSpPr>
+        <p:spPr>
+          <a:xfrm>
+            <a:off x="9534048" y="715559"/>
+            <a:ext cx="2065283" cy="369332"/>
+          </a:xfrm>
+          <a:prstGeom prst="rect">
+            <a:avLst/>
+          </a:prstGeom>
+          <a:noFill/>
+        </p:spPr>
+        <p:txBody>
+          <a:bodyPr wrap="square" rtlCol="0">
+            <a:spAutoFit/>
+          </a:bodyPr>
+          <a:lstStyle/>
+          <a:p>
+            <a:pPr algn="ctr"/>
+            <a:r>
+              <a:rPr lang="en-US" altLang="ko-KR" b="1" dirty="0"/>
+              <a:t>&lt; print </a:t>
+            </a:r>
+            <a:r>
+              <a:rPr lang="ko-KR" altLang="en-US" b="1" dirty="0"/>
+              <a:t>결과 확인 </a:t>
+            </a:r>
+            <a:r>
+              <a:rPr lang="en-US" altLang="ko-KR" b="1" dirty="0"/>
+              <a:t>&gt;</a:t>
+            </a:r>
+            <a:endParaRPr lang="ko-KR" altLang="en-US" b="1" dirty="0"/>
+          </a:p>
+        </p:txBody>
+      </p:sp>
     </p:spTree>
     <p:extLst>
       <p:ext uri="{BB962C8B-B14F-4D97-AF65-F5344CB8AC3E}">
@@ -5969,6 +6178,51 @@
           </p:pic>
         </mc:Fallback>
       </mc:AlternateContent>
+      <p:sp>
+        <p:nvSpPr>
+          <p:cNvPr id="4" name="TextBox 3">
+            <a:extLst>
+              <a:ext uri="{FF2B5EF4-FFF2-40B4-BE49-F238E27FC236}">
+                <a16:creationId xmlns:a16="http://schemas.microsoft.com/office/drawing/2014/main" id="{2DC36E38-AB99-B7E2-6734-A42E420DC376}"/>
+              </a:ext>
+            </a:extLst>
+          </p:cNvPr>
+          <p:cNvSpPr txBox="1"/>
+          <p:nvPr/>
+        </p:nvSpPr>
+        <p:spPr>
+          <a:xfrm>
+            <a:off x="3177048" y="4783920"/>
+            <a:ext cx="2065283" cy="369332"/>
+          </a:xfrm>
+          <a:prstGeom prst="rect">
+            <a:avLst/>
+          </a:prstGeom>
+          <a:noFill/>
+        </p:spPr>
+        <p:txBody>
+          <a:bodyPr wrap="square" rtlCol="0">
+            <a:spAutoFit/>
+          </a:bodyPr>
+          <a:lstStyle/>
+          <a:p>
+            <a:pPr algn="ctr"/>
+            <a:r>
+              <a:rPr lang="en-US" altLang="ko-KR" b="1" dirty="0"/>
+              <a:t>&lt; print </a:t>
+            </a:r>
+            <a:r>
+              <a:rPr lang="ko-KR" altLang="en-US" b="1" dirty="0"/>
+              <a:t>결과 확인 </a:t>
+            </a:r>
+            <a:r>
+              <a:rPr lang="en-US" altLang="ko-KR" b="1" dirty="0"/>
+              <a:t>&gt;</a:t>
+            </a:r>
+            <a:endParaRPr lang="ko-KR" altLang="en-US" b="1" dirty="0"/>
+          </a:p>
+        </p:txBody>
+      </p:sp>
     </p:spTree>
     <p:extLst>
       <p:ext uri="{BB962C8B-B14F-4D97-AF65-F5344CB8AC3E}">
@@ -6059,6 +6313,51 @@
           </a:prstGeom>
         </p:spPr>
       </p:pic>
+      <p:sp>
+        <p:nvSpPr>
+          <p:cNvPr id="2" name="TextBox 1">
+            <a:extLst>
+              <a:ext uri="{FF2B5EF4-FFF2-40B4-BE49-F238E27FC236}">
+                <a16:creationId xmlns:a16="http://schemas.microsoft.com/office/drawing/2014/main" id="{A3C875A4-5269-C461-6AA6-08DDC1D488B2}"/>
+              </a:ext>
+            </a:extLst>
+          </p:cNvPr>
+          <p:cNvSpPr txBox="1"/>
+          <p:nvPr/>
+        </p:nvSpPr>
+        <p:spPr>
+          <a:xfrm>
+            <a:off x="3370748" y="4670876"/>
+            <a:ext cx="2065283" cy="369332"/>
+          </a:xfrm>
+          <a:prstGeom prst="rect">
+            <a:avLst/>
+          </a:prstGeom>
+          <a:noFill/>
+        </p:spPr>
+        <p:txBody>
+          <a:bodyPr wrap="square" rtlCol="0">
+            <a:spAutoFit/>
+          </a:bodyPr>
+          <a:lstStyle/>
+          <a:p>
+            <a:pPr algn="ctr"/>
+            <a:r>
+              <a:rPr lang="en-US" altLang="ko-KR" b="1" dirty="0"/>
+              <a:t>&lt; print </a:t>
+            </a:r>
+            <a:r>
+              <a:rPr lang="ko-KR" altLang="en-US" b="1" dirty="0"/>
+              <a:t>결과 확인 </a:t>
+            </a:r>
+            <a:r>
+              <a:rPr lang="en-US" altLang="ko-KR" b="1" dirty="0"/>
+              <a:t>&gt;</a:t>
+            </a:r>
+            <a:endParaRPr lang="ko-KR" altLang="en-US" b="1" dirty="0"/>
+          </a:p>
+        </p:txBody>
+      </p:sp>
     </p:spTree>
     <p:extLst>
       <p:ext uri="{BB962C8B-B14F-4D97-AF65-F5344CB8AC3E}">
@@ -7550,6 +7849,51 @@
           </p:pic>
         </mc:Fallback>
       </mc:AlternateContent>
+      <p:sp>
+        <p:nvSpPr>
+          <p:cNvPr id="24" name="TextBox 23">
+            <a:extLst>
+              <a:ext uri="{FF2B5EF4-FFF2-40B4-BE49-F238E27FC236}">
+                <a16:creationId xmlns:a16="http://schemas.microsoft.com/office/drawing/2014/main" id="{9279C9DE-4106-47DA-172B-B0EF40716863}"/>
+              </a:ext>
+            </a:extLst>
+          </p:cNvPr>
+          <p:cNvSpPr txBox="1"/>
+          <p:nvPr/>
+        </p:nvSpPr>
+        <p:spPr>
+          <a:xfrm>
+            <a:off x="8816717" y="3895203"/>
+            <a:ext cx="2065283" cy="369332"/>
+          </a:xfrm>
+          <a:prstGeom prst="rect">
+            <a:avLst/>
+          </a:prstGeom>
+          <a:noFill/>
+        </p:spPr>
+        <p:txBody>
+          <a:bodyPr wrap="square" rtlCol="0">
+            <a:spAutoFit/>
+          </a:bodyPr>
+          <a:lstStyle/>
+          <a:p>
+            <a:pPr algn="ctr"/>
+            <a:r>
+              <a:rPr lang="en-US" altLang="ko-KR" b="1" dirty="0"/>
+              <a:t>&lt; print </a:t>
+            </a:r>
+            <a:r>
+              <a:rPr lang="ko-KR" altLang="en-US" b="1" dirty="0"/>
+              <a:t>결과 확인 </a:t>
+            </a:r>
+            <a:r>
+              <a:rPr lang="en-US" altLang="ko-KR" b="1" dirty="0"/>
+              <a:t>&gt;</a:t>
+            </a:r>
+            <a:endParaRPr lang="ko-KR" altLang="en-US" b="1" dirty="0"/>
+          </a:p>
+        </p:txBody>
+      </p:sp>
     </p:spTree>
     <p:extLst>
       <p:ext uri="{BB962C8B-B14F-4D97-AF65-F5344CB8AC3E}">
@@ -7742,6 +8086,51 @@
           </p:pic>
         </mc:Fallback>
       </mc:AlternateContent>
+      <p:sp>
+        <p:nvSpPr>
+          <p:cNvPr id="3" name="TextBox 2">
+            <a:extLst>
+              <a:ext uri="{FF2B5EF4-FFF2-40B4-BE49-F238E27FC236}">
+                <a16:creationId xmlns:a16="http://schemas.microsoft.com/office/drawing/2014/main" id="{A912076D-1AAA-6F92-325C-3C3E72819837}"/>
+              </a:ext>
+            </a:extLst>
+          </p:cNvPr>
+          <p:cNvSpPr txBox="1"/>
+          <p:nvPr/>
+        </p:nvSpPr>
+        <p:spPr>
+          <a:xfrm>
+            <a:off x="8307781" y="1172291"/>
+            <a:ext cx="2065283" cy="369332"/>
+          </a:xfrm>
+          <a:prstGeom prst="rect">
+            <a:avLst/>
+          </a:prstGeom>
+          <a:noFill/>
+        </p:spPr>
+        <p:txBody>
+          <a:bodyPr wrap="square" rtlCol="0">
+            <a:spAutoFit/>
+          </a:bodyPr>
+          <a:lstStyle/>
+          <a:p>
+            <a:pPr algn="ctr"/>
+            <a:r>
+              <a:rPr lang="en-US" altLang="ko-KR" b="1" dirty="0"/>
+              <a:t>&lt; print </a:t>
+            </a:r>
+            <a:r>
+              <a:rPr lang="ko-KR" altLang="en-US" b="1" dirty="0"/>
+              <a:t>결과 확인 </a:t>
+            </a:r>
+            <a:r>
+              <a:rPr lang="en-US" altLang="ko-KR" b="1" dirty="0"/>
+              <a:t>&gt;</a:t>
+            </a:r>
+            <a:endParaRPr lang="ko-KR" altLang="en-US" b="1" dirty="0"/>
+          </a:p>
+        </p:txBody>
+      </p:sp>
     </p:spTree>
     <p:extLst>
       <p:ext uri="{BB962C8B-B14F-4D97-AF65-F5344CB8AC3E}">
@@ -7943,6 +8332,51 @@
           </p:pic>
         </mc:Fallback>
       </mc:AlternateContent>
+      <p:sp>
+        <p:nvSpPr>
+          <p:cNvPr id="4" name="TextBox 3">
+            <a:extLst>
+              <a:ext uri="{FF2B5EF4-FFF2-40B4-BE49-F238E27FC236}">
+                <a16:creationId xmlns:a16="http://schemas.microsoft.com/office/drawing/2014/main" id="{3721EF62-380E-9F5A-B46F-76832FA10BF1}"/>
+              </a:ext>
+            </a:extLst>
+          </p:cNvPr>
+          <p:cNvSpPr txBox="1"/>
+          <p:nvPr/>
+        </p:nvSpPr>
+        <p:spPr>
+          <a:xfrm>
+            <a:off x="8978606" y="1505895"/>
+            <a:ext cx="2065283" cy="369332"/>
+          </a:xfrm>
+          <a:prstGeom prst="rect">
+            <a:avLst/>
+          </a:prstGeom>
+          <a:noFill/>
+        </p:spPr>
+        <p:txBody>
+          <a:bodyPr wrap="square" rtlCol="0">
+            <a:spAutoFit/>
+          </a:bodyPr>
+          <a:lstStyle/>
+          <a:p>
+            <a:pPr algn="ctr"/>
+            <a:r>
+              <a:rPr lang="en-US" altLang="ko-KR" b="1" dirty="0"/>
+              <a:t>&lt; print </a:t>
+            </a:r>
+            <a:r>
+              <a:rPr lang="ko-KR" altLang="en-US" b="1" dirty="0"/>
+              <a:t>결과 확인 </a:t>
+            </a:r>
+            <a:r>
+              <a:rPr lang="en-US" altLang="ko-KR" b="1" dirty="0"/>
+              <a:t>&gt;</a:t>
+            </a:r>
+            <a:endParaRPr lang="ko-KR" altLang="en-US" b="1" dirty="0"/>
+          </a:p>
+        </p:txBody>
+      </p:sp>
     </p:spTree>
     <p:extLst>
       <p:ext uri="{BB962C8B-B14F-4D97-AF65-F5344CB8AC3E}">
@@ -8025,7 +8459,7 @@
         </p:blipFill>
         <p:spPr>
           <a:xfrm>
-            <a:off x="8715421" y="422949"/>
+            <a:off x="8583240" y="1045687"/>
             <a:ext cx="3208469" cy="3430594"/>
           </a:xfrm>
           <a:prstGeom prst="rect">
@@ -8033,6 +8467,51 @@
           </a:prstGeom>
         </p:spPr>
       </p:pic>
+      <p:sp>
+        <p:nvSpPr>
+          <p:cNvPr id="2" name="TextBox 1">
+            <a:extLst>
+              <a:ext uri="{FF2B5EF4-FFF2-40B4-BE49-F238E27FC236}">
+                <a16:creationId xmlns:a16="http://schemas.microsoft.com/office/drawing/2014/main" id="{1FDE0526-F5E5-AD0C-BD6F-54D8DAE79CC4}"/>
+              </a:ext>
+            </a:extLst>
+          </p:cNvPr>
+          <p:cNvSpPr txBox="1"/>
+          <p:nvPr/>
+        </p:nvSpPr>
+        <p:spPr>
+          <a:xfrm>
+            <a:off x="8583240" y="546932"/>
+            <a:ext cx="2065283" cy="369332"/>
+          </a:xfrm>
+          <a:prstGeom prst="rect">
+            <a:avLst/>
+          </a:prstGeom>
+          <a:noFill/>
+        </p:spPr>
+        <p:txBody>
+          <a:bodyPr wrap="square" rtlCol="0">
+            <a:spAutoFit/>
+          </a:bodyPr>
+          <a:lstStyle/>
+          <a:p>
+            <a:pPr algn="ctr"/>
+            <a:r>
+              <a:rPr lang="en-US" altLang="ko-KR" b="1" dirty="0"/>
+              <a:t>&lt; print </a:t>
+            </a:r>
+            <a:r>
+              <a:rPr lang="ko-KR" altLang="en-US" b="1" dirty="0"/>
+              <a:t>결과 확인 </a:t>
+            </a:r>
+            <a:r>
+              <a:rPr lang="en-US" altLang="ko-KR" b="1" dirty="0"/>
+              <a:t>&gt;</a:t>
+            </a:r>
+            <a:endParaRPr lang="ko-KR" altLang="en-US" b="1" dirty="0"/>
+          </a:p>
+        </p:txBody>
+      </p:sp>
     </p:spTree>
     <p:extLst>
       <p:ext uri="{BB962C8B-B14F-4D97-AF65-F5344CB8AC3E}">
@@ -8380,6 +8859,51 @@
           </a:prstGeom>
         </p:spPr>
       </p:pic>
+      <p:sp>
+        <p:nvSpPr>
+          <p:cNvPr id="2" name="TextBox 1">
+            <a:extLst>
+              <a:ext uri="{FF2B5EF4-FFF2-40B4-BE49-F238E27FC236}">
+                <a16:creationId xmlns:a16="http://schemas.microsoft.com/office/drawing/2014/main" id="{B97E4DFE-962E-A2FC-6526-0981DCF1F684}"/>
+              </a:ext>
+            </a:extLst>
+          </p:cNvPr>
+          <p:cNvSpPr txBox="1"/>
+          <p:nvPr/>
+        </p:nvSpPr>
+        <p:spPr>
+          <a:xfrm>
+            <a:off x="7844876" y="4144558"/>
+            <a:ext cx="2065283" cy="369332"/>
+          </a:xfrm>
+          <a:prstGeom prst="rect">
+            <a:avLst/>
+          </a:prstGeom>
+          <a:noFill/>
+        </p:spPr>
+        <p:txBody>
+          <a:bodyPr wrap="square" rtlCol="0">
+            <a:spAutoFit/>
+          </a:bodyPr>
+          <a:lstStyle/>
+          <a:p>
+            <a:pPr algn="ctr"/>
+            <a:r>
+              <a:rPr lang="en-US" altLang="ko-KR" b="1" dirty="0"/>
+              <a:t>&lt; print </a:t>
+            </a:r>
+            <a:r>
+              <a:rPr lang="ko-KR" altLang="en-US" b="1" dirty="0"/>
+              <a:t>결과 확인 </a:t>
+            </a:r>
+            <a:r>
+              <a:rPr lang="en-US" altLang="ko-KR" b="1" dirty="0"/>
+              <a:t>&gt;</a:t>
+            </a:r>
+            <a:endParaRPr lang="ko-KR" altLang="en-US" b="1" dirty="0"/>
+          </a:p>
+        </p:txBody>
+      </p:sp>
     </p:spTree>
     <p:extLst>
       <p:ext uri="{BB962C8B-B14F-4D97-AF65-F5344CB8AC3E}">
@@ -9741,6 +10265,51 @@
           </a:prstGeom>
         </p:spPr>
       </p:pic>
+      <p:sp>
+        <p:nvSpPr>
+          <p:cNvPr id="2" name="TextBox 1">
+            <a:extLst>
+              <a:ext uri="{FF2B5EF4-FFF2-40B4-BE49-F238E27FC236}">
+                <a16:creationId xmlns:a16="http://schemas.microsoft.com/office/drawing/2014/main" id="{62144EAD-F957-A84F-C9F4-DE19EC72F118}"/>
+              </a:ext>
+            </a:extLst>
+          </p:cNvPr>
+          <p:cNvSpPr txBox="1"/>
+          <p:nvPr/>
+        </p:nvSpPr>
+        <p:spPr>
+          <a:xfrm>
+            <a:off x="6767199" y="4677858"/>
+            <a:ext cx="2065283" cy="369332"/>
+          </a:xfrm>
+          <a:prstGeom prst="rect">
+            <a:avLst/>
+          </a:prstGeom>
+          <a:noFill/>
+        </p:spPr>
+        <p:txBody>
+          <a:bodyPr wrap="square" rtlCol="0">
+            <a:spAutoFit/>
+          </a:bodyPr>
+          <a:lstStyle/>
+          <a:p>
+            <a:pPr algn="ctr"/>
+            <a:r>
+              <a:rPr lang="en-US" altLang="ko-KR" b="1" dirty="0"/>
+              <a:t>&lt; print </a:t>
+            </a:r>
+            <a:r>
+              <a:rPr lang="ko-KR" altLang="en-US" b="1" dirty="0"/>
+              <a:t>결과 확인 </a:t>
+            </a:r>
+            <a:r>
+              <a:rPr lang="en-US" altLang="ko-KR" b="1" dirty="0"/>
+              <a:t>&gt;</a:t>
+            </a:r>
+            <a:endParaRPr lang="ko-KR" altLang="en-US" b="1" dirty="0"/>
+          </a:p>
+        </p:txBody>
+      </p:sp>
     </p:spTree>
     <p:extLst>
       <p:ext uri="{BB962C8B-B14F-4D97-AF65-F5344CB8AC3E}">
@@ -9807,7 +10376,7 @@
                 </a:solidFill>
                 <a:latin typeface="+mn-ea"/>
               </a:rPr>
-              <a:t>&lt; </a:t>
+              <a:t>&lt; 7</a:t>
             </a:r>
             <a:r>
               <a:rPr lang="ko-KR" altLang="en-US" sz="4800" b="1" dirty="0">
@@ -9816,7 +10385,7 @@
                 </a:solidFill>
                 <a:latin typeface="+mn-ea"/>
               </a:rPr>
-              <a:t>정리하기 </a:t>
+              <a:t>강 정리하기 </a:t>
             </a:r>
             <a:r>
               <a:rPr lang="en-US" altLang="ko-KR" sz="4800" b="1" dirty="0">
@@ -10178,6 +10747,51 @@
           </a:prstGeom>
         </p:spPr>
       </p:pic>
+      <p:sp>
+        <p:nvSpPr>
+          <p:cNvPr id="2" name="TextBox 1">
+            <a:extLst>
+              <a:ext uri="{FF2B5EF4-FFF2-40B4-BE49-F238E27FC236}">
+                <a16:creationId xmlns:a16="http://schemas.microsoft.com/office/drawing/2014/main" id="{3484E623-D166-9711-74BB-0D522CC42ADC}"/>
+              </a:ext>
+            </a:extLst>
+          </p:cNvPr>
+          <p:cNvSpPr txBox="1"/>
+          <p:nvPr/>
+        </p:nvSpPr>
+        <p:spPr>
+          <a:xfrm>
+            <a:off x="7604705" y="763823"/>
+            <a:ext cx="2065283" cy="369332"/>
+          </a:xfrm>
+          <a:prstGeom prst="rect">
+            <a:avLst/>
+          </a:prstGeom>
+          <a:noFill/>
+        </p:spPr>
+        <p:txBody>
+          <a:bodyPr wrap="square" rtlCol="0">
+            <a:spAutoFit/>
+          </a:bodyPr>
+          <a:lstStyle/>
+          <a:p>
+            <a:pPr algn="ctr"/>
+            <a:r>
+              <a:rPr lang="en-US" altLang="ko-KR" b="1" dirty="0"/>
+              <a:t>&lt; print </a:t>
+            </a:r>
+            <a:r>
+              <a:rPr lang="ko-KR" altLang="en-US" b="1" dirty="0"/>
+              <a:t>결과 확인 </a:t>
+            </a:r>
+            <a:r>
+              <a:rPr lang="en-US" altLang="ko-KR" b="1" dirty="0"/>
+              <a:t>&gt;</a:t>
+            </a:r>
+            <a:endParaRPr lang="ko-KR" altLang="en-US" b="1" dirty="0"/>
+          </a:p>
+        </p:txBody>
+      </p:sp>
     </p:spTree>
     <p:extLst>
       <p:ext uri="{BB962C8B-B14F-4D97-AF65-F5344CB8AC3E}">
@@ -10268,6 +10882,51 @@
           </a:prstGeom>
         </p:spPr>
       </p:pic>
+      <p:sp>
+        <p:nvSpPr>
+          <p:cNvPr id="2" name="TextBox 1">
+            <a:extLst>
+              <a:ext uri="{FF2B5EF4-FFF2-40B4-BE49-F238E27FC236}">
+                <a16:creationId xmlns:a16="http://schemas.microsoft.com/office/drawing/2014/main" id="{16C6299C-D6A5-2C96-0458-D71C957FFB9D}"/>
+              </a:ext>
+            </a:extLst>
+          </p:cNvPr>
+          <p:cNvSpPr txBox="1"/>
+          <p:nvPr/>
+        </p:nvSpPr>
+        <p:spPr>
+          <a:xfrm>
+            <a:off x="8772440" y="569688"/>
+            <a:ext cx="2065283" cy="369332"/>
+          </a:xfrm>
+          <a:prstGeom prst="rect">
+            <a:avLst/>
+          </a:prstGeom>
+          <a:noFill/>
+        </p:spPr>
+        <p:txBody>
+          <a:bodyPr wrap="square" rtlCol="0">
+            <a:spAutoFit/>
+          </a:bodyPr>
+          <a:lstStyle/>
+          <a:p>
+            <a:pPr algn="ctr"/>
+            <a:r>
+              <a:rPr lang="en-US" altLang="ko-KR" b="1" dirty="0"/>
+              <a:t>&lt; print </a:t>
+            </a:r>
+            <a:r>
+              <a:rPr lang="ko-KR" altLang="en-US" b="1" dirty="0"/>
+              <a:t>결과 확인 </a:t>
+            </a:r>
+            <a:r>
+              <a:rPr lang="en-US" altLang="ko-KR" b="1" dirty="0"/>
+              <a:t>&gt;</a:t>
+            </a:r>
+            <a:endParaRPr lang="ko-KR" altLang="en-US" b="1" dirty="0"/>
+          </a:p>
+        </p:txBody>
+      </p:sp>
     </p:spTree>
     <p:extLst>
       <p:ext uri="{BB962C8B-B14F-4D97-AF65-F5344CB8AC3E}">
@@ -10358,6 +11017,102 @@
           </a:prstGeom>
         </p:spPr>
       </p:pic>
+      <mc:AlternateContent xmlns:mc="http://schemas.openxmlformats.org/markup-compatibility/2006" xmlns:p14="http://schemas.microsoft.com/office/powerpoint/2010/main">
+        <mc:Choice Requires="p14">
+          <p:contentPart p14:bwMode="auto" r:id="rId4">
+            <p14:nvContentPartPr>
+              <p14:cNvPr id="2" name="잉크 1">
+                <a:extLst>
+                  <a:ext uri="{FF2B5EF4-FFF2-40B4-BE49-F238E27FC236}">
+                    <a16:creationId xmlns:a16="http://schemas.microsoft.com/office/drawing/2014/main" id="{C943FC0A-EFF0-04B4-013C-42D7E25497DE}"/>
+                  </a:ext>
+                </a:extLst>
+              </p14:cNvPr>
+              <p14:cNvContentPartPr/>
+              <p14:nvPr/>
+            </p14:nvContentPartPr>
+            <p14:xfrm>
+              <a:off x="795985" y="538014"/>
+              <a:ext cx="480240" cy="360"/>
+            </p14:xfrm>
+          </p:contentPart>
+        </mc:Choice>
+        <mc:Fallback xmlns="">
+          <p:pic>
+            <p:nvPicPr>
+              <p:cNvPr id="2" name="잉크 1">
+                <a:extLst>
+                  <a:ext uri="{FF2B5EF4-FFF2-40B4-BE49-F238E27FC236}">
+                    <a16:creationId xmlns:a16="http://schemas.microsoft.com/office/drawing/2014/main" id="{C943FC0A-EFF0-04B4-013C-42D7E25497DE}"/>
+                  </a:ext>
+                </a:extLst>
+              </p:cNvPr>
+              <p:cNvPicPr/>
+              <p:nvPr/>
+            </p:nvPicPr>
+            <p:blipFill>
+              <a:blip r:embed="rId5"/>
+              <a:stretch>
+                <a:fillRect/>
+              </a:stretch>
+            </p:blipFill>
+            <p:spPr>
+              <a:xfrm>
+                <a:off x="723985" y="394374"/>
+                <a:ext cx="623880" cy="288000"/>
+              </a:xfrm>
+              <a:prstGeom prst="rect">
+                <a:avLst/>
+              </a:prstGeom>
+            </p:spPr>
+          </p:pic>
+        </mc:Fallback>
+      </mc:AlternateContent>
+      <p:sp>
+        <p:nvSpPr>
+          <p:cNvPr id="4" name="TextBox 3">
+            <a:extLst>
+              <a:ext uri="{FF2B5EF4-FFF2-40B4-BE49-F238E27FC236}">
+                <a16:creationId xmlns:a16="http://schemas.microsoft.com/office/drawing/2014/main" id="{54DB8448-B056-E333-FA7D-87646A3FE0A4}"/>
+              </a:ext>
+            </a:extLst>
+          </p:cNvPr>
+          <p:cNvSpPr txBox="1"/>
+          <p:nvPr/>
+        </p:nvSpPr>
+        <p:spPr>
+          <a:xfrm>
+            <a:off x="8268735" y="1037952"/>
+            <a:ext cx="2065283" cy="369332"/>
+          </a:xfrm>
+          <a:prstGeom prst="rect">
+            <a:avLst/>
+          </a:prstGeom>
+          <a:noFill/>
+        </p:spPr>
+        <p:txBody>
+          <a:bodyPr wrap="square" rtlCol="0">
+            <a:spAutoFit/>
+          </a:bodyPr>
+          <a:lstStyle/>
+          <a:p>
+            <a:pPr algn="ctr"/>
+            <a:r>
+              <a:rPr lang="en-US" altLang="ko-KR" b="1" dirty="0"/>
+              <a:t>&lt; print </a:t>
+            </a:r>
+            <a:r>
+              <a:rPr lang="ko-KR" altLang="en-US" b="1" dirty="0"/>
+              <a:t>결과 확인 </a:t>
+            </a:r>
+            <a:r>
+              <a:rPr lang="en-US" altLang="ko-KR" b="1" dirty="0"/>
+              <a:t>&gt;</a:t>
+            </a:r>
+            <a:endParaRPr lang="ko-KR" altLang="en-US" b="1" dirty="0"/>
+          </a:p>
+        </p:txBody>
+      </p:sp>
     </p:spTree>
     <p:extLst>
       <p:ext uri="{BB962C8B-B14F-4D97-AF65-F5344CB8AC3E}">
@@ -10448,6 +11203,51 @@
           </a:prstGeom>
         </p:spPr>
       </p:pic>
+      <p:sp>
+        <p:nvSpPr>
+          <p:cNvPr id="2" name="TextBox 1">
+            <a:extLst>
+              <a:ext uri="{FF2B5EF4-FFF2-40B4-BE49-F238E27FC236}">
+                <a16:creationId xmlns:a16="http://schemas.microsoft.com/office/drawing/2014/main" id="{78B4BB43-A9BF-55D5-839F-FC103E65F871}"/>
+              </a:ext>
+            </a:extLst>
+          </p:cNvPr>
+          <p:cNvSpPr txBox="1"/>
+          <p:nvPr/>
+        </p:nvSpPr>
+        <p:spPr>
+          <a:xfrm>
+            <a:off x="6412475" y="4840501"/>
+            <a:ext cx="2065283" cy="369332"/>
+          </a:xfrm>
+          <a:prstGeom prst="rect">
+            <a:avLst/>
+          </a:prstGeom>
+          <a:noFill/>
+        </p:spPr>
+        <p:txBody>
+          <a:bodyPr wrap="square" rtlCol="0">
+            <a:spAutoFit/>
+          </a:bodyPr>
+          <a:lstStyle/>
+          <a:p>
+            <a:pPr algn="ctr"/>
+            <a:r>
+              <a:rPr lang="en-US" altLang="ko-KR" b="1" dirty="0"/>
+              <a:t>&lt; print </a:t>
+            </a:r>
+            <a:r>
+              <a:rPr lang="ko-KR" altLang="en-US" b="1" dirty="0"/>
+              <a:t>결과 확인 </a:t>
+            </a:r>
+            <a:r>
+              <a:rPr lang="en-US" altLang="ko-KR" b="1" dirty="0"/>
+              <a:t>&gt;</a:t>
+            </a:r>
+            <a:endParaRPr lang="ko-KR" altLang="en-US" b="1" dirty="0"/>
+          </a:p>
+        </p:txBody>
+      </p:sp>
     </p:spTree>
     <p:extLst>
       <p:ext uri="{BB962C8B-B14F-4D97-AF65-F5344CB8AC3E}">
@@ -10538,6 +11338,51 @@
           </a:prstGeom>
         </p:spPr>
       </p:pic>
+      <p:sp>
+        <p:nvSpPr>
+          <p:cNvPr id="2" name="TextBox 1">
+            <a:extLst>
+              <a:ext uri="{FF2B5EF4-FFF2-40B4-BE49-F238E27FC236}">
+                <a16:creationId xmlns:a16="http://schemas.microsoft.com/office/drawing/2014/main" id="{567E6C58-1279-D8D9-48EA-B0DEEB7B6F88}"/>
+              </a:ext>
+            </a:extLst>
+          </p:cNvPr>
+          <p:cNvSpPr txBox="1"/>
+          <p:nvPr/>
+        </p:nvSpPr>
+        <p:spPr>
+          <a:xfrm>
+            <a:off x="6207523" y="4971160"/>
+            <a:ext cx="2065283" cy="369332"/>
+          </a:xfrm>
+          <a:prstGeom prst="rect">
+            <a:avLst/>
+          </a:prstGeom>
+          <a:noFill/>
+        </p:spPr>
+        <p:txBody>
+          <a:bodyPr wrap="square" rtlCol="0">
+            <a:spAutoFit/>
+          </a:bodyPr>
+          <a:lstStyle/>
+          <a:p>
+            <a:pPr algn="ctr"/>
+            <a:r>
+              <a:rPr lang="en-US" altLang="ko-KR" b="1" dirty="0"/>
+              <a:t>&lt; print </a:t>
+            </a:r>
+            <a:r>
+              <a:rPr lang="ko-KR" altLang="en-US" b="1" dirty="0"/>
+              <a:t>결과 확인 </a:t>
+            </a:r>
+            <a:r>
+              <a:rPr lang="en-US" altLang="ko-KR" b="1" dirty="0"/>
+              <a:t>&gt;</a:t>
+            </a:r>
+            <a:endParaRPr lang="ko-KR" altLang="en-US" b="1" dirty="0"/>
+          </a:p>
+        </p:txBody>
+      </p:sp>
     </p:spTree>
     <p:extLst>
       <p:ext uri="{BB962C8B-B14F-4D97-AF65-F5344CB8AC3E}">
